--- a/mvc-rpg/Model View Controller.pptx
+++ b/mvc-rpg/Model View Controller.pptx
@@ -5540,6 +5540,36 @@
           </a:p>
         </p:txBody>
       </p:sp>
+      <p:pic>
+        <p:nvPicPr>
+          <p:cNvPr id="16" name="Grafik 15">
+            <a:extLst>
+              <a:ext uri="{FF2B5EF4-FFF2-40B4-BE49-F238E27FC236}">
+                <a16:creationId xmlns:a16="http://schemas.microsoft.com/office/drawing/2014/main" id="{59500585-0C89-C25A-6B61-9CB7D42939B7}"/>
+              </a:ext>
+            </a:extLst>
+          </p:cNvPr>
+          <p:cNvPicPr>
+            <a:picLocks noChangeAspect="1"/>
+          </p:cNvPicPr>
+          <p:nvPr/>
+        </p:nvPicPr>
+        <p:blipFill>
+          <a:blip r:embed="rId2"/>
+          <a:stretch>
+            <a:fillRect/>
+          </a:stretch>
+        </p:blipFill>
+        <p:spPr>
+          <a:xfrm>
+            <a:off x="-410167" y="25231540"/>
+            <a:ext cx="13012334" cy="20356130"/>
+          </a:xfrm>
+          <a:prstGeom prst="rect">
+            <a:avLst/>
+          </a:prstGeom>
+        </p:spPr>
+      </p:pic>
     </p:spTree>
     <p:extLst>
       <p:ext uri="{BB962C8B-B14F-4D97-AF65-F5344CB8AC3E}">
@@ -6011,10 +6041,10 @@
       </p:sp>
       <p:sp>
         <p:nvSpPr>
-          <p:cNvPr id="11" name="Rechteck 10">
-            <a:extLst>
-              <a:ext uri="{FF2B5EF4-FFF2-40B4-BE49-F238E27FC236}">
-                <a16:creationId xmlns:a16="http://schemas.microsoft.com/office/drawing/2014/main" id="{6DE95AFB-9BE8-27F7-DE22-8BAEF6910DF5}"/>
+          <p:cNvPr id="15" name="!! toBG">
+            <a:extLst>
+              <a:ext uri="{FF2B5EF4-FFF2-40B4-BE49-F238E27FC236}">
+                <a16:creationId xmlns:a16="http://schemas.microsoft.com/office/drawing/2014/main" id="{ECCDFB1F-95E9-E48F-5719-8AE334CBD76E}"/>
               </a:ext>
             </a:extLst>
           </p:cNvPr>
@@ -6022,17 +6052,17 @@
           <p:nvPr/>
         </p:nvSpPr>
         <p:spPr>
-          <a:xfrm rot="2700000">
-            <a:off x="11674941" y="-3063368"/>
-            <a:ext cx="1034116" cy="1034116"/>
-          </a:xfrm>
-          <a:prstGeom prst="rect">
+          <a:xfrm>
+            <a:off x="-1597252" y="-4246167"/>
+            <a:ext cx="15691303" cy="15691303"/>
+          </a:xfrm>
+          <a:prstGeom prst="ellipse">
             <a:avLst/>
           </a:prstGeom>
           <a:solidFill>
             <a:schemeClr val="tx2">
-              <a:lumMod val="75000"/>
-              <a:lumOff val="25000"/>
+              <a:lumMod val="10000"/>
+              <a:lumOff val="90000"/>
             </a:schemeClr>
           </a:solidFill>
           <a:ln>
@@ -6060,16 +6090,881 @@
           <a:lstStyle/>
           <a:p>
             <a:pPr algn="ctr"/>
-            <a:endParaRPr lang="de-DE"/>
-          </a:p>
-        </p:txBody>
-      </p:sp>
-      <p:sp>
-        <p:nvSpPr>
-          <p:cNvPr id="12" name="Rechteck 11">
-            <a:extLst>
-              <a:ext uri="{FF2B5EF4-FFF2-40B4-BE49-F238E27FC236}">
-                <a16:creationId xmlns:a16="http://schemas.microsoft.com/office/drawing/2014/main" id="{B72C19DC-1FD2-3F60-BDF6-4B15640D7921}"/>
+            <a:endParaRPr lang="de-DE" dirty="0"/>
+          </a:p>
+        </p:txBody>
+      </p:sp>
+      <p:pic>
+        <p:nvPicPr>
+          <p:cNvPr id="5" name="Grafik 4" descr="Ein Bild, das Schwarz, Dunkelheit enthält.&#10;&#10;Automatisch generierte Beschreibung">
+            <a:extLst>
+              <a:ext uri="{FF2B5EF4-FFF2-40B4-BE49-F238E27FC236}">
+                <a16:creationId xmlns:a16="http://schemas.microsoft.com/office/drawing/2014/main" id="{5945F347-217A-8213-5A15-A4108B42AC53}"/>
+              </a:ext>
+            </a:extLst>
+          </p:cNvPr>
+          <p:cNvPicPr>
+            <a:picLocks noChangeAspect="1"/>
+          </p:cNvPicPr>
+          <p:nvPr/>
+        </p:nvPicPr>
+        <p:blipFill>
+          <a:blip r:embed="rId2">
+            <a:extLst>
+              <a:ext uri="{28A0092B-C50C-407E-A947-70E740481C1C}">
+                <a14:useLocalDpi xmlns:a14="http://schemas.microsoft.com/office/drawing/2010/main" val="0"/>
+              </a:ext>
+            </a:extLst>
+          </a:blip>
+          <a:stretch>
+            <a:fillRect/>
+          </a:stretch>
+        </p:blipFill>
+        <p:spPr>
+          <a:xfrm>
+            <a:off x="2735714" y="9035075"/>
+            <a:ext cx="6720572" cy="1413766"/>
+          </a:xfrm>
+          <a:prstGeom prst="rect">
+            <a:avLst/>
+          </a:prstGeom>
+        </p:spPr>
+      </p:pic>
+      <p:pic>
+        <p:nvPicPr>
+          <p:cNvPr id="7" name="Grafik 6">
+            <a:extLst>
+              <a:ext uri="{FF2B5EF4-FFF2-40B4-BE49-F238E27FC236}">
+                <a16:creationId xmlns:a16="http://schemas.microsoft.com/office/drawing/2014/main" id="{83A97D2E-7324-A61C-538D-B62EFD00D8FD}"/>
+              </a:ext>
+            </a:extLst>
+          </p:cNvPr>
+          <p:cNvPicPr>
+            <a:picLocks noChangeAspect="1"/>
+          </p:cNvPicPr>
+          <p:nvPr/>
+        </p:nvPicPr>
+        <p:blipFill>
+          <a:blip r:embed="rId3"/>
+          <a:stretch>
+            <a:fillRect/>
+          </a:stretch>
+        </p:blipFill>
+        <p:spPr>
+          <a:xfrm>
+            <a:off x="-410167" y="-238838"/>
+            <a:ext cx="13012334" cy="20356130"/>
+          </a:xfrm>
+          <a:prstGeom prst="rect">
+            <a:avLst/>
+          </a:prstGeom>
+        </p:spPr>
+      </p:pic>
+      <p:sp>
+        <p:nvSpPr>
+          <p:cNvPr id="19" name="Untertitel 2">
+            <a:extLst>
+              <a:ext uri="{FF2B5EF4-FFF2-40B4-BE49-F238E27FC236}">
+                <a16:creationId xmlns:a16="http://schemas.microsoft.com/office/drawing/2014/main" id="{4DF8376C-859E-A4C0-074B-7FD8A81396E8}"/>
+              </a:ext>
+            </a:extLst>
+          </p:cNvPr>
+          <p:cNvSpPr txBox="1">
+            <a:spLocks/>
+          </p:cNvSpPr>
+          <p:nvPr/>
+        </p:nvSpPr>
+        <p:spPr>
+          <a:xfrm>
+            <a:off x="707469" y="25357809"/>
+            <a:ext cx="11150149" cy="3231231"/>
+          </a:xfrm>
+          <a:prstGeom prst="rect">
+            <a:avLst/>
+          </a:prstGeom>
+        </p:spPr>
+        <p:txBody>
+          <a:bodyPr vert="horz" lIns="91440" tIns="45720" rIns="91440" bIns="45720" rtlCol="0">
+            <a:normAutofit/>
+          </a:bodyPr>
+          <a:lstStyle>
+            <a:lvl1pPr marL="0" indent="0" algn="ctr" defTabSz="914400" rtl="0" eaLnBrk="1" latinLnBrk="0" hangingPunct="1">
+              <a:lnSpc>
+                <a:spcPct val="90000"/>
+              </a:lnSpc>
+              <a:spcBef>
+                <a:spcPts val="1000"/>
+              </a:spcBef>
+              <a:buFont typeface="Arial" panose="020B0604020202020204" pitchFamily="34" charset="0"/>
+              <a:buNone/>
+              <a:defRPr sz="2400" kern="1200">
+                <a:solidFill>
+                  <a:schemeClr val="tx1"/>
+                </a:solidFill>
+                <a:latin typeface="+mn-lt"/>
+                <a:ea typeface="+mn-ea"/>
+                <a:cs typeface="+mn-cs"/>
+              </a:defRPr>
+            </a:lvl1pPr>
+            <a:lvl2pPr marL="457200" indent="0" algn="ctr" defTabSz="914400" rtl="0" eaLnBrk="1" latinLnBrk="0" hangingPunct="1">
+              <a:lnSpc>
+                <a:spcPct val="90000"/>
+              </a:lnSpc>
+              <a:spcBef>
+                <a:spcPts val="500"/>
+              </a:spcBef>
+              <a:buFont typeface="Arial" panose="020B0604020202020204" pitchFamily="34" charset="0"/>
+              <a:buNone/>
+              <a:defRPr sz="2000" kern="1200">
+                <a:solidFill>
+                  <a:schemeClr val="tx1"/>
+                </a:solidFill>
+                <a:latin typeface="+mn-lt"/>
+                <a:ea typeface="+mn-ea"/>
+                <a:cs typeface="+mn-cs"/>
+              </a:defRPr>
+            </a:lvl2pPr>
+            <a:lvl3pPr marL="914400" indent="0" algn="ctr" defTabSz="914400" rtl="0" eaLnBrk="1" latinLnBrk="0" hangingPunct="1">
+              <a:lnSpc>
+                <a:spcPct val="90000"/>
+              </a:lnSpc>
+              <a:spcBef>
+                <a:spcPts val="500"/>
+              </a:spcBef>
+              <a:buFont typeface="Arial" panose="020B0604020202020204" pitchFamily="34" charset="0"/>
+              <a:buNone/>
+              <a:defRPr sz="1800" kern="1200">
+                <a:solidFill>
+                  <a:schemeClr val="tx1"/>
+                </a:solidFill>
+                <a:latin typeface="+mn-lt"/>
+                <a:ea typeface="+mn-ea"/>
+                <a:cs typeface="+mn-cs"/>
+              </a:defRPr>
+            </a:lvl3pPr>
+            <a:lvl4pPr marL="1371600" indent="0" algn="ctr" defTabSz="914400" rtl="0" eaLnBrk="1" latinLnBrk="0" hangingPunct="1">
+              <a:lnSpc>
+                <a:spcPct val="90000"/>
+              </a:lnSpc>
+              <a:spcBef>
+                <a:spcPts val="500"/>
+              </a:spcBef>
+              <a:buFont typeface="Arial" panose="020B0604020202020204" pitchFamily="34" charset="0"/>
+              <a:buNone/>
+              <a:defRPr sz="1600" kern="1200">
+                <a:solidFill>
+                  <a:schemeClr val="tx1"/>
+                </a:solidFill>
+                <a:latin typeface="+mn-lt"/>
+                <a:ea typeface="+mn-ea"/>
+                <a:cs typeface="+mn-cs"/>
+              </a:defRPr>
+            </a:lvl4pPr>
+            <a:lvl5pPr marL="1828800" indent="0" algn="ctr" defTabSz="914400" rtl="0" eaLnBrk="1" latinLnBrk="0" hangingPunct="1">
+              <a:lnSpc>
+                <a:spcPct val="90000"/>
+              </a:lnSpc>
+              <a:spcBef>
+                <a:spcPts val="500"/>
+              </a:spcBef>
+              <a:buFont typeface="Arial" panose="020B0604020202020204" pitchFamily="34" charset="0"/>
+              <a:buNone/>
+              <a:defRPr sz="1600" kern="1200">
+                <a:solidFill>
+                  <a:schemeClr val="tx1"/>
+                </a:solidFill>
+                <a:latin typeface="+mn-lt"/>
+                <a:ea typeface="+mn-ea"/>
+                <a:cs typeface="+mn-cs"/>
+              </a:defRPr>
+            </a:lvl5pPr>
+            <a:lvl6pPr marL="2286000" indent="0" algn="ctr" defTabSz="914400" rtl="0" eaLnBrk="1" latinLnBrk="0" hangingPunct="1">
+              <a:lnSpc>
+                <a:spcPct val="90000"/>
+              </a:lnSpc>
+              <a:spcBef>
+                <a:spcPts val="500"/>
+              </a:spcBef>
+              <a:buFont typeface="Arial" panose="020B0604020202020204" pitchFamily="34" charset="0"/>
+              <a:buNone/>
+              <a:defRPr sz="1600" kern="1200">
+                <a:solidFill>
+                  <a:schemeClr val="tx1"/>
+                </a:solidFill>
+                <a:latin typeface="+mn-lt"/>
+                <a:ea typeface="+mn-ea"/>
+                <a:cs typeface="+mn-cs"/>
+              </a:defRPr>
+            </a:lvl6pPr>
+            <a:lvl7pPr marL="2743200" indent="0" algn="ctr" defTabSz="914400" rtl="0" eaLnBrk="1" latinLnBrk="0" hangingPunct="1">
+              <a:lnSpc>
+                <a:spcPct val="90000"/>
+              </a:lnSpc>
+              <a:spcBef>
+                <a:spcPts val="500"/>
+              </a:spcBef>
+              <a:buFont typeface="Arial" panose="020B0604020202020204" pitchFamily="34" charset="0"/>
+              <a:buNone/>
+              <a:defRPr sz="1600" kern="1200">
+                <a:solidFill>
+                  <a:schemeClr val="tx1"/>
+                </a:solidFill>
+                <a:latin typeface="+mn-lt"/>
+                <a:ea typeface="+mn-ea"/>
+                <a:cs typeface="+mn-cs"/>
+              </a:defRPr>
+            </a:lvl7pPr>
+            <a:lvl8pPr marL="3200400" indent="0" algn="ctr" defTabSz="914400" rtl="0" eaLnBrk="1" latinLnBrk="0" hangingPunct="1">
+              <a:lnSpc>
+                <a:spcPct val="90000"/>
+              </a:lnSpc>
+              <a:spcBef>
+                <a:spcPts val="500"/>
+              </a:spcBef>
+              <a:buFont typeface="Arial" panose="020B0604020202020204" pitchFamily="34" charset="0"/>
+              <a:buNone/>
+              <a:defRPr sz="1600" kern="1200">
+                <a:solidFill>
+                  <a:schemeClr val="tx1"/>
+                </a:solidFill>
+                <a:latin typeface="+mn-lt"/>
+                <a:ea typeface="+mn-ea"/>
+                <a:cs typeface="+mn-cs"/>
+              </a:defRPr>
+            </a:lvl8pPr>
+            <a:lvl9pPr marL="3657600" indent="0" algn="ctr" defTabSz="914400" rtl="0" eaLnBrk="1" latinLnBrk="0" hangingPunct="1">
+              <a:lnSpc>
+                <a:spcPct val="90000"/>
+              </a:lnSpc>
+              <a:spcBef>
+                <a:spcPts val="500"/>
+              </a:spcBef>
+              <a:buFont typeface="Arial" panose="020B0604020202020204" pitchFamily="34" charset="0"/>
+              <a:buNone/>
+              <a:defRPr sz="1600" kern="1200">
+                <a:solidFill>
+                  <a:schemeClr val="tx1"/>
+                </a:solidFill>
+                <a:latin typeface="+mn-lt"/>
+                <a:ea typeface="+mn-ea"/>
+                <a:cs typeface="+mn-cs"/>
+              </a:defRPr>
+            </a:lvl9pPr>
+          </a:lstStyle>
+          <a:p>
+            <a:pPr marL="342900" indent="-342900" algn="l">
+              <a:buFont typeface="Arial" panose="020B0604020202020204" pitchFamily="34" charset="0"/>
+              <a:buChar char="•"/>
+            </a:pPr>
+            <a:r>
+              <a:rPr lang="de-DE" dirty="0"/>
+              <a:t>Erstellt kostenlose CSS-Layouts</a:t>
+            </a:r>
+          </a:p>
+          <a:p>
+            <a:pPr marL="342900" indent="-342900" algn="l">
+              <a:buFont typeface="Arial" panose="020B0604020202020204" pitchFamily="34" charset="0"/>
+              <a:buChar char="•"/>
+            </a:pPr>
+            <a:r>
+              <a:rPr lang="de-DE" dirty="0"/>
+              <a:t>Alle Layouts werden mit der Creative Commons (CC) Lizenz verbreitet.</a:t>
+            </a:r>
+          </a:p>
+          <a:p>
+            <a:pPr marL="800100" lvl="1" indent="-342900" algn="l">
+              <a:buFont typeface="Arial" panose="020B0604020202020204" pitchFamily="34" charset="0"/>
+              <a:buChar char="•"/>
+            </a:pPr>
+            <a:r>
+              <a:rPr lang="de-DE" dirty="0"/>
+              <a:t>Erlaubt das verbreiten, verändern und anpassen des Materials.</a:t>
+            </a:r>
+          </a:p>
+          <a:p>
+            <a:pPr marL="800100" lvl="1" indent="-342900" algn="l">
+              <a:buFont typeface="Arial" panose="020B0604020202020204" pitchFamily="34" charset="0"/>
+              <a:buChar char="•"/>
+            </a:pPr>
+            <a:r>
+              <a:rPr lang="de-DE" dirty="0"/>
+              <a:t>Originaler Ersteller muss auf dem veränderten Material erwähnt werden</a:t>
+            </a:r>
+          </a:p>
+        </p:txBody>
+      </p:sp>
+      <p:sp>
+        <p:nvSpPr>
+          <p:cNvPr id="20" name="Untertitel 2">
+            <a:extLst>
+              <a:ext uri="{FF2B5EF4-FFF2-40B4-BE49-F238E27FC236}">
+                <a16:creationId xmlns:a16="http://schemas.microsoft.com/office/drawing/2014/main" id="{7D5019B1-0DDA-35E8-9B13-5A796F5E480D}"/>
+              </a:ext>
+            </a:extLst>
+          </p:cNvPr>
+          <p:cNvSpPr txBox="1">
+            <a:spLocks/>
+          </p:cNvSpPr>
+          <p:nvPr/>
+        </p:nvSpPr>
+        <p:spPr>
+          <a:xfrm>
+            <a:off x="707469" y="24503754"/>
+            <a:ext cx="11150149" cy="3231231"/>
+          </a:xfrm>
+          <a:prstGeom prst="rect">
+            <a:avLst/>
+          </a:prstGeom>
+        </p:spPr>
+        <p:txBody>
+          <a:bodyPr vert="horz" lIns="91440" tIns="45720" rIns="91440" bIns="45720" rtlCol="0">
+            <a:normAutofit/>
+          </a:bodyPr>
+          <a:lstStyle>
+            <a:lvl1pPr marL="0" indent="0" algn="ctr" defTabSz="914400" rtl="0" eaLnBrk="1" latinLnBrk="0" hangingPunct="1">
+              <a:lnSpc>
+                <a:spcPct val="90000"/>
+              </a:lnSpc>
+              <a:spcBef>
+                <a:spcPts val="1000"/>
+              </a:spcBef>
+              <a:buFont typeface="Arial" panose="020B0604020202020204" pitchFamily="34" charset="0"/>
+              <a:buNone/>
+              <a:defRPr sz="2400" kern="1200">
+                <a:solidFill>
+                  <a:schemeClr val="tx1"/>
+                </a:solidFill>
+                <a:latin typeface="+mn-lt"/>
+                <a:ea typeface="+mn-ea"/>
+                <a:cs typeface="+mn-cs"/>
+              </a:defRPr>
+            </a:lvl1pPr>
+            <a:lvl2pPr marL="457200" indent="0" algn="ctr" defTabSz="914400" rtl="0" eaLnBrk="1" latinLnBrk="0" hangingPunct="1">
+              <a:lnSpc>
+                <a:spcPct val="90000"/>
+              </a:lnSpc>
+              <a:spcBef>
+                <a:spcPts val="500"/>
+              </a:spcBef>
+              <a:buFont typeface="Arial" panose="020B0604020202020204" pitchFamily="34" charset="0"/>
+              <a:buNone/>
+              <a:defRPr sz="2000" kern="1200">
+                <a:solidFill>
+                  <a:schemeClr val="tx1"/>
+                </a:solidFill>
+                <a:latin typeface="+mn-lt"/>
+                <a:ea typeface="+mn-ea"/>
+                <a:cs typeface="+mn-cs"/>
+              </a:defRPr>
+            </a:lvl2pPr>
+            <a:lvl3pPr marL="914400" indent="0" algn="ctr" defTabSz="914400" rtl="0" eaLnBrk="1" latinLnBrk="0" hangingPunct="1">
+              <a:lnSpc>
+                <a:spcPct val="90000"/>
+              </a:lnSpc>
+              <a:spcBef>
+                <a:spcPts val="500"/>
+              </a:spcBef>
+              <a:buFont typeface="Arial" panose="020B0604020202020204" pitchFamily="34" charset="0"/>
+              <a:buNone/>
+              <a:defRPr sz="1800" kern="1200">
+                <a:solidFill>
+                  <a:schemeClr val="tx1"/>
+                </a:solidFill>
+                <a:latin typeface="+mn-lt"/>
+                <a:ea typeface="+mn-ea"/>
+                <a:cs typeface="+mn-cs"/>
+              </a:defRPr>
+            </a:lvl3pPr>
+            <a:lvl4pPr marL="1371600" indent="0" algn="ctr" defTabSz="914400" rtl="0" eaLnBrk="1" latinLnBrk="0" hangingPunct="1">
+              <a:lnSpc>
+                <a:spcPct val="90000"/>
+              </a:lnSpc>
+              <a:spcBef>
+                <a:spcPts val="500"/>
+              </a:spcBef>
+              <a:buFont typeface="Arial" panose="020B0604020202020204" pitchFamily="34" charset="0"/>
+              <a:buNone/>
+              <a:defRPr sz="1600" kern="1200">
+                <a:solidFill>
+                  <a:schemeClr val="tx1"/>
+                </a:solidFill>
+                <a:latin typeface="+mn-lt"/>
+                <a:ea typeface="+mn-ea"/>
+                <a:cs typeface="+mn-cs"/>
+              </a:defRPr>
+            </a:lvl4pPr>
+            <a:lvl5pPr marL="1828800" indent="0" algn="ctr" defTabSz="914400" rtl="0" eaLnBrk="1" latinLnBrk="0" hangingPunct="1">
+              <a:lnSpc>
+                <a:spcPct val="90000"/>
+              </a:lnSpc>
+              <a:spcBef>
+                <a:spcPts val="500"/>
+              </a:spcBef>
+              <a:buFont typeface="Arial" panose="020B0604020202020204" pitchFamily="34" charset="0"/>
+              <a:buNone/>
+              <a:defRPr sz="1600" kern="1200">
+                <a:solidFill>
+                  <a:schemeClr val="tx1"/>
+                </a:solidFill>
+                <a:latin typeface="+mn-lt"/>
+                <a:ea typeface="+mn-ea"/>
+                <a:cs typeface="+mn-cs"/>
+              </a:defRPr>
+            </a:lvl5pPr>
+            <a:lvl6pPr marL="2286000" indent="0" algn="ctr" defTabSz="914400" rtl="0" eaLnBrk="1" latinLnBrk="0" hangingPunct="1">
+              <a:lnSpc>
+                <a:spcPct val="90000"/>
+              </a:lnSpc>
+              <a:spcBef>
+                <a:spcPts val="500"/>
+              </a:spcBef>
+              <a:buFont typeface="Arial" panose="020B0604020202020204" pitchFamily="34" charset="0"/>
+              <a:buNone/>
+              <a:defRPr sz="1600" kern="1200">
+                <a:solidFill>
+                  <a:schemeClr val="tx1"/>
+                </a:solidFill>
+                <a:latin typeface="+mn-lt"/>
+                <a:ea typeface="+mn-ea"/>
+                <a:cs typeface="+mn-cs"/>
+              </a:defRPr>
+            </a:lvl6pPr>
+            <a:lvl7pPr marL="2743200" indent="0" algn="ctr" defTabSz="914400" rtl="0" eaLnBrk="1" latinLnBrk="0" hangingPunct="1">
+              <a:lnSpc>
+                <a:spcPct val="90000"/>
+              </a:lnSpc>
+              <a:spcBef>
+                <a:spcPts val="500"/>
+              </a:spcBef>
+              <a:buFont typeface="Arial" panose="020B0604020202020204" pitchFamily="34" charset="0"/>
+              <a:buNone/>
+              <a:defRPr sz="1600" kern="1200">
+                <a:solidFill>
+                  <a:schemeClr val="tx1"/>
+                </a:solidFill>
+                <a:latin typeface="+mn-lt"/>
+                <a:ea typeface="+mn-ea"/>
+                <a:cs typeface="+mn-cs"/>
+              </a:defRPr>
+            </a:lvl7pPr>
+            <a:lvl8pPr marL="3200400" indent="0" algn="ctr" defTabSz="914400" rtl="0" eaLnBrk="1" latinLnBrk="0" hangingPunct="1">
+              <a:lnSpc>
+                <a:spcPct val="90000"/>
+              </a:lnSpc>
+              <a:spcBef>
+                <a:spcPts val="500"/>
+              </a:spcBef>
+              <a:buFont typeface="Arial" panose="020B0604020202020204" pitchFamily="34" charset="0"/>
+              <a:buNone/>
+              <a:defRPr sz="1600" kern="1200">
+                <a:solidFill>
+                  <a:schemeClr val="tx1"/>
+                </a:solidFill>
+                <a:latin typeface="+mn-lt"/>
+                <a:ea typeface="+mn-ea"/>
+                <a:cs typeface="+mn-cs"/>
+              </a:defRPr>
+            </a:lvl8pPr>
+            <a:lvl9pPr marL="3657600" indent="0" algn="ctr" defTabSz="914400" rtl="0" eaLnBrk="1" latinLnBrk="0" hangingPunct="1">
+              <a:lnSpc>
+                <a:spcPct val="90000"/>
+              </a:lnSpc>
+              <a:spcBef>
+                <a:spcPts val="500"/>
+              </a:spcBef>
+              <a:buFont typeface="Arial" panose="020B0604020202020204" pitchFamily="34" charset="0"/>
+              <a:buNone/>
+              <a:defRPr sz="1600" kern="1200">
+                <a:solidFill>
+                  <a:schemeClr val="tx1"/>
+                </a:solidFill>
+                <a:latin typeface="+mn-lt"/>
+                <a:ea typeface="+mn-ea"/>
+                <a:cs typeface="+mn-cs"/>
+              </a:defRPr>
+            </a:lvl9pPr>
+          </a:lstStyle>
+          <a:p>
+            <a:pPr marL="342900" indent="-342900" algn="l">
+              <a:buFont typeface="Arial" panose="020B0604020202020204" pitchFamily="34" charset="0"/>
+              <a:buChar char="•"/>
+            </a:pPr>
+            <a:r>
+              <a:rPr lang="de-DE" dirty="0"/>
+              <a:t>Erstellt kostenlose CSS-Layouts</a:t>
+            </a:r>
+          </a:p>
+          <a:p>
+            <a:pPr marL="342900" indent="-342900" algn="l">
+              <a:buFont typeface="Arial" panose="020B0604020202020204" pitchFamily="34" charset="0"/>
+              <a:buChar char="•"/>
+            </a:pPr>
+            <a:r>
+              <a:rPr lang="de-DE" dirty="0"/>
+              <a:t>Alle Layouts werden mit der Creative Commons (CC) Lizenz verbreitet.</a:t>
+            </a:r>
+          </a:p>
+          <a:p>
+            <a:pPr marL="800100" lvl="1" indent="-342900" algn="l">
+              <a:buFont typeface="Arial" panose="020B0604020202020204" pitchFamily="34" charset="0"/>
+              <a:buChar char="•"/>
+            </a:pPr>
+            <a:r>
+              <a:rPr lang="de-DE" dirty="0"/>
+              <a:t>Erlaubt das verbreiten, verändern und anpassen des Materials.</a:t>
+            </a:r>
+          </a:p>
+          <a:p>
+            <a:pPr marL="800100" lvl="1" indent="-342900" algn="l">
+              <a:buFont typeface="Arial" panose="020B0604020202020204" pitchFamily="34" charset="0"/>
+              <a:buChar char="•"/>
+            </a:pPr>
+            <a:r>
+              <a:rPr lang="de-DE" dirty="0"/>
+              <a:t>Originaler Ersteller muss auf dem veränderten Material erwähnt werden</a:t>
+            </a:r>
+          </a:p>
+        </p:txBody>
+      </p:sp>
+      <p:sp>
+        <p:nvSpPr>
+          <p:cNvPr id="21" name="Untertitel 2">
+            <a:extLst>
+              <a:ext uri="{FF2B5EF4-FFF2-40B4-BE49-F238E27FC236}">
+                <a16:creationId xmlns:a16="http://schemas.microsoft.com/office/drawing/2014/main" id="{65CE61F8-9196-EF46-C789-6DD4535B4F46}"/>
+              </a:ext>
+            </a:extLst>
+          </p:cNvPr>
+          <p:cNvSpPr txBox="1">
+            <a:spLocks/>
+          </p:cNvSpPr>
+          <p:nvPr/>
+        </p:nvSpPr>
+        <p:spPr>
+          <a:xfrm>
+            <a:off x="707469" y="-3555632"/>
+            <a:ext cx="11150149" cy="4404717"/>
+          </a:xfrm>
+          <a:prstGeom prst="rect">
+            <a:avLst/>
+          </a:prstGeom>
+        </p:spPr>
+        <p:txBody>
+          <a:bodyPr vert="horz" lIns="91440" tIns="45720" rIns="91440" bIns="45720" rtlCol="0">
+            <a:normAutofit/>
+          </a:bodyPr>
+          <a:lstStyle>
+            <a:lvl1pPr marL="0" indent="0" algn="ctr" defTabSz="914400" rtl="0" eaLnBrk="1" latinLnBrk="0" hangingPunct="1">
+              <a:lnSpc>
+                <a:spcPct val="90000"/>
+              </a:lnSpc>
+              <a:spcBef>
+                <a:spcPts val="1000"/>
+              </a:spcBef>
+              <a:buFont typeface="Arial" panose="020B0604020202020204" pitchFamily="34" charset="0"/>
+              <a:buNone/>
+              <a:defRPr sz="2400" kern="1200">
+                <a:solidFill>
+                  <a:schemeClr val="tx1"/>
+                </a:solidFill>
+                <a:latin typeface="+mn-lt"/>
+                <a:ea typeface="+mn-ea"/>
+                <a:cs typeface="+mn-cs"/>
+              </a:defRPr>
+            </a:lvl1pPr>
+            <a:lvl2pPr marL="457200" indent="0" algn="ctr" defTabSz="914400" rtl="0" eaLnBrk="1" latinLnBrk="0" hangingPunct="1">
+              <a:lnSpc>
+                <a:spcPct val="90000"/>
+              </a:lnSpc>
+              <a:spcBef>
+                <a:spcPts val="500"/>
+              </a:spcBef>
+              <a:buFont typeface="Arial" panose="020B0604020202020204" pitchFamily="34" charset="0"/>
+              <a:buNone/>
+              <a:defRPr sz="2000" kern="1200">
+                <a:solidFill>
+                  <a:schemeClr val="tx1"/>
+                </a:solidFill>
+                <a:latin typeface="+mn-lt"/>
+                <a:ea typeface="+mn-ea"/>
+                <a:cs typeface="+mn-cs"/>
+              </a:defRPr>
+            </a:lvl2pPr>
+            <a:lvl3pPr marL="914400" indent="0" algn="ctr" defTabSz="914400" rtl="0" eaLnBrk="1" latinLnBrk="0" hangingPunct="1">
+              <a:lnSpc>
+                <a:spcPct val="90000"/>
+              </a:lnSpc>
+              <a:spcBef>
+                <a:spcPts val="500"/>
+              </a:spcBef>
+              <a:buFont typeface="Arial" panose="020B0604020202020204" pitchFamily="34" charset="0"/>
+              <a:buNone/>
+              <a:defRPr sz="1800" kern="1200">
+                <a:solidFill>
+                  <a:schemeClr val="tx1"/>
+                </a:solidFill>
+                <a:latin typeface="+mn-lt"/>
+                <a:ea typeface="+mn-ea"/>
+                <a:cs typeface="+mn-cs"/>
+              </a:defRPr>
+            </a:lvl3pPr>
+            <a:lvl4pPr marL="1371600" indent="0" algn="ctr" defTabSz="914400" rtl="0" eaLnBrk="1" latinLnBrk="0" hangingPunct="1">
+              <a:lnSpc>
+                <a:spcPct val="90000"/>
+              </a:lnSpc>
+              <a:spcBef>
+                <a:spcPts val="500"/>
+              </a:spcBef>
+              <a:buFont typeface="Arial" panose="020B0604020202020204" pitchFamily="34" charset="0"/>
+              <a:buNone/>
+              <a:defRPr sz="1600" kern="1200">
+                <a:solidFill>
+                  <a:schemeClr val="tx1"/>
+                </a:solidFill>
+                <a:latin typeface="+mn-lt"/>
+                <a:ea typeface="+mn-ea"/>
+                <a:cs typeface="+mn-cs"/>
+              </a:defRPr>
+            </a:lvl4pPr>
+            <a:lvl5pPr marL="1828800" indent="0" algn="ctr" defTabSz="914400" rtl="0" eaLnBrk="1" latinLnBrk="0" hangingPunct="1">
+              <a:lnSpc>
+                <a:spcPct val="90000"/>
+              </a:lnSpc>
+              <a:spcBef>
+                <a:spcPts val="500"/>
+              </a:spcBef>
+              <a:buFont typeface="Arial" panose="020B0604020202020204" pitchFamily="34" charset="0"/>
+              <a:buNone/>
+              <a:defRPr sz="1600" kern="1200">
+                <a:solidFill>
+                  <a:schemeClr val="tx1"/>
+                </a:solidFill>
+                <a:latin typeface="+mn-lt"/>
+                <a:ea typeface="+mn-ea"/>
+                <a:cs typeface="+mn-cs"/>
+              </a:defRPr>
+            </a:lvl5pPr>
+            <a:lvl6pPr marL="2286000" indent="0" algn="ctr" defTabSz="914400" rtl="0" eaLnBrk="1" latinLnBrk="0" hangingPunct="1">
+              <a:lnSpc>
+                <a:spcPct val="90000"/>
+              </a:lnSpc>
+              <a:spcBef>
+                <a:spcPts val="500"/>
+              </a:spcBef>
+              <a:buFont typeface="Arial" panose="020B0604020202020204" pitchFamily="34" charset="0"/>
+              <a:buNone/>
+              <a:defRPr sz="1600" kern="1200">
+                <a:solidFill>
+                  <a:schemeClr val="tx1"/>
+                </a:solidFill>
+                <a:latin typeface="+mn-lt"/>
+                <a:ea typeface="+mn-ea"/>
+                <a:cs typeface="+mn-cs"/>
+              </a:defRPr>
+            </a:lvl6pPr>
+            <a:lvl7pPr marL="2743200" indent="0" algn="ctr" defTabSz="914400" rtl="0" eaLnBrk="1" latinLnBrk="0" hangingPunct="1">
+              <a:lnSpc>
+                <a:spcPct val="90000"/>
+              </a:lnSpc>
+              <a:spcBef>
+                <a:spcPts val="500"/>
+              </a:spcBef>
+              <a:buFont typeface="Arial" panose="020B0604020202020204" pitchFamily="34" charset="0"/>
+              <a:buNone/>
+              <a:defRPr sz="1600" kern="1200">
+                <a:solidFill>
+                  <a:schemeClr val="tx1"/>
+                </a:solidFill>
+                <a:latin typeface="+mn-lt"/>
+                <a:ea typeface="+mn-ea"/>
+                <a:cs typeface="+mn-cs"/>
+              </a:defRPr>
+            </a:lvl7pPr>
+            <a:lvl8pPr marL="3200400" indent="0" algn="ctr" defTabSz="914400" rtl="0" eaLnBrk="1" latinLnBrk="0" hangingPunct="1">
+              <a:lnSpc>
+                <a:spcPct val="90000"/>
+              </a:lnSpc>
+              <a:spcBef>
+                <a:spcPts val="500"/>
+              </a:spcBef>
+              <a:buFont typeface="Arial" panose="020B0604020202020204" pitchFamily="34" charset="0"/>
+              <a:buNone/>
+              <a:defRPr sz="1600" kern="1200">
+                <a:solidFill>
+                  <a:schemeClr val="tx1"/>
+                </a:solidFill>
+                <a:latin typeface="+mn-lt"/>
+                <a:ea typeface="+mn-ea"/>
+                <a:cs typeface="+mn-cs"/>
+              </a:defRPr>
+            </a:lvl8pPr>
+            <a:lvl9pPr marL="3657600" indent="0" algn="ctr" defTabSz="914400" rtl="0" eaLnBrk="1" latinLnBrk="0" hangingPunct="1">
+              <a:lnSpc>
+                <a:spcPct val="90000"/>
+              </a:lnSpc>
+              <a:spcBef>
+                <a:spcPts val="500"/>
+              </a:spcBef>
+              <a:buFont typeface="Arial" panose="020B0604020202020204" pitchFamily="34" charset="0"/>
+              <a:buNone/>
+              <a:defRPr sz="1600" kern="1200">
+                <a:solidFill>
+                  <a:schemeClr val="tx1"/>
+                </a:solidFill>
+                <a:latin typeface="+mn-lt"/>
+                <a:ea typeface="+mn-ea"/>
+                <a:cs typeface="+mn-cs"/>
+              </a:defRPr>
+            </a:lvl9pPr>
+          </a:lstStyle>
+          <a:p>
+            <a:pPr marL="342900" indent="-342900" algn="l">
+              <a:buFont typeface="Arial" panose="020B0604020202020204" pitchFamily="34" charset="0"/>
+              <a:buChar char="•"/>
+            </a:pPr>
+            <a:r>
+              <a:rPr lang="de-DE" dirty="0"/>
+              <a:t>CSS-Layout</a:t>
+            </a:r>
+          </a:p>
+          <a:p>
+            <a:pPr marL="342900" indent="-342900" algn="l">
+              <a:buFont typeface="Arial" panose="020B0604020202020204" pitchFamily="34" charset="0"/>
+              <a:buChar char="•"/>
+            </a:pPr>
+            <a:r>
+              <a:rPr lang="de-DE" dirty="0"/>
+              <a:t>Installationsvoraussetzungen </a:t>
+            </a:r>
+          </a:p>
+          <a:p>
+            <a:pPr algn="l"/>
+            <a:endParaRPr lang="de-DE" dirty="0"/>
+          </a:p>
+        </p:txBody>
+      </p:sp>
+    </p:spTree>
+    <p:extLst>
+      <p:ext uri="{BB962C8B-B14F-4D97-AF65-F5344CB8AC3E}">
+        <p14:creationId xmlns:p14="http://schemas.microsoft.com/office/powerpoint/2010/main" val="3918163371"/>
+      </p:ext>
+    </p:extLst>
+  </p:cSld>
+  <p:clrMapOvr>
+    <a:masterClrMapping/>
+  </p:clrMapOvr>
+  <mc:AlternateContent xmlns:mc="http://schemas.openxmlformats.org/markup-compatibility/2006">
+    <mc:Choice xmlns:p159="http://schemas.microsoft.com/office/powerpoint/2015/09/main" Requires="p159">
+      <p:transition xmlns:p14="http://schemas.microsoft.com/office/powerpoint/2010/main" spd="slow" p14:dur="2000">
+        <p159:morph option="byObject"/>
+      </p:transition>
+    </mc:Choice>
+    <mc:Fallback>
+      <p:transition spd="slow">
+        <p:fade/>
+      </p:transition>
+    </mc:Fallback>
+  </mc:AlternateContent>
+</p:sld>
+</file>
+
+<file path=ppt/slides/slide5.xml><?xml version="1.0" encoding="utf-8"?>
+<p:sld xmlns:a="http://schemas.openxmlformats.org/drawingml/2006/main" xmlns:r="http://schemas.openxmlformats.org/officeDocument/2006/relationships" xmlns:p="http://schemas.openxmlformats.org/presentationml/2006/main">
+  <p:cSld>
+    <p:spTree>
+      <p:nvGrpSpPr>
+        <p:cNvPr id="1" name=""/>
+        <p:cNvGrpSpPr/>
+        <p:nvPr/>
+      </p:nvGrpSpPr>
+      <p:grpSpPr>
+        <a:xfrm>
+          <a:off x="0" y="0"/>
+          <a:ext cx="0" cy="0"/>
+          <a:chOff x="0" y="0"/>
+          <a:chExt cx="0" cy="0"/>
+        </a:xfrm>
+      </p:grpSpPr>
+      <p:sp>
+        <p:nvSpPr>
+          <p:cNvPr id="2" name="Titel 1">
+            <a:extLst>
+              <a:ext uri="{FF2B5EF4-FFF2-40B4-BE49-F238E27FC236}">
+                <a16:creationId xmlns:a16="http://schemas.microsoft.com/office/drawing/2014/main" id="{DD7A0C89-C9B5-139D-2F88-6CF1CFA67DCE}"/>
+              </a:ext>
+            </a:extLst>
+          </p:cNvPr>
+          <p:cNvSpPr>
+            <a:spLocks noGrp="1"/>
+          </p:cNvSpPr>
+          <p:nvPr>
+            <p:ph type="ctrTitle"/>
+          </p:nvPr>
+        </p:nvSpPr>
+        <p:spPr>
+          <a:xfrm>
+            <a:off x="1524000" y="-2668463"/>
+            <a:ext cx="9144000" cy="2387600"/>
+          </a:xfrm>
+        </p:spPr>
+        <p:txBody>
+          <a:bodyPr/>
+          <a:lstStyle/>
+          <a:p>
+            <a:r>
+              <a:rPr lang="de-DE" b="1" dirty="0">
+                <a:solidFill>
+                  <a:schemeClr val="tx2">
+                    <a:lumMod val="75000"/>
+                    <a:lumOff val="25000"/>
+                  </a:schemeClr>
+                </a:solidFill>
+                <a:latin typeface="Gotham" panose="02000504050000020004" pitchFamily="2" charset="0"/>
+              </a:rPr>
+              <a:t>Model View Controller</a:t>
+            </a:r>
+          </a:p>
+        </p:txBody>
+      </p:sp>
+      <p:sp>
+        <p:nvSpPr>
+          <p:cNvPr id="3" name="Untertitel 2">
+            <a:extLst>
+              <a:ext uri="{FF2B5EF4-FFF2-40B4-BE49-F238E27FC236}">
+                <a16:creationId xmlns:a16="http://schemas.microsoft.com/office/drawing/2014/main" id="{602F8A13-0EEB-C5F2-3DCA-20DEBC4DC630}"/>
+              </a:ext>
+            </a:extLst>
+          </p:cNvPr>
+          <p:cNvSpPr>
+            <a:spLocks noGrp="1"/>
+          </p:cNvSpPr>
+          <p:nvPr>
+            <p:ph type="subTitle" idx="1"/>
+          </p:nvPr>
+        </p:nvSpPr>
+        <p:spPr>
+          <a:xfrm>
+            <a:off x="1524000" y="-895853"/>
+            <a:ext cx="9144000" cy="1655762"/>
+          </a:xfrm>
+        </p:spPr>
+        <p:txBody>
+          <a:bodyPr/>
+          <a:lstStyle/>
+          <a:p>
+            <a:r>
+              <a:rPr lang="de-DE" dirty="0"/>
+              <a:t>Rollenspiel Datenbank</a:t>
+            </a:r>
+          </a:p>
+        </p:txBody>
+      </p:sp>
+      <p:sp>
+        <p:nvSpPr>
+          <p:cNvPr id="8" name="Rechteck 7">
+            <a:extLst>
+              <a:ext uri="{FF2B5EF4-FFF2-40B4-BE49-F238E27FC236}">
+                <a16:creationId xmlns:a16="http://schemas.microsoft.com/office/drawing/2014/main" id="{1A6DEE11-4006-BF26-9EA9-6E46E678744F}"/>
               </a:ext>
             </a:extLst>
           </p:cNvPr>
@@ -6077,18 +6972,15 @@
           <p:nvPr/>
         </p:nvSpPr>
         <p:spPr>
-          <a:xfrm rot="2700000">
-            <a:off x="11751389" y="-3849360"/>
-            <a:ext cx="473711" cy="473711"/>
+          <a:xfrm>
+            <a:off x="524581" y="-1245367"/>
+            <a:ext cx="11634841" cy="1413765"/>
           </a:xfrm>
           <a:prstGeom prst="rect">
             <a:avLst/>
           </a:prstGeom>
           <a:solidFill>
-            <a:schemeClr val="tx2">
-              <a:lumMod val="75000"/>
-              <a:lumOff val="25000"/>
-            </a:schemeClr>
+            <a:schemeClr val="bg1"/>
           </a:solidFill>
           <a:ln>
             <a:noFill/>
@@ -6115,16 +7007,317 @@
           <a:lstStyle/>
           <a:p>
             <a:pPr algn="ctr"/>
-            <a:endParaRPr lang="de-DE"/>
-          </a:p>
-        </p:txBody>
-      </p:sp>
-      <p:sp>
-        <p:nvSpPr>
-          <p:cNvPr id="13" name="Rechteck 12">
-            <a:extLst>
-              <a:ext uri="{FF2B5EF4-FFF2-40B4-BE49-F238E27FC236}">
-                <a16:creationId xmlns:a16="http://schemas.microsoft.com/office/drawing/2014/main" id="{6AE42257-DD9C-595A-4A87-A950AB3A3FFE}"/>
+            <a:endParaRPr lang="de-DE" dirty="0"/>
+          </a:p>
+        </p:txBody>
+      </p:sp>
+      <p:sp>
+        <p:nvSpPr>
+          <p:cNvPr id="9" name="Titel 1">
+            <a:extLst>
+              <a:ext uri="{FF2B5EF4-FFF2-40B4-BE49-F238E27FC236}">
+                <a16:creationId xmlns:a16="http://schemas.microsoft.com/office/drawing/2014/main" id="{DF25FCB8-5E00-2029-F923-426452076CB5}"/>
+              </a:ext>
+            </a:extLst>
+          </p:cNvPr>
+          <p:cNvSpPr txBox="1">
+            <a:spLocks/>
+          </p:cNvSpPr>
+          <p:nvPr/>
+        </p:nvSpPr>
+        <p:spPr>
+          <a:xfrm>
+            <a:off x="639182" y="-3252733"/>
+            <a:ext cx="11218436" cy="984933"/>
+          </a:xfrm>
+          <a:prstGeom prst="rect">
+            <a:avLst/>
+          </a:prstGeom>
+        </p:spPr>
+        <p:txBody>
+          <a:bodyPr vert="horz" lIns="91440" tIns="45720" rIns="91440" bIns="45720" rtlCol="0" anchor="b">
+            <a:normAutofit/>
+          </a:bodyPr>
+          <a:lstStyle>
+            <a:lvl1pPr algn="ctr" defTabSz="914400" rtl="0" eaLnBrk="1" latinLnBrk="0" hangingPunct="1">
+              <a:lnSpc>
+                <a:spcPct val="90000"/>
+              </a:lnSpc>
+              <a:spcBef>
+                <a:spcPct val="0"/>
+              </a:spcBef>
+              <a:buNone/>
+              <a:defRPr sz="6000" kern="1200">
+                <a:solidFill>
+                  <a:schemeClr val="tx1"/>
+                </a:solidFill>
+                <a:latin typeface="+mj-lt"/>
+                <a:ea typeface="+mj-ea"/>
+                <a:cs typeface="+mj-cs"/>
+              </a:defRPr>
+            </a:lvl1pPr>
+          </a:lstStyle>
+          <a:p>
+            <a:pPr algn="l"/>
+            <a:r>
+              <a:rPr lang="de-DE" b="1" dirty="0">
+                <a:solidFill>
+                  <a:schemeClr val="tx2">
+                    <a:lumMod val="75000"/>
+                    <a:lumOff val="25000"/>
+                  </a:schemeClr>
+                </a:solidFill>
+                <a:latin typeface="Gotham" panose="02000504050000020004" pitchFamily="2" charset="0"/>
+              </a:rPr>
+              <a:t>Inhalte</a:t>
+            </a:r>
+          </a:p>
+        </p:txBody>
+      </p:sp>
+      <p:sp>
+        <p:nvSpPr>
+          <p:cNvPr id="10" name="Untertitel 2">
+            <a:extLst>
+              <a:ext uri="{FF2B5EF4-FFF2-40B4-BE49-F238E27FC236}">
+                <a16:creationId xmlns:a16="http://schemas.microsoft.com/office/drawing/2014/main" id="{016F00A4-ECC3-2111-3F05-4400E324377A}"/>
+              </a:ext>
+            </a:extLst>
+          </p:cNvPr>
+          <p:cNvSpPr txBox="1">
+            <a:spLocks/>
+          </p:cNvSpPr>
+          <p:nvPr/>
+        </p:nvSpPr>
+        <p:spPr>
+          <a:xfrm>
+            <a:off x="707469" y="-2225775"/>
+            <a:ext cx="11150149" cy="4404717"/>
+          </a:xfrm>
+          <a:prstGeom prst="rect">
+            <a:avLst/>
+          </a:prstGeom>
+        </p:spPr>
+        <p:txBody>
+          <a:bodyPr vert="horz" lIns="91440" tIns="45720" rIns="91440" bIns="45720" rtlCol="0">
+            <a:normAutofit/>
+          </a:bodyPr>
+          <a:lstStyle>
+            <a:lvl1pPr marL="0" indent="0" algn="ctr" defTabSz="914400" rtl="0" eaLnBrk="1" latinLnBrk="0" hangingPunct="1">
+              <a:lnSpc>
+                <a:spcPct val="90000"/>
+              </a:lnSpc>
+              <a:spcBef>
+                <a:spcPts val="1000"/>
+              </a:spcBef>
+              <a:buFont typeface="Arial" panose="020B0604020202020204" pitchFamily="34" charset="0"/>
+              <a:buNone/>
+              <a:defRPr sz="2400" kern="1200">
+                <a:solidFill>
+                  <a:schemeClr val="tx1"/>
+                </a:solidFill>
+                <a:latin typeface="+mn-lt"/>
+                <a:ea typeface="+mn-ea"/>
+                <a:cs typeface="+mn-cs"/>
+              </a:defRPr>
+            </a:lvl1pPr>
+            <a:lvl2pPr marL="457200" indent="0" algn="ctr" defTabSz="914400" rtl="0" eaLnBrk="1" latinLnBrk="0" hangingPunct="1">
+              <a:lnSpc>
+                <a:spcPct val="90000"/>
+              </a:lnSpc>
+              <a:spcBef>
+                <a:spcPts val="500"/>
+              </a:spcBef>
+              <a:buFont typeface="Arial" panose="020B0604020202020204" pitchFamily="34" charset="0"/>
+              <a:buNone/>
+              <a:defRPr sz="2000" kern="1200">
+                <a:solidFill>
+                  <a:schemeClr val="tx1"/>
+                </a:solidFill>
+                <a:latin typeface="+mn-lt"/>
+                <a:ea typeface="+mn-ea"/>
+                <a:cs typeface="+mn-cs"/>
+              </a:defRPr>
+            </a:lvl2pPr>
+            <a:lvl3pPr marL="914400" indent="0" algn="ctr" defTabSz="914400" rtl="0" eaLnBrk="1" latinLnBrk="0" hangingPunct="1">
+              <a:lnSpc>
+                <a:spcPct val="90000"/>
+              </a:lnSpc>
+              <a:spcBef>
+                <a:spcPts val="500"/>
+              </a:spcBef>
+              <a:buFont typeface="Arial" panose="020B0604020202020204" pitchFamily="34" charset="0"/>
+              <a:buNone/>
+              <a:defRPr sz="1800" kern="1200">
+                <a:solidFill>
+                  <a:schemeClr val="tx1"/>
+                </a:solidFill>
+                <a:latin typeface="+mn-lt"/>
+                <a:ea typeface="+mn-ea"/>
+                <a:cs typeface="+mn-cs"/>
+              </a:defRPr>
+            </a:lvl3pPr>
+            <a:lvl4pPr marL="1371600" indent="0" algn="ctr" defTabSz="914400" rtl="0" eaLnBrk="1" latinLnBrk="0" hangingPunct="1">
+              <a:lnSpc>
+                <a:spcPct val="90000"/>
+              </a:lnSpc>
+              <a:spcBef>
+                <a:spcPts val="500"/>
+              </a:spcBef>
+              <a:buFont typeface="Arial" panose="020B0604020202020204" pitchFamily="34" charset="0"/>
+              <a:buNone/>
+              <a:defRPr sz="1600" kern="1200">
+                <a:solidFill>
+                  <a:schemeClr val="tx1"/>
+                </a:solidFill>
+                <a:latin typeface="+mn-lt"/>
+                <a:ea typeface="+mn-ea"/>
+                <a:cs typeface="+mn-cs"/>
+              </a:defRPr>
+            </a:lvl4pPr>
+            <a:lvl5pPr marL="1828800" indent="0" algn="ctr" defTabSz="914400" rtl="0" eaLnBrk="1" latinLnBrk="0" hangingPunct="1">
+              <a:lnSpc>
+                <a:spcPct val="90000"/>
+              </a:lnSpc>
+              <a:spcBef>
+                <a:spcPts val="500"/>
+              </a:spcBef>
+              <a:buFont typeface="Arial" panose="020B0604020202020204" pitchFamily="34" charset="0"/>
+              <a:buNone/>
+              <a:defRPr sz="1600" kern="1200">
+                <a:solidFill>
+                  <a:schemeClr val="tx1"/>
+                </a:solidFill>
+                <a:latin typeface="+mn-lt"/>
+                <a:ea typeface="+mn-ea"/>
+                <a:cs typeface="+mn-cs"/>
+              </a:defRPr>
+            </a:lvl5pPr>
+            <a:lvl6pPr marL="2286000" indent="0" algn="ctr" defTabSz="914400" rtl="0" eaLnBrk="1" latinLnBrk="0" hangingPunct="1">
+              <a:lnSpc>
+                <a:spcPct val="90000"/>
+              </a:lnSpc>
+              <a:spcBef>
+                <a:spcPts val="500"/>
+              </a:spcBef>
+              <a:buFont typeface="Arial" panose="020B0604020202020204" pitchFamily="34" charset="0"/>
+              <a:buNone/>
+              <a:defRPr sz="1600" kern="1200">
+                <a:solidFill>
+                  <a:schemeClr val="tx1"/>
+                </a:solidFill>
+                <a:latin typeface="+mn-lt"/>
+                <a:ea typeface="+mn-ea"/>
+                <a:cs typeface="+mn-cs"/>
+              </a:defRPr>
+            </a:lvl6pPr>
+            <a:lvl7pPr marL="2743200" indent="0" algn="ctr" defTabSz="914400" rtl="0" eaLnBrk="1" latinLnBrk="0" hangingPunct="1">
+              <a:lnSpc>
+                <a:spcPct val="90000"/>
+              </a:lnSpc>
+              <a:spcBef>
+                <a:spcPts val="500"/>
+              </a:spcBef>
+              <a:buFont typeface="Arial" panose="020B0604020202020204" pitchFamily="34" charset="0"/>
+              <a:buNone/>
+              <a:defRPr sz="1600" kern="1200">
+                <a:solidFill>
+                  <a:schemeClr val="tx1"/>
+                </a:solidFill>
+                <a:latin typeface="+mn-lt"/>
+                <a:ea typeface="+mn-ea"/>
+                <a:cs typeface="+mn-cs"/>
+              </a:defRPr>
+            </a:lvl7pPr>
+            <a:lvl8pPr marL="3200400" indent="0" algn="ctr" defTabSz="914400" rtl="0" eaLnBrk="1" latinLnBrk="0" hangingPunct="1">
+              <a:lnSpc>
+                <a:spcPct val="90000"/>
+              </a:lnSpc>
+              <a:spcBef>
+                <a:spcPts val="500"/>
+              </a:spcBef>
+              <a:buFont typeface="Arial" panose="020B0604020202020204" pitchFamily="34" charset="0"/>
+              <a:buNone/>
+              <a:defRPr sz="1600" kern="1200">
+                <a:solidFill>
+                  <a:schemeClr val="tx1"/>
+                </a:solidFill>
+                <a:latin typeface="+mn-lt"/>
+                <a:ea typeface="+mn-ea"/>
+                <a:cs typeface="+mn-cs"/>
+              </a:defRPr>
+            </a:lvl8pPr>
+            <a:lvl9pPr marL="3657600" indent="0" algn="ctr" defTabSz="914400" rtl="0" eaLnBrk="1" latinLnBrk="0" hangingPunct="1">
+              <a:lnSpc>
+                <a:spcPct val="90000"/>
+              </a:lnSpc>
+              <a:spcBef>
+                <a:spcPts val="500"/>
+              </a:spcBef>
+              <a:buFont typeface="Arial" panose="020B0604020202020204" pitchFamily="34" charset="0"/>
+              <a:buNone/>
+              <a:defRPr sz="1600" kern="1200">
+                <a:solidFill>
+                  <a:schemeClr val="tx1"/>
+                </a:solidFill>
+                <a:latin typeface="+mn-lt"/>
+                <a:ea typeface="+mn-ea"/>
+                <a:cs typeface="+mn-cs"/>
+              </a:defRPr>
+            </a:lvl9pPr>
+          </a:lstStyle>
+          <a:p>
+            <a:pPr marL="342900" indent="-342900" algn="l">
+              <a:buFont typeface="Arial" panose="020B0604020202020204" pitchFamily="34" charset="0"/>
+              <a:buChar char="•"/>
+            </a:pPr>
+            <a:r>
+              <a:rPr lang="de-DE" dirty="0"/>
+              <a:t>CSS-Layout</a:t>
+            </a:r>
+          </a:p>
+          <a:p>
+            <a:pPr marL="342900" indent="-342900" algn="l">
+              <a:buFont typeface="Arial" panose="020B0604020202020204" pitchFamily="34" charset="0"/>
+              <a:buChar char="•"/>
+            </a:pPr>
+            <a:r>
+              <a:rPr lang="de-DE" dirty="0"/>
+              <a:t>Installationsvoraussetzungen </a:t>
+            </a:r>
+          </a:p>
+          <a:p>
+            <a:pPr marL="342900" indent="-342900" algn="l">
+              <a:buFont typeface="Arial" panose="020B0604020202020204" pitchFamily="34" charset="0"/>
+              <a:buChar char="•"/>
+            </a:pPr>
+            <a:r>
+              <a:rPr lang="de-DE" dirty="0"/>
+              <a:t>Änderungen der Connection von </a:t>
+            </a:r>
+            <a:r>
+              <a:rPr lang="de-DE" dirty="0" err="1"/>
+              <a:t>LocalDB</a:t>
+            </a:r>
+            <a:r>
+              <a:rPr lang="de-DE" dirty="0"/>
+              <a:t> auf SQLEXPRESS</a:t>
+            </a:r>
+          </a:p>
+          <a:p>
+            <a:pPr marL="342900" indent="-342900" algn="l">
+              <a:buFont typeface="Arial" panose="020B0604020202020204" pitchFamily="34" charset="0"/>
+              <a:buChar char="•"/>
+            </a:pPr>
+            <a:endParaRPr lang="de-DE" dirty="0"/>
+          </a:p>
+        </p:txBody>
+      </p:sp>
+      <p:sp>
+        <p:nvSpPr>
+          <p:cNvPr id="15" name="!! toBG">
+            <a:extLst>
+              <a:ext uri="{FF2B5EF4-FFF2-40B4-BE49-F238E27FC236}">
+                <a16:creationId xmlns:a16="http://schemas.microsoft.com/office/drawing/2014/main" id="{ECCDFB1F-95E9-E48F-5719-8AE334CBD76E}"/>
               </a:ext>
             </a:extLst>
           </p:cNvPr>
@@ -6132,17 +7325,17 @@
           <p:nvPr/>
         </p:nvSpPr>
         <p:spPr>
-          <a:xfrm rot="2700000">
-            <a:off x="11320169" y="-4328555"/>
-            <a:ext cx="473711" cy="473711"/>
-          </a:xfrm>
-          <a:prstGeom prst="rect">
+          <a:xfrm>
+            <a:off x="-1749652" y="-13279021"/>
+            <a:ext cx="15691303" cy="15691303"/>
+          </a:xfrm>
+          <a:prstGeom prst="ellipse">
             <a:avLst/>
           </a:prstGeom>
           <a:solidFill>
             <a:schemeClr val="tx2">
-              <a:lumMod val="75000"/>
-              <a:lumOff val="25000"/>
+              <a:lumMod val="10000"/>
+              <a:lumOff val="90000"/>
             </a:schemeClr>
           </a:solidFill>
           <a:ln>
@@ -6170,16 +7363,611 @@
           <a:lstStyle/>
           <a:p>
             <a:pPr algn="ctr"/>
-            <a:endParaRPr lang="de-DE"/>
-          </a:p>
-        </p:txBody>
-      </p:sp>
-      <p:sp>
-        <p:nvSpPr>
-          <p:cNvPr id="14" name="Rechteck 13">
-            <a:extLst>
-              <a:ext uri="{FF2B5EF4-FFF2-40B4-BE49-F238E27FC236}">
-                <a16:creationId xmlns:a16="http://schemas.microsoft.com/office/drawing/2014/main" id="{A5D579BE-8C7E-106D-836B-2458A3FE8A03}"/>
+            <a:endParaRPr lang="de-DE" dirty="0"/>
+          </a:p>
+        </p:txBody>
+      </p:sp>
+      <p:pic>
+        <p:nvPicPr>
+          <p:cNvPr id="5" name="Grafik 4" descr="Ein Bild, das Schwarz, Dunkelheit enthält.&#10;&#10;Automatisch generierte Beschreibung">
+            <a:extLst>
+              <a:ext uri="{FF2B5EF4-FFF2-40B4-BE49-F238E27FC236}">
+                <a16:creationId xmlns:a16="http://schemas.microsoft.com/office/drawing/2014/main" id="{7FE0D04A-04A7-518C-16BE-322669CFC987}"/>
+              </a:ext>
+            </a:extLst>
+          </p:cNvPr>
+          <p:cNvPicPr>
+            <a:picLocks noChangeAspect="1"/>
+          </p:cNvPicPr>
+          <p:nvPr/>
+        </p:nvPicPr>
+        <p:blipFill>
+          <a:blip r:embed="rId2">
+            <a:extLst>
+              <a:ext uri="{28A0092B-C50C-407E-A947-70E740481C1C}">
+                <a14:useLocalDpi xmlns:a14="http://schemas.microsoft.com/office/drawing/2010/main" val="0"/>
+              </a:ext>
+            </a:extLst>
+          </a:blip>
+          <a:stretch>
+            <a:fillRect/>
+          </a:stretch>
+        </p:blipFill>
+        <p:spPr>
+          <a:xfrm>
+            <a:off x="2735714" y="259684"/>
+            <a:ext cx="6720572" cy="1413766"/>
+          </a:xfrm>
+          <a:prstGeom prst="rect">
+            <a:avLst/>
+          </a:prstGeom>
+        </p:spPr>
+      </p:pic>
+      <p:sp>
+        <p:nvSpPr>
+          <p:cNvPr id="6" name="Untertitel 2">
+            <a:extLst>
+              <a:ext uri="{FF2B5EF4-FFF2-40B4-BE49-F238E27FC236}">
+                <a16:creationId xmlns:a16="http://schemas.microsoft.com/office/drawing/2014/main" id="{B253031D-680A-8371-5524-A950554CD09E}"/>
+              </a:ext>
+            </a:extLst>
+          </p:cNvPr>
+          <p:cNvSpPr txBox="1">
+            <a:spLocks/>
+          </p:cNvSpPr>
+          <p:nvPr/>
+        </p:nvSpPr>
+        <p:spPr>
+          <a:xfrm>
+            <a:off x="707469" y="2748654"/>
+            <a:ext cx="11150149" cy="3231231"/>
+          </a:xfrm>
+          <a:prstGeom prst="rect">
+            <a:avLst/>
+          </a:prstGeom>
+        </p:spPr>
+        <p:txBody>
+          <a:bodyPr vert="horz" lIns="91440" tIns="45720" rIns="91440" bIns="45720" rtlCol="0">
+            <a:normAutofit/>
+          </a:bodyPr>
+          <a:lstStyle>
+            <a:lvl1pPr marL="0" indent="0" algn="ctr" defTabSz="914400" rtl="0" eaLnBrk="1" latinLnBrk="0" hangingPunct="1">
+              <a:lnSpc>
+                <a:spcPct val="90000"/>
+              </a:lnSpc>
+              <a:spcBef>
+                <a:spcPts val="1000"/>
+              </a:spcBef>
+              <a:buFont typeface="Arial" panose="020B0604020202020204" pitchFamily="34" charset="0"/>
+              <a:buNone/>
+              <a:defRPr sz="2400" kern="1200">
+                <a:solidFill>
+                  <a:schemeClr val="tx1"/>
+                </a:solidFill>
+                <a:latin typeface="+mn-lt"/>
+                <a:ea typeface="+mn-ea"/>
+                <a:cs typeface="+mn-cs"/>
+              </a:defRPr>
+            </a:lvl1pPr>
+            <a:lvl2pPr marL="457200" indent="0" algn="ctr" defTabSz="914400" rtl="0" eaLnBrk="1" latinLnBrk="0" hangingPunct="1">
+              <a:lnSpc>
+                <a:spcPct val="90000"/>
+              </a:lnSpc>
+              <a:spcBef>
+                <a:spcPts val="500"/>
+              </a:spcBef>
+              <a:buFont typeface="Arial" panose="020B0604020202020204" pitchFamily="34" charset="0"/>
+              <a:buNone/>
+              <a:defRPr sz="2000" kern="1200">
+                <a:solidFill>
+                  <a:schemeClr val="tx1"/>
+                </a:solidFill>
+                <a:latin typeface="+mn-lt"/>
+                <a:ea typeface="+mn-ea"/>
+                <a:cs typeface="+mn-cs"/>
+              </a:defRPr>
+            </a:lvl2pPr>
+            <a:lvl3pPr marL="914400" indent="0" algn="ctr" defTabSz="914400" rtl="0" eaLnBrk="1" latinLnBrk="0" hangingPunct="1">
+              <a:lnSpc>
+                <a:spcPct val="90000"/>
+              </a:lnSpc>
+              <a:spcBef>
+                <a:spcPts val="500"/>
+              </a:spcBef>
+              <a:buFont typeface="Arial" panose="020B0604020202020204" pitchFamily="34" charset="0"/>
+              <a:buNone/>
+              <a:defRPr sz="1800" kern="1200">
+                <a:solidFill>
+                  <a:schemeClr val="tx1"/>
+                </a:solidFill>
+                <a:latin typeface="+mn-lt"/>
+                <a:ea typeface="+mn-ea"/>
+                <a:cs typeface="+mn-cs"/>
+              </a:defRPr>
+            </a:lvl3pPr>
+            <a:lvl4pPr marL="1371600" indent="0" algn="ctr" defTabSz="914400" rtl="0" eaLnBrk="1" latinLnBrk="0" hangingPunct="1">
+              <a:lnSpc>
+                <a:spcPct val="90000"/>
+              </a:lnSpc>
+              <a:spcBef>
+                <a:spcPts val="500"/>
+              </a:spcBef>
+              <a:buFont typeface="Arial" panose="020B0604020202020204" pitchFamily="34" charset="0"/>
+              <a:buNone/>
+              <a:defRPr sz="1600" kern="1200">
+                <a:solidFill>
+                  <a:schemeClr val="tx1"/>
+                </a:solidFill>
+                <a:latin typeface="+mn-lt"/>
+                <a:ea typeface="+mn-ea"/>
+                <a:cs typeface="+mn-cs"/>
+              </a:defRPr>
+            </a:lvl4pPr>
+            <a:lvl5pPr marL="1828800" indent="0" algn="ctr" defTabSz="914400" rtl="0" eaLnBrk="1" latinLnBrk="0" hangingPunct="1">
+              <a:lnSpc>
+                <a:spcPct val="90000"/>
+              </a:lnSpc>
+              <a:spcBef>
+                <a:spcPts val="500"/>
+              </a:spcBef>
+              <a:buFont typeface="Arial" panose="020B0604020202020204" pitchFamily="34" charset="0"/>
+              <a:buNone/>
+              <a:defRPr sz="1600" kern="1200">
+                <a:solidFill>
+                  <a:schemeClr val="tx1"/>
+                </a:solidFill>
+                <a:latin typeface="+mn-lt"/>
+                <a:ea typeface="+mn-ea"/>
+                <a:cs typeface="+mn-cs"/>
+              </a:defRPr>
+            </a:lvl5pPr>
+            <a:lvl6pPr marL="2286000" indent="0" algn="ctr" defTabSz="914400" rtl="0" eaLnBrk="1" latinLnBrk="0" hangingPunct="1">
+              <a:lnSpc>
+                <a:spcPct val="90000"/>
+              </a:lnSpc>
+              <a:spcBef>
+                <a:spcPts val="500"/>
+              </a:spcBef>
+              <a:buFont typeface="Arial" panose="020B0604020202020204" pitchFamily="34" charset="0"/>
+              <a:buNone/>
+              <a:defRPr sz="1600" kern="1200">
+                <a:solidFill>
+                  <a:schemeClr val="tx1"/>
+                </a:solidFill>
+                <a:latin typeface="+mn-lt"/>
+                <a:ea typeface="+mn-ea"/>
+                <a:cs typeface="+mn-cs"/>
+              </a:defRPr>
+            </a:lvl6pPr>
+            <a:lvl7pPr marL="2743200" indent="0" algn="ctr" defTabSz="914400" rtl="0" eaLnBrk="1" latinLnBrk="0" hangingPunct="1">
+              <a:lnSpc>
+                <a:spcPct val="90000"/>
+              </a:lnSpc>
+              <a:spcBef>
+                <a:spcPts val="500"/>
+              </a:spcBef>
+              <a:buFont typeface="Arial" panose="020B0604020202020204" pitchFamily="34" charset="0"/>
+              <a:buNone/>
+              <a:defRPr sz="1600" kern="1200">
+                <a:solidFill>
+                  <a:schemeClr val="tx1"/>
+                </a:solidFill>
+                <a:latin typeface="+mn-lt"/>
+                <a:ea typeface="+mn-ea"/>
+                <a:cs typeface="+mn-cs"/>
+              </a:defRPr>
+            </a:lvl7pPr>
+            <a:lvl8pPr marL="3200400" indent="0" algn="ctr" defTabSz="914400" rtl="0" eaLnBrk="1" latinLnBrk="0" hangingPunct="1">
+              <a:lnSpc>
+                <a:spcPct val="90000"/>
+              </a:lnSpc>
+              <a:spcBef>
+                <a:spcPts val="500"/>
+              </a:spcBef>
+              <a:buFont typeface="Arial" panose="020B0604020202020204" pitchFamily="34" charset="0"/>
+              <a:buNone/>
+              <a:defRPr sz="1600" kern="1200">
+                <a:solidFill>
+                  <a:schemeClr val="tx1"/>
+                </a:solidFill>
+                <a:latin typeface="+mn-lt"/>
+                <a:ea typeface="+mn-ea"/>
+                <a:cs typeface="+mn-cs"/>
+              </a:defRPr>
+            </a:lvl8pPr>
+            <a:lvl9pPr marL="3657600" indent="0" algn="ctr" defTabSz="914400" rtl="0" eaLnBrk="1" latinLnBrk="0" hangingPunct="1">
+              <a:lnSpc>
+                <a:spcPct val="90000"/>
+              </a:lnSpc>
+              <a:spcBef>
+                <a:spcPts val="500"/>
+              </a:spcBef>
+              <a:buFont typeface="Arial" panose="020B0604020202020204" pitchFamily="34" charset="0"/>
+              <a:buNone/>
+              <a:defRPr sz="1600" kern="1200">
+                <a:solidFill>
+                  <a:schemeClr val="tx1"/>
+                </a:solidFill>
+                <a:latin typeface="+mn-lt"/>
+                <a:ea typeface="+mn-ea"/>
+                <a:cs typeface="+mn-cs"/>
+              </a:defRPr>
+            </a:lvl9pPr>
+          </a:lstStyle>
+          <a:p>
+            <a:pPr marL="342900" indent="-342900" algn="l">
+              <a:buFont typeface="Arial" panose="020B0604020202020204" pitchFamily="34" charset="0"/>
+              <a:buChar char="•"/>
+            </a:pPr>
+            <a:r>
+              <a:rPr lang="de-DE" dirty="0"/>
+              <a:t>Erstellt kostenlose CSS-Layouts</a:t>
+            </a:r>
+          </a:p>
+          <a:p>
+            <a:pPr marL="342900" indent="-342900" algn="l">
+              <a:buFont typeface="Arial" panose="020B0604020202020204" pitchFamily="34" charset="0"/>
+              <a:buChar char="•"/>
+            </a:pPr>
+            <a:r>
+              <a:rPr lang="de-DE" dirty="0"/>
+              <a:t>Alle Layouts werden mit der Creative Commons (CC) Lizenz verbreitet.</a:t>
+            </a:r>
+          </a:p>
+          <a:p>
+            <a:pPr marL="800100" lvl="1" indent="-342900" algn="l">
+              <a:buFont typeface="Arial" panose="020B0604020202020204" pitchFamily="34" charset="0"/>
+              <a:buChar char="•"/>
+            </a:pPr>
+            <a:r>
+              <a:rPr lang="de-DE" dirty="0"/>
+              <a:t>Erlaubt das verbreiten, verändern und anpassen des Materials.</a:t>
+            </a:r>
+          </a:p>
+          <a:p>
+            <a:pPr marL="800100" lvl="1" indent="-342900" algn="l">
+              <a:buFont typeface="Arial" panose="020B0604020202020204" pitchFamily="34" charset="0"/>
+              <a:buChar char="•"/>
+            </a:pPr>
+            <a:r>
+              <a:rPr lang="de-DE" dirty="0"/>
+              <a:t>Originaler Ersteller muss auf dem veränderten Material erwähnt werden</a:t>
+            </a:r>
+          </a:p>
+        </p:txBody>
+      </p:sp>
+      <p:pic>
+        <p:nvPicPr>
+          <p:cNvPr id="7" name="Grafik 6">
+            <a:extLst>
+              <a:ext uri="{FF2B5EF4-FFF2-40B4-BE49-F238E27FC236}">
+                <a16:creationId xmlns:a16="http://schemas.microsoft.com/office/drawing/2014/main" id="{3BDB5BF5-50D0-2FFC-42C3-23E530234930}"/>
+              </a:ext>
+            </a:extLst>
+          </p:cNvPr>
+          <p:cNvPicPr>
+            <a:picLocks noChangeAspect="1"/>
+          </p:cNvPicPr>
+          <p:nvPr/>
+        </p:nvPicPr>
+        <p:blipFill>
+          <a:blip r:embed="rId3"/>
+          <a:stretch>
+            <a:fillRect/>
+          </a:stretch>
+        </p:blipFill>
+        <p:spPr>
+          <a:xfrm>
+            <a:off x="-410167" y="-27861032"/>
+            <a:ext cx="13012334" cy="20356130"/>
+          </a:xfrm>
+          <a:prstGeom prst="rect">
+            <a:avLst/>
+          </a:prstGeom>
+        </p:spPr>
+      </p:pic>
+      <p:sp>
+        <p:nvSpPr>
+          <p:cNvPr id="16" name="Untertitel 2">
+            <a:extLst>
+              <a:ext uri="{FF2B5EF4-FFF2-40B4-BE49-F238E27FC236}">
+                <a16:creationId xmlns:a16="http://schemas.microsoft.com/office/drawing/2014/main" id="{F6DD0543-0CD8-6D19-4FB4-FCDBB3272DDE}"/>
+              </a:ext>
+            </a:extLst>
+          </p:cNvPr>
+          <p:cNvSpPr txBox="1">
+            <a:spLocks/>
+          </p:cNvSpPr>
+          <p:nvPr/>
+        </p:nvSpPr>
+        <p:spPr>
+          <a:xfrm>
+            <a:off x="707468" y="9747360"/>
+            <a:ext cx="11150149" cy="3231231"/>
+          </a:xfrm>
+          <a:prstGeom prst="rect">
+            <a:avLst/>
+          </a:prstGeom>
+        </p:spPr>
+        <p:txBody>
+          <a:bodyPr vert="horz" lIns="91440" tIns="45720" rIns="91440" bIns="45720" rtlCol="0">
+            <a:normAutofit/>
+          </a:bodyPr>
+          <a:lstStyle>
+            <a:lvl1pPr marL="0" indent="0" algn="ctr" defTabSz="914400" rtl="0" eaLnBrk="1" latinLnBrk="0" hangingPunct="1">
+              <a:lnSpc>
+                <a:spcPct val="90000"/>
+              </a:lnSpc>
+              <a:spcBef>
+                <a:spcPts val="1000"/>
+              </a:spcBef>
+              <a:buFont typeface="Arial" panose="020B0604020202020204" pitchFamily="34" charset="0"/>
+              <a:buNone/>
+              <a:defRPr sz="2400" kern="1200">
+                <a:solidFill>
+                  <a:schemeClr val="tx1"/>
+                </a:solidFill>
+                <a:latin typeface="+mn-lt"/>
+                <a:ea typeface="+mn-ea"/>
+                <a:cs typeface="+mn-cs"/>
+              </a:defRPr>
+            </a:lvl1pPr>
+            <a:lvl2pPr marL="457200" indent="0" algn="ctr" defTabSz="914400" rtl="0" eaLnBrk="1" latinLnBrk="0" hangingPunct="1">
+              <a:lnSpc>
+                <a:spcPct val="90000"/>
+              </a:lnSpc>
+              <a:spcBef>
+                <a:spcPts val="500"/>
+              </a:spcBef>
+              <a:buFont typeface="Arial" panose="020B0604020202020204" pitchFamily="34" charset="0"/>
+              <a:buNone/>
+              <a:defRPr sz="2000" kern="1200">
+                <a:solidFill>
+                  <a:schemeClr val="tx1"/>
+                </a:solidFill>
+                <a:latin typeface="+mn-lt"/>
+                <a:ea typeface="+mn-ea"/>
+                <a:cs typeface="+mn-cs"/>
+              </a:defRPr>
+            </a:lvl2pPr>
+            <a:lvl3pPr marL="914400" indent="0" algn="ctr" defTabSz="914400" rtl="0" eaLnBrk="1" latinLnBrk="0" hangingPunct="1">
+              <a:lnSpc>
+                <a:spcPct val="90000"/>
+              </a:lnSpc>
+              <a:spcBef>
+                <a:spcPts val="500"/>
+              </a:spcBef>
+              <a:buFont typeface="Arial" panose="020B0604020202020204" pitchFamily="34" charset="0"/>
+              <a:buNone/>
+              <a:defRPr sz="1800" kern="1200">
+                <a:solidFill>
+                  <a:schemeClr val="tx1"/>
+                </a:solidFill>
+                <a:latin typeface="+mn-lt"/>
+                <a:ea typeface="+mn-ea"/>
+                <a:cs typeface="+mn-cs"/>
+              </a:defRPr>
+            </a:lvl3pPr>
+            <a:lvl4pPr marL="1371600" indent="0" algn="ctr" defTabSz="914400" rtl="0" eaLnBrk="1" latinLnBrk="0" hangingPunct="1">
+              <a:lnSpc>
+                <a:spcPct val="90000"/>
+              </a:lnSpc>
+              <a:spcBef>
+                <a:spcPts val="500"/>
+              </a:spcBef>
+              <a:buFont typeface="Arial" panose="020B0604020202020204" pitchFamily="34" charset="0"/>
+              <a:buNone/>
+              <a:defRPr sz="1600" kern="1200">
+                <a:solidFill>
+                  <a:schemeClr val="tx1"/>
+                </a:solidFill>
+                <a:latin typeface="+mn-lt"/>
+                <a:ea typeface="+mn-ea"/>
+                <a:cs typeface="+mn-cs"/>
+              </a:defRPr>
+            </a:lvl4pPr>
+            <a:lvl5pPr marL="1828800" indent="0" algn="ctr" defTabSz="914400" rtl="0" eaLnBrk="1" latinLnBrk="0" hangingPunct="1">
+              <a:lnSpc>
+                <a:spcPct val="90000"/>
+              </a:lnSpc>
+              <a:spcBef>
+                <a:spcPts val="500"/>
+              </a:spcBef>
+              <a:buFont typeface="Arial" panose="020B0604020202020204" pitchFamily="34" charset="0"/>
+              <a:buNone/>
+              <a:defRPr sz="1600" kern="1200">
+                <a:solidFill>
+                  <a:schemeClr val="tx1"/>
+                </a:solidFill>
+                <a:latin typeface="+mn-lt"/>
+                <a:ea typeface="+mn-ea"/>
+                <a:cs typeface="+mn-cs"/>
+              </a:defRPr>
+            </a:lvl5pPr>
+            <a:lvl6pPr marL="2286000" indent="0" algn="ctr" defTabSz="914400" rtl="0" eaLnBrk="1" latinLnBrk="0" hangingPunct="1">
+              <a:lnSpc>
+                <a:spcPct val="90000"/>
+              </a:lnSpc>
+              <a:spcBef>
+                <a:spcPts val="500"/>
+              </a:spcBef>
+              <a:buFont typeface="Arial" panose="020B0604020202020204" pitchFamily="34" charset="0"/>
+              <a:buNone/>
+              <a:defRPr sz="1600" kern="1200">
+                <a:solidFill>
+                  <a:schemeClr val="tx1"/>
+                </a:solidFill>
+                <a:latin typeface="+mn-lt"/>
+                <a:ea typeface="+mn-ea"/>
+                <a:cs typeface="+mn-cs"/>
+              </a:defRPr>
+            </a:lvl6pPr>
+            <a:lvl7pPr marL="2743200" indent="0" algn="ctr" defTabSz="914400" rtl="0" eaLnBrk="1" latinLnBrk="0" hangingPunct="1">
+              <a:lnSpc>
+                <a:spcPct val="90000"/>
+              </a:lnSpc>
+              <a:spcBef>
+                <a:spcPts val="500"/>
+              </a:spcBef>
+              <a:buFont typeface="Arial" panose="020B0604020202020204" pitchFamily="34" charset="0"/>
+              <a:buNone/>
+              <a:defRPr sz="1600" kern="1200">
+                <a:solidFill>
+                  <a:schemeClr val="tx1"/>
+                </a:solidFill>
+                <a:latin typeface="+mn-lt"/>
+                <a:ea typeface="+mn-ea"/>
+                <a:cs typeface="+mn-cs"/>
+              </a:defRPr>
+            </a:lvl7pPr>
+            <a:lvl8pPr marL="3200400" indent="0" algn="ctr" defTabSz="914400" rtl="0" eaLnBrk="1" latinLnBrk="0" hangingPunct="1">
+              <a:lnSpc>
+                <a:spcPct val="90000"/>
+              </a:lnSpc>
+              <a:spcBef>
+                <a:spcPts val="500"/>
+              </a:spcBef>
+              <a:buFont typeface="Arial" panose="020B0604020202020204" pitchFamily="34" charset="0"/>
+              <a:buNone/>
+              <a:defRPr sz="1600" kern="1200">
+                <a:solidFill>
+                  <a:schemeClr val="tx1"/>
+                </a:solidFill>
+                <a:latin typeface="+mn-lt"/>
+                <a:ea typeface="+mn-ea"/>
+                <a:cs typeface="+mn-cs"/>
+              </a:defRPr>
+            </a:lvl8pPr>
+            <a:lvl9pPr marL="3657600" indent="0" algn="ctr" defTabSz="914400" rtl="0" eaLnBrk="1" latinLnBrk="0" hangingPunct="1">
+              <a:lnSpc>
+                <a:spcPct val="90000"/>
+              </a:lnSpc>
+              <a:spcBef>
+                <a:spcPts val="500"/>
+              </a:spcBef>
+              <a:buFont typeface="Arial" panose="020B0604020202020204" pitchFamily="34" charset="0"/>
+              <a:buNone/>
+              <a:defRPr sz="1600" kern="1200">
+                <a:solidFill>
+                  <a:schemeClr val="tx1"/>
+                </a:solidFill>
+                <a:latin typeface="+mn-lt"/>
+                <a:ea typeface="+mn-ea"/>
+                <a:cs typeface="+mn-cs"/>
+              </a:defRPr>
+            </a:lvl9pPr>
+          </a:lstStyle>
+          <a:p>
+            <a:pPr marL="342900" indent="-342900" algn="l">
+              <a:buFont typeface="Arial" panose="020B0604020202020204" pitchFamily="34" charset="0"/>
+              <a:buChar char="•"/>
+            </a:pPr>
+            <a:r>
+              <a:rPr lang="de-DE" dirty="0"/>
+              <a:t>Erstellt kostenlose CSS-Layouts</a:t>
+            </a:r>
+          </a:p>
+          <a:p>
+            <a:pPr marL="342900" indent="-342900" algn="l">
+              <a:buFont typeface="Arial" panose="020B0604020202020204" pitchFamily="34" charset="0"/>
+              <a:buChar char="•"/>
+            </a:pPr>
+            <a:r>
+              <a:rPr lang="de-DE" dirty="0"/>
+              <a:t>Alle Layouts werden mit der Creative Commons (CC) Lizenz verbreitet.</a:t>
+            </a:r>
+          </a:p>
+          <a:p>
+            <a:pPr marL="800100" lvl="1" indent="-342900" algn="l">
+              <a:buFont typeface="Arial" panose="020B0604020202020204" pitchFamily="34" charset="0"/>
+              <a:buChar char="•"/>
+            </a:pPr>
+            <a:r>
+              <a:rPr lang="de-DE" dirty="0"/>
+              <a:t>Erlaubt das verbreiten, verändern und anpassen des Materials.</a:t>
+            </a:r>
+          </a:p>
+          <a:p>
+            <a:pPr marL="800100" lvl="1" indent="-342900" algn="l">
+              <a:buFont typeface="Arial" panose="020B0604020202020204" pitchFamily="34" charset="0"/>
+              <a:buChar char="•"/>
+            </a:pPr>
+            <a:r>
+              <a:rPr lang="de-DE" dirty="0"/>
+              <a:t>Originaler Ersteller muss auf dem veränderten Material erwähnt werden</a:t>
+            </a:r>
+          </a:p>
+        </p:txBody>
+      </p:sp>
+      <p:sp>
+        <p:nvSpPr>
+          <p:cNvPr id="17" name="Titel 1">
+            <a:extLst>
+              <a:ext uri="{FF2B5EF4-FFF2-40B4-BE49-F238E27FC236}">
+                <a16:creationId xmlns:a16="http://schemas.microsoft.com/office/drawing/2014/main" id="{2D106833-D6F2-56C5-FF17-9BC962DE9D55}"/>
+              </a:ext>
+            </a:extLst>
+          </p:cNvPr>
+          <p:cNvSpPr txBox="1">
+            <a:spLocks/>
+          </p:cNvSpPr>
+          <p:nvPr/>
+        </p:nvSpPr>
+        <p:spPr>
+          <a:xfrm>
+            <a:off x="639182" y="7060367"/>
+            <a:ext cx="11218436" cy="984933"/>
+          </a:xfrm>
+          <a:prstGeom prst="rect">
+            <a:avLst/>
+          </a:prstGeom>
+        </p:spPr>
+        <p:txBody>
+          <a:bodyPr vert="horz" lIns="91440" tIns="45720" rIns="91440" bIns="45720" rtlCol="0" anchor="b">
+            <a:normAutofit/>
+          </a:bodyPr>
+          <a:lstStyle>
+            <a:lvl1pPr algn="ctr" defTabSz="914400" rtl="0" eaLnBrk="1" latinLnBrk="0" hangingPunct="1">
+              <a:lnSpc>
+                <a:spcPct val="90000"/>
+              </a:lnSpc>
+              <a:spcBef>
+                <a:spcPct val="0"/>
+              </a:spcBef>
+              <a:buNone/>
+              <a:defRPr sz="6000" kern="1200">
+                <a:solidFill>
+                  <a:schemeClr val="tx1"/>
+                </a:solidFill>
+                <a:latin typeface="+mj-lt"/>
+                <a:ea typeface="+mj-ea"/>
+                <a:cs typeface="+mj-cs"/>
+              </a:defRPr>
+            </a:lvl1pPr>
+          </a:lstStyle>
+          <a:p>
+            <a:pPr algn="l"/>
+            <a:r>
+              <a:rPr lang="de-DE" b="1" dirty="0">
+                <a:solidFill>
+                  <a:schemeClr val="tx2">
+                    <a:lumMod val="75000"/>
+                    <a:lumOff val="25000"/>
+                  </a:schemeClr>
+                </a:solidFill>
+                <a:latin typeface="Gotham" panose="02000504050000020004" pitchFamily="2" charset="0"/>
+              </a:rPr>
+              <a:t>Inhalte</a:t>
+            </a:r>
+          </a:p>
+        </p:txBody>
+      </p:sp>
+      <p:sp>
+        <p:nvSpPr>
+          <p:cNvPr id="18" name="Rechteck 17">
+            <a:extLst>
+              <a:ext uri="{FF2B5EF4-FFF2-40B4-BE49-F238E27FC236}">
+                <a16:creationId xmlns:a16="http://schemas.microsoft.com/office/drawing/2014/main" id="{C74A5B2C-3BCF-A6DF-BD03-25729C9479F2}"/>
               </a:ext>
             </a:extLst>
           </p:cNvPr>
@@ -6188,8 +7976,8 @@
         </p:nvSpPr>
         <p:spPr>
           <a:xfrm rot="2700000">
-            <a:off x="11814762" y="-4797861"/>
-            <a:ext cx="285525" cy="285525"/>
+            <a:off x="-321116" y="10502931"/>
+            <a:ext cx="1034116" cy="1034116"/>
           </a:xfrm>
           <a:prstGeom prst="rect">
             <a:avLst/>
@@ -6231,10 +8019,10 @@
       </p:sp>
       <p:sp>
         <p:nvSpPr>
-          <p:cNvPr id="15" name="!! toBG">
-            <a:extLst>
-              <a:ext uri="{FF2B5EF4-FFF2-40B4-BE49-F238E27FC236}">
-                <a16:creationId xmlns:a16="http://schemas.microsoft.com/office/drawing/2014/main" id="{ECCDFB1F-95E9-E48F-5719-8AE334CBD76E}"/>
+          <p:cNvPr id="19" name="Rechteck 18">
+            <a:extLst>
+              <a:ext uri="{FF2B5EF4-FFF2-40B4-BE49-F238E27FC236}">
+                <a16:creationId xmlns:a16="http://schemas.microsoft.com/office/drawing/2014/main" id="{9210BC72-02A8-FD13-5B01-9D75EFA1DEEF}"/>
               </a:ext>
             </a:extLst>
           </p:cNvPr>
@@ -6242,17 +8030,17 @@
           <p:nvPr/>
         </p:nvSpPr>
         <p:spPr>
-          <a:xfrm>
-            <a:off x="-1597252" y="-4246167"/>
-            <a:ext cx="15691303" cy="15691303"/>
-          </a:xfrm>
-          <a:prstGeom prst="ellipse">
+          <a:xfrm rot="2700000">
+            <a:off x="2438460" y="10060438"/>
+            <a:ext cx="473711" cy="473711"/>
+          </a:xfrm>
+          <a:prstGeom prst="rect">
             <a:avLst/>
           </a:prstGeom>
           <a:solidFill>
             <a:schemeClr val="tx2">
-              <a:lumMod val="10000"/>
-              <a:lumOff val="90000"/>
+              <a:lumMod val="75000"/>
+              <a:lumOff val="25000"/>
             </a:schemeClr>
           </a:solidFill>
           <a:ln>
@@ -6280,16 +8068,16 @@
           <a:lstStyle/>
           <a:p>
             <a:pPr algn="ctr"/>
-            <a:endParaRPr lang="de-DE" dirty="0"/>
-          </a:p>
-        </p:txBody>
-      </p:sp>
-      <p:sp>
-        <p:nvSpPr>
-          <p:cNvPr id="16" name="!! rect1">
-            <a:extLst>
-              <a:ext uri="{FF2B5EF4-FFF2-40B4-BE49-F238E27FC236}">
-                <a16:creationId xmlns:a16="http://schemas.microsoft.com/office/drawing/2014/main" id="{A2D842B2-F679-38E6-1A1D-3D59446233EF}"/>
+            <a:endParaRPr lang="de-DE"/>
+          </a:p>
+        </p:txBody>
+      </p:sp>
+      <p:sp>
+        <p:nvSpPr>
+          <p:cNvPr id="20" name="Rechteck 19">
+            <a:extLst>
+              <a:ext uri="{FF2B5EF4-FFF2-40B4-BE49-F238E27FC236}">
+                <a16:creationId xmlns:a16="http://schemas.microsoft.com/office/drawing/2014/main" id="{1BCB078D-F0FA-074F-1928-4E124F3D43EA}"/>
               </a:ext>
             </a:extLst>
           </p:cNvPr>
@@ -6297,17 +8085,17 @@
           <p:nvPr/>
         </p:nvSpPr>
         <p:spPr>
-          <a:xfrm>
-            <a:off x="0" y="-1031507"/>
-            <a:ext cx="12192000" cy="704850"/>
+          <a:xfrm rot="2700000">
+            <a:off x="-675887" y="8180084"/>
+            <a:ext cx="473711" cy="473711"/>
           </a:xfrm>
           <a:prstGeom prst="rect">
             <a:avLst/>
           </a:prstGeom>
           <a:solidFill>
             <a:schemeClr val="tx2">
-              <a:lumMod val="25000"/>
-              <a:lumOff val="75000"/>
+              <a:lumMod val="75000"/>
+              <a:lumOff val="25000"/>
             </a:schemeClr>
           </a:solidFill>
           <a:ln>
@@ -6341,10 +8129,10 @@
       </p:sp>
       <p:sp>
         <p:nvSpPr>
-          <p:cNvPr id="17" name="!! rect3">
-            <a:extLst>
-              <a:ext uri="{FF2B5EF4-FFF2-40B4-BE49-F238E27FC236}">
-                <a16:creationId xmlns:a16="http://schemas.microsoft.com/office/drawing/2014/main" id="{709AC853-E8D8-8FB3-F7D2-90BDC72D972B}"/>
+          <p:cNvPr id="21" name="Rechteck 20">
+            <a:extLst>
+              <a:ext uri="{FF2B5EF4-FFF2-40B4-BE49-F238E27FC236}">
+                <a16:creationId xmlns:a16="http://schemas.microsoft.com/office/drawing/2014/main" id="{068D224A-39F5-7E67-9990-EC24DBF6187B}"/>
               </a:ext>
             </a:extLst>
           </p:cNvPr>
@@ -6352,17 +8140,17 @@
           <p:nvPr/>
         </p:nvSpPr>
         <p:spPr>
-          <a:xfrm>
-            <a:off x="12159422" y="704850"/>
-            <a:ext cx="2438400" cy="6153150"/>
+          <a:xfrm rot="2700000">
+            <a:off x="-181295" y="7155293"/>
+            <a:ext cx="285525" cy="285525"/>
           </a:xfrm>
           <a:prstGeom prst="rect">
             <a:avLst/>
           </a:prstGeom>
           <a:solidFill>
-            <a:schemeClr val="accent2">
-              <a:lumMod val="60000"/>
-              <a:lumOff val="40000"/>
+            <a:schemeClr val="tx2">
+              <a:lumMod val="75000"/>
+              <a:lumOff val="25000"/>
             </a:schemeClr>
           </a:solidFill>
           <a:ln>
@@ -6390,16 +8178,16 @@
           <a:lstStyle/>
           <a:p>
             <a:pPr algn="ctr"/>
-            <a:endParaRPr lang="de-DE"/>
-          </a:p>
-        </p:txBody>
-      </p:sp>
-      <p:sp>
-        <p:nvSpPr>
-          <p:cNvPr id="18" name="!! rect2">
-            <a:extLst>
-              <a:ext uri="{FF2B5EF4-FFF2-40B4-BE49-F238E27FC236}">
-                <a16:creationId xmlns:a16="http://schemas.microsoft.com/office/drawing/2014/main" id="{52C9E914-5445-7B60-D0B4-34E58F1315A9}"/>
+            <a:endParaRPr lang="de-DE" dirty="0"/>
+          </a:p>
+        </p:txBody>
+      </p:sp>
+      <p:sp>
+        <p:nvSpPr>
+          <p:cNvPr id="22" name="Rechteck 21">
+            <a:extLst>
+              <a:ext uri="{FF2B5EF4-FFF2-40B4-BE49-F238E27FC236}">
+                <a16:creationId xmlns:a16="http://schemas.microsoft.com/office/drawing/2014/main" id="{BE871BDF-56CA-7F8E-257B-43C36BFF085B}"/>
               </a:ext>
             </a:extLst>
           </p:cNvPr>
@@ -6407,17 +8195,17 @@
           <p:nvPr/>
         </p:nvSpPr>
         <p:spPr>
-          <a:xfrm>
-            <a:off x="-2642382" y="704850"/>
-            <a:ext cx="2438400" cy="6153150"/>
+          <a:xfrm rot="2700000">
+            <a:off x="2833824" y="10958935"/>
+            <a:ext cx="473711" cy="473711"/>
           </a:xfrm>
           <a:prstGeom prst="rect">
             <a:avLst/>
           </a:prstGeom>
           <a:solidFill>
-            <a:schemeClr val="accent2">
-              <a:lumMod val="60000"/>
-              <a:lumOff val="40000"/>
+            <a:schemeClr val="tx2">
+              <a:lumMod val="75000"/>
+              <a:lumOff val="25000"/>
             </a:schemeClr>
           </a:solidFill>
           <a:ln>
@@ -6449,65 +8237,12 @@
           </a:p>
         </p:txBody>
       </p:sp>
-    </p:spTree>
-    <p:extLst>
-      <p:ext uri="{BB962C8B-B14F-4D97-AF65-F5344CB8AC3E}">
-        <p14:creationId xmlns:p14="http://schemas.microsoft.com/office/powerpoint/2010/main" val="3918163371"/>
-      </p:ext>
-    </p:extLst>
-  </p:cSld>
-  <p:clrMapOvr>
-    <a:masterClrMapping/>
-  </p:clrMapOvr>
-  <mc:AlternateContent xmlns:mc="http://schemas.openxmlformats.org/markup-compatibility/2006" xmlns:p159="http://schemas.microsoft.com/office/powerpoint/2015/09/main">
-    <mc:Choice Requires="p159">
-      <p:transition xmlns:p14="http://schemas.microsoft.com/office/powerpoint/2010/main" spd="slow" p14:dur="2000" advClick="0" advTm="0">
-        <p159:morph option="byObject"/>
-      </p:transition>
-    </mc:Choice>
-    <mc:Fallback xmlns="">
-      <p:transition spd="slow" advClick="0" advTm="0">
-        <p:fade/>
-      </p:transition>
-    </mc:Fallback>
-  </mc:AlternateContent>
-</p:sld>
-</file>
-
-<file path=ppt/slides/slide5.xml><?xml version="1.0" encoding="utf-8"?>
-<p:sld xmlns:a="http://schemas.openxmlformats.org/drawingml/2006/main" xmlns:r="http://schemas.openxmlformats.org/officeDocument/2006/relationships" xmlns:p="http://schemas.openxmlformats.org/presentationml/2006/main">
-  <p:cSld>
-    <p:bg>
-      <p:bgPr>
-        <a:solidFill>
-          <a:schemeClr val="tx2">
-            <a:lumMod val="10000"/>
-            <a:lumOff val="90000"/>
-          </a:schemeClr>
-        </a:solidFill>
-        <a:effectLst/>
-      </p:bgPr>
-    </p:bg>
-    <p:spTree>
-      <p:nvGrpSpPr>
-        <p:cNvPr id="1" name=""/>
-        <p:cNvGrpSpPr/>
-        <p:nvPr/>
-      </p:nvGrpSpPr>
-      <p:grpSpPr>
-        <a:xfrm>
-          <a:off x="0" y="0"/>
-          <a:ext cx="0" cy="0"/>
-          <a:chOff x="0" y="0"/>
-          <a:chExt cx="0" cy="0"/>
-        </a:xfrm>
-      </p:grpSpPr>
-      <p:sp>
-        <p:nvSpPr>
-          <p:cNvPr id="20" name="!! toBG">
-            <a:extLst>
-              <a:ext uri="{FF2B5EF4-FFF2-40B4-BE49-F238E27FC236}">
-                <a16:creationId xmlns:a16="http://schemas.microsoft.com/office/drawing/2014/main" id="{403D9279-8A3F-0520-5F80-7FABDC3B380E}"/>
+      <p:sp>
+        <p:nvSpPr>
+          <p:cNvPr id="23" name="Rechteck 22">
+            <a:extLst>
+              <a:ext uri="{FF2B5EF4-FFF2-40B4-BE49-F238E27FC236}">
+                <a16:creationId xmlns:a16="http://schemas.microsoft.com/office/drawing/2014/main" id="{98D0C026-B8DE-46BA-03C8-6D18F0828BC9}"/>
               </a:ext>
             </a:extLst>
           </p:cNvPr>
@@ -6515,68 +8250,17 @@
           <p:nvPr/>
         </p:nvSpPr>
         <p:spPr>
-          <a:xfrm>
-            <a:off x="-696686" y="-580571"/>
-            <a:ext cx="12888686" cy="7438571"/>
-          </a:xfrm>
-          <a:custGeom>
+          <a:xfrm rot="2700000">
+            <a:off x="737291" y="8746110"/>
+            <a:ext cx="473711" cy="473711"/>
+          </a:xfrm>
+          <a:prstGeom prst="rect">
             <a:avLst/>
-            <a:gdLst>
-              <a:gd name="connsiteX0" fmla="*/ 0 w 12192000"/>
-              <a:gd name="connsiteY0" fmla="*/ 0 h 6858000"/>
-              <a:gd name="connsiteX1" fmla="*/ 12161400 w 12192000"/>
-              <a:gd name="connsiteY1" fmla="*/ 0 h 6858000"/>
-              <a:gd name="connsiteX2" fmla="*/ 12192000 w 12192000"/>
-              <a:gd name="connsiteY2" fmla="*/ 47731 h 6858000"/>
-              <a:gd name="connsiteX3" fmla="*/ 12192000 w 12192000"/>
-              <a:gd name="connsiteY3" fmla="*/ 6858000 h 6858000"/>
-              <a:gd name="connsiteX4" fmla="*/ 0 w 12192000"/>
-              <a:gd name="connsiteY4" fmla="*/ 6858000 h 6858000"/>
-            </a:gdLst>
-            <a:ahLst/>
-            <a:cxnLst>
-              <a:cxn ang="0">
-                <a:pos x="connsiteX0" y="connsiteY0"/>
-              </a:cxn>
-              <a:cxn ang="0">
-                <a:pos x="connsiteX1" y="connsiteY1"/>
-              </a:cxn>
-              <a:cxn ang="0">
-                <a:pos x="connsiteX2" y="connsiteY2"/>
-              </a:cxn>
-              <a:cxn ang="0">
-                <a:pos x="connsiteX3" y="connsiteY3"/>
-              </a:cxn>
-              <a:cxn ang="0">
-                <a:pos x="connsiteX4" y="connsiteY4"/>
-              </a:cxn>
-            </a:cxnLst>
-            <a:rect l="l" t="t" r="r" b="b"/>
-            <a:pathLst>
-              <a:path w="12192000" h="6858000">
-                <a:moveTo>
-                  <a:pt x="0" y="0"/>
-                </a:moveTo>
-                <a:lnTo>
-                  <a:pt x="12161400" y="0"/>
-                </a:lnTo>
-                <a:lnTo>
-                  <a:pt x="12192000" y="47731"/>
-                </a:lnTo>
-                <a:lnTo>
-                  <a:pt x="12192000" y="6858000"/>
-                </a:lnTo>
-                <a:lnTo>
-                  <a:pt x="0" y="6858000"/>
-                </a:lnTo>
-                <a:close/>
-              </a:path>
-            </a:pathLst>
-          </a:custGeom>
+          </a:prstGeom>
           <a:solidFill>
             <a:schemeClr val="tx2">
-              <a:lumMod val="10000"/>
-              <a:lumOff val="90000"/>
+              <a:lumMod val="75000"/>
+              <a:lumOff val="25000"/>
             </a:schemeClr>
           </a:solidFill>
           <a:ln>
@@ -6600,22 +8284,20 @@
           </a:fontRef>
         </p:style>
         <p:txBody>
-          <a:bodyPr wrap="square" rtlCol="0" anchor="ctr">
-            <a:noAutofit/>
-          </a:bodyPr>
+          <a:bodyPr rtlCol="0" anchor="ctr"/>
           <a:lstStyle/>
           <a:p>
             <a:pPr algn="ctr"/>
-            <a:endParaRPr lang="de-DE" dirty="0"/>
-          </a:p>
-        </p:txBody>
-      </p:sp>
-      <p:sp>
-        <p:nvSpPr>
-          <p:cNvPr id="23" name="!! rect3">
-            <a:extLst>
-              <a:ext uri="{FF2B5EF4-FFF2-40B4-BE49-F238E27FC236}">
-                <a16:creationId xmlns:a16="http://schemas.microsoft.com/office/drawing/2014/main" id="{C6CAB5D7-C761-7646-609B-ECBC640BD9D7}"/>
+            <a:endParaRPr lang="de-DE"/>
+          </a:p>
+        </p:txBody>
+      </p:sp>
+      <p:sp>
+        <p:nvSpPr>
+          <p:cNvPr id="24" name="Rechteck 23">
+            <a:extLst>
+              <a:ext uri="{FF2B5EF4-FFF2-40B4-BE49-F238E27FC236}">
+                <a16:creationId xmlns:a16="http://schemas.microsoft.com/office/drawing/2014/main" id="{C11130FD-4EE8-D0E5-F9F1-1570535D9226}"/>
               </a:ext>
             </a:extLst>
           </p:cNvPr>
@@ -6623,29 +8305,22 @@
           <p:nvPr/>
         </p:nvSpPr>
         <p:spPr>
-          <a:xfrm>
-            <a:off x="9753600" y="704850"/>
-            <a:ext cx="2438400" cy="6153150"/>
+          <a:xfrm rot="2700000">
+            <a:off x="3262880" y="8734748"/>
+            <a:ext cx="285525" cy="285525"/>
           </a:xfrm>
           <a:prstGeom prst="rect">
             <a:avLst/>
           </a:prstGeom>
           <a:solidFill>
-            <a:schemeClr val="accent2">
-              <a:lumMod val="60000"/>
-              <a:lumOff val="40000"/>
+            <a:schemeClr val="tx2">
+              <a:lumMod val="75000"/>
+              <a:lumOff val="25000"/>
             </a:schemeClr>
           </a:solidFill>
           <a:ln>
             <a:noFill/>
           </a:ln>
-          <a:effectLst>
-            <a:outerShdw blurRad="622300" sx="96000" sy="96000" algn="ctr" rotWithShape="0">
-              <a:prstClr val="black">
-                <a:alpha val="40000"/>
-              </a:prstClr>
-            </a:outerShdw>
-          </a:effectLst>
         </p:spPr>
         <p:style>
           <a:lnRef idx="2">
@@ -6668,16 +8343,91 @@
           <a:lstStyle/>
           <a:p>
             <a:pPr algn="ctr"/>
-            <a:endParaRPr lang="de-DE"/>
-          </a:p>
-        </p:txBody>
-      </p:sp>
-      <p:sp>
-        <p:nvSpPr>
-          <p:cNvPr id="24" name="!! rect2">
-            <a:extLst>
-              <a:ext uri="{FF2B5EF4-FFF2-40B4-BE49-F238E27FC236}">
-                <a16:creationId xmlns:a16="http://schemas.microsoft.com/office/drawing/2014/main" id="{B91675B2-F399-8638-C28B-E17648918E5D}"/>
+            <a:endParaRPr lang="de-DE" dirty="0"/>
+          </a:p>
+        </p:txBody>
+      </p:sp>
+    </p:spTree>
+    <p:extLst>
+      <p:ext uri="{BB962C8B-B14F-4D97-AF65-F5344CB8AC3E}">
+        <p14:creationId xmlns:p14="http://schemas.microsoft.com/office/powerpoint/2010/main" val="1836822262"/>
+      </p:ext>
+    </p:extLst>
+  </p:cSld>
+  <p:clrMapOvr>
+    <a:masterClrMapping/>
+  </p:clrMapOvr>
+  <mc:AlternateContent xmlns:mc="http://schemas.openxmlformats.org/markup-compatibility/2006">
+    <mc:Choice xmlns:p159="http://schemas.microsoft.com/office/powerpoint/2015/09/main" Requires="p159">
+      <p:transition xmlns:p14="http://schemas.microsoft.com/office/powerpoint/2010/main" spd="slow" p14:dur="2000" advClick="0">
+        <p159:morph option="byObject"/>
+      </p:transition>
+    </mc:Choice>
+    <mc:Fallback>
+      <p:transition spd="slow" advClick="0">
+        <p:fade/>
+      </p:transition>
+    </mc:Fallback>
+  </mc:AlternateContent>
+</p:sld>
+</file>
+
+<file path=ppt/slides/slide6.xml><?xml version="1.0" encoding="utf-8"?>
+<p:sld xmlns:a="http://schemas.openxmlformats.org/drawingml/2006/main" xmlns:r="http://schemas.openxmlformats.org/officeDocument/2006/relationships" xmlns:p="http://schemas.openxmlformats.org/presentationml/2006/main">
+  <p:cSld>
+    <p:spTree>
+      <p:nvGrpSpPr>
+        <p:cNvPr id="1" name=""/>
+        <p:cNvGrpSpPr/>
+        <p:nvPr/>
+      </p:nvGrpSpPr>
+      <p:grpSpPr>
+        <a:xfrm>
+          <a:off x="0" y="0"/>
+          <a:ext cx="0" cy="0"/>
+          <a:chOff x="0" y="0"/>
+          <a:chExt cx="0" cy="0"/>
+        </a:xfrm>
+      </p:grpSpPr>
+      <p:sp>
+        <p:nvSpPr>
+          <p:cNvPr id="3" name="Untertitel 2">
+            <a:extLst>
+              <a:ext uri="{FF2B5EF4-FFF2-40B4-BE49-F238E27FC236}">
+                <a16:creationId xmlns:a16="http://schemas.microsoft.com/office/drawing/2014/main" id="{602F8A13-0EEB-C5F2-3DCA-20DEBC4DC630}"/>
+              </a:ext>
+            </a:extLst>
+          </p:cNvPr>
+          <p:cNvSpPr>
+            <a:spLocks noGrp="1"/>
+          </p:cNvSpPr>
+          <p:nvPr>
+            <p:ph type="subTitle" idx="1"/>
+          </p:nvPr>
+        </p:nvSpPr>
+        <p:spPr>
+          <a:xfrm>
+            <a:off x="1524000" y="-895853"/>
+            <a:ext cx="9144000" cy="1655762"/>
+          </a:xfrm>
+        </p:spPr>
+        <p:txBody>
+          <a:bodyPr/>
+          <a:lstStyle/>
+          <a:p>
+            <a:r>
+              <a:rPr lang="de-DE" dirty="0"/>
+              <a:t>Rollenspiel Datenbank</a:t>
+            </a:r>
+          </a:p>
+        </p:txBody>
+      </p:sp>
+      <p:sp>
+        <p:nvSpPr>
+          <p:cNvPr id="15" name="!! toBG">
+            <a:extLst>
+              <a:ext uri="{FF2B5EF4-FFF2-40B4-BE49-F238E27FC236}">
+                <a16:creationId xmlns:a16="http://schemas.microsoft.com/office/drawing/2014/main" id="{ECCDFB1F-95E9-E48F-5719-8AE334CBD76E}"/>
               </a:ext>
             </a:extLst>
           </p:cNvPr>
@@ -6686,28 +8436,21 @@
         </p:nvSpPr>
         <p:spPr>
           <a:xfrm>
-            <a:off x="0" y="704850"/>
-            <a:ext cx="2438400" cy="6153150"/>
-          </a:xfrm>
-          <a:prstGeom prst="rect">
+            <a:off x="-1597252" y="-21440635"/>
+            <a:ext cx="15691303" cy="15691303"/>
+          </a:xfrm>
+          <a:prstGeom prst="ellipse">
             <a:avLst/>
           </a:prstGeom>
           <a:solidFill>
-            <a:schemeClr val="accent2">
-              <a:lumMod val="60000"/>
-              <a:lumOff val="40000"/>
+            <a:schemeClr val="tx2">
+              <a:lumMod val="10000"/>
+              <a:lumOff val="90000"/>
             </a:schemeClr>
           </a:solidFill>
           <a:ln>
             <a:noFill/>
           </a:ln>
-          <a:effectLst>
-            <a:outerShdw blurRad="622300" sx="96000" sy="96000" algn="ctr" rotWithShape="0">
-              <a:prstClr val="black">
-                <a:alpha val="40000"/>
-              </a:prstClr>
-            </a:outerShdw>
-          </a:effectLst>
         </p:spPr>
         <p:style>
           <a:lnRef idx="2">
@@ -6730,16 +8473,590 @@
           <a:lstStyle/>
           <a:p>
             <a:pPr algn="ctr"/>
-            <a:endParaRPr lang="de-DE"/>
-          </a:p>
-        </p:txBody>
-      </p:sp>
-      <p:sp>
-        <p:nvSpPr>
-          <p:cNvPr id="21" name="!! rect1">
-            <a:extLst>
-              <a:ext uri="{FF2B5EF4-FFF2-40B4-BE49-F238E27FC236}">
-                <a16:creationId xmlns:a16="http://schemas.microsoft.com/office/drawing/2014/main" id="{26F6E83E-8C53-2495-F9FD-5ADD4A081C62}"/>
+            <a:endParaRPr lang="de-DE" dirty="0"/>
+          </a:p>
+        </p:txBody>
+      </p:sp>
+      <p:pic>
+        <p:nvPicPr>
+          <p:cNvPr id="5" name="Grafik 4" descr="Ein Bild, das Schwarz, Dunkelheit enthält.&#10;&#10;Automatisch generierte Beschreibung">
+            <a:extLst>
+              <a:ext uri="{FF2B5EF4-FFF2-40B4-BE49-F238E27FC236}">
+                <a16:creationId xmlns:a16="http://schemas.microsoft.com/office/drawing/2014/main" id="{7FE0D04A-04A7-518C-16BE-322669CFC987}"/>
+              </a:ext>
+            </a:extLst>
+          </p:cNvPr>
+          <p:cNvPicPr>
+            <a:picLocks noChangeAspect="1"/>
+          </p:cNvPicPr>
+          <p:nvPr/>
+        </p:nvPicPr>
+        <p:blipFill>
+          <a:blip r:embed="rId2">
+            <a:extLst>
+              <a:ext uri="{28A0092B-C50C-407E-A947-70E740481C1C}">
+                <a14:useLocalDpi xmlns:a14="http://schemas.microsoft.com/office/drawing/2010/main" val="0"/>
+              </a:ext>
+            </a:extLst>
+          </a:blip>
+          <a:stretch>
+            <a:fillRect/>
+          </a:stretch>
+        </p:blipFill>
+        <p:spPr>
+          <a:xfrm>
+            <a:off x="2735714" y="-8854820"/>
+            <a:ext cx="6720572" cy="1413766"/>
+          </a:xfrm>
+          <a:prstGeom prst="rect">
+            <a:avLst/>
+          </a:prstGeom>
+        </p:spPr>
+      </p:pic>
+      <p:sp>
+        <p:nvSpPr>
+          <p:cNvPr id="6" name="Untertitel 2">
+            <a:extLst>
+              <a:ext uri="{FF2B5EF4-FFF2-40B4-BE49-F238E27FC236}">
+                <a16:creationId xmlns:a16="http://schemas.microsoft.com/office/drawing/2014/main" id="{B253031D-680A-8371-5524-A950554CD09E}"/>
+              </a:ext>
+            </a:extLst>
+          </p:cNvPr>
+          <p:cNvSpPr txBox="1">
+            <a:spLocks/>
+          </p:cNvSpPr>
+          <p:nvPr/>
+        </p:nvSpPr>
+        <p:spPr>
+          <a:xfrm>
+            <a:off x="707469" y="-1705061"/>
+            <a:ext cx="11150149" cy="3231231"/>
+          </a:xfrm>
+          <a:prstGeom prst="rect">
+            <a:avLst/>
+          </a:prstGeom>
+        </p:spPr>
+        <p:txBody>
+          <a:bodyPr vert="horz" lIns="91440" tIns="45720" rIns="91440" bIns="45720" rtlCol="0">
+            <a:normAutofit/>
+          </a:bodyPr>
+          <a:lstStyle>
+            <a:lvl1pPr marL="0" indent="0" algn="ctr" defTabSz="914400" rtl="0" eaLnBrk="1" latinLnBrk="0" hangingPunct="1">
+              <a:lnSpc>
+                <a:spcPct val="90000"/>
+              </a:lnSpc>
+              <a:spcBef>
+                <a:spcPts val="1000"/>
+              </a:spcBef>
+              <a:buFont typeface="Arial" panose="020B0604020202020204" pitchFamily="34" charset="0"/>
+              <a:buNone/>
+              <a:defRPr sz="2400" kern="1200">
+                <a:solidFill>
+                  <a:schemeClr val="tx1"/>
+                </a:solidFill>
+                <a:latin typeface="+mn-lt"/>
+                <a:ea typeface="+mn-ea"/>
+                <a:cs typeface="+mn-cs"/>
+              </a:defRPr>
+            </a:lvl1pPr>
+            <a:lvl2pPr marL="457200" indent="0" algn="ctr" defTabSz="914400" rtl="0" eaLnBrk="1" latinLnBrk="0" hangingPunct="1">
+              <a:lnSpc>
+                <a:spcPct val="90000"/>
+              </a:lnSpc>
+              <a:spcBef>
+                <a:spcPts val="500"/>
+              </a:spcBef>
+              <a:buFont typeface="Arial" panose="020B0604020202020204" pitchFamily="34" charset="0"/>
+              <a:buNone/>
+              <a:defRPr sz="2000" kern="1200">
+                <a:solidFill>
+                  <a:schemeClr val="tx1"/>
+                </a:solidFill>
+                <a:latin typeface="+mn-lt"/>
+                <a:ea typeface="+mn-ea"/>
+                <a:cs typeface="+mn-cs"/>
+              </a:defRPr>
+            </a:lvl2pPr>
+            <a:lvl3pPr marL="914400" indent="0" algn="ctr" defTabSz="914400" rtl="0" eaLnBrk="1" latinLnBrk="0" hangingPunct="1">
+              <a:lnSpc>
+                <a:spcPct val="90000"/>
+              </a:lnSpc>
+              <a:spcBef>
+                <a:spcPts val="500"/>
+              </a:spcBef>
+              <a:buFont typeface="Arial" panose="020B0604020202020204" pitchFamily="34" charset="0"/>
+              <a:buNone/>
+              <a:defRPr sz="1800" kern="1200">
+                <a:solidFill>
+                  <a:schemeClr val="tx1"/>
+                </a:solidFill>
+                <a:latin typeface="+mn-lt"/>
+                <a:ea typeface="+mn-ea"/>
+                <a:cs typeface="+mn-cs"/>
+              </a:defRPr>
+            </a:lvl3pPr>
+            <a:lvl4pPr marL="1371600" indent="0" algn="ctr" defTabSz="914400" rtl="0" eaLnBrk="1" latinLnBrk="0" hangingPunct="1">
+              <a:lnSpc>
+                <a:spcPct val="90000"/>
+              </a:lnSpc>
+              <a:spcBef>
+                <a:spcPts val="500"/>
+              </a:spcBef>
+              <a:buFont typeface="Arial" panose="020B0604020202020204" pitchFamily="34" charset="0"/>
+              <a:buNone/>
+              <a:defRPr sz="1600" kern="1200">
+                <a:solidFill>
+                  <a:schemeClr val="tx1"/>
+                </a:solidFill>
+                <a:latin typeface="+mn-lt"/>
+                <a:ea typeface="+mn-ea"/>
+                <a:cs typeface="+mn-cs"/>
+              </a:defRPr>
+            </a:lvl4pPr>
+            <a:lvl5pPr marL="1828800" indent="0" algn="ctr" defTabSz="914400" rtl="0" eaLnBrk="1" latinLnBrk="0" hangingPunct="1">
+              <a:lnSpc>
+                <a:spcPct val="90000"/>
+              </a:lnSpc>
+              <a:spcBef>
+                <a:spcPts val="500"/>
+              </a:spcBef>
+              <a:buFont typeface="Arial" panose="020B0604020202020204" pitchFamily="34" charset="0"/>
+              <a:buNone/>
+              <a:defRPr sz="1600" kern="1200">
+                <a:solidFill>
+                  <a:schemeClr val="tx1"/>
+                </a:solidFill>
+                <a:latin typeface="+mn-lt"/>
+                <a:ea typeface="+mn-ea"/>
+                <a:cs typeface="+mn-cs"/>
+              </a:defRPr>
+            </a:lvl5pPr>
+            <a:lvl6pPr marL="2286000" indent="0" algn="ctr" defTabSz="914400" rtl="0" eaLnBrk="1" latinLnBrk="0" hangingPunct="1">
+              <a:lnSpc>
+                <a:spcPct val="90000"/>
+              </a:lnSpc>
+              <a:spcBef>
+                <a:spcPts val="500"/>
+              </a:spcBef>
+              <a:buFont typeface="Arial" panose="020B0604020202020204" pitchFamily="34" charset="0"/>
+              <a:buNone/>
+              <a:defRPr sz="1600" kern="1200">
+                <a:solidFill>
+                  <a:schemeClr val="tx1"/>
+                </a:solidFill>
+                <a:latin typeface="+mn-lt"/>
+                <a:ea typeface="+mn-ea"/>
+                <a:cs typeface="+mn-cs"/>
+              </a:defRPr>
+            </a:lvl6pPr>
+            <a:lvl7pPr marL="2743200" indent="0" algn="ctr" defTabSz="914400" rtl="0" eaLnBrk="1" latinLnBrk="0" hangingPunct="1">
+              <a:lnSpc>
+                <a:spcPct val="90000"/>
+              </a:lnSpc>
+              <a:spcBef>
+                <a:spcPts val="500"/>
+              </a:spcBef>
+              <a:buFont typeface="Arial" panose="020B0604020202020204" pitchFamily="34" charset="0"/>
+              <a:buNone/>
+              <a:defRPr sz="1600" kern="1200">
+                <a:solidFill>
+                  <a:schemeClr val="tx1"/>
+                </a:solidFill>
+                <a:latin typeface="+mn-lt"/>
+                <a:ea typeface="+mn-ea"/>
+                <a:cs typeface="+mn-cs"/>
+              </a:defRPr>
+            </a:lvl7pPr>
+            <a:lvl8pPr marL="3200400" indent="0" algn="ctr" defTabSz="914400" rtl="0" eaLnBrk="1" latinLnBrk="0" hangingPunct="1">
+              <a:lnSpc>
+                <a:spcPct val="90000"/>
+              </a:lnSpc>
+              <a:spcBef>
+                <a:spcPts val="500"/>
+              </a:spcBef>
+              <a:buFont typeface="Arial" panose="020B0604020202020204" pitchFamily="34" charset="0"/>
+              <a:buNone/>
+              <a:defRPr sz="1600" kern="1200">
+                <a:solidFill>
+                  <a:schemeClr val="tx1"/>
+                </a:solidFill>
+                <a:latin typeface="+mn-lt"/>
+                <a:ea typeface="+mn-ea"/>
+                <a:cs typeface="+mn-cs"/>
+              </a:defRPr>
+            </a:lvl8pPr>
+            <a:lvl9pPr marL="3657600" indent="0" algn="ctr" defTabSz="914400" rtl="0" eaLnBrk="1" latinLnBrk="0" hangingPunct="1">
+              <a:lnSpc>
+                <a:spcPct val="90000"/>
+              </a:lnSpc>
+              <a:spcBef>
+                <a:spcPts val="500"/>
+              </a:spcBef>
+              <a:buFont typeface="Arial" panose="020B0604020202020204" pitchFamily="34" charset="0"/>
+              <a:buNone/>
+              <a:defRPr sz="1600" kern="1200">
+                <a:solidFill>
+                  <a:schemeClr val="tx1"/>
+                </a:solidFill>
+                <a:latin typeface="+mn-lt"/>
+                <a:ea typeface="+mn-ea"/>
+                <a:cs typeface="+mn-cs"/>
+              </a:defRPr>
+            </a:lvl9pPr>
+          </a:lstStyle>
+          <a:p>
+            <a:pPr marL="342900" indent="-342900" algn="l">
+              <a:buFont typeface="Arial" panose="020B0604020202020204" pitchFamily="34" charset="0"/>
+              <a:buChar char="•"/>
+            </a:pPr>
+            <a:r>
+              <a:rPr lang="de-DE" dirty="0"/>
+              <a:t>Erstellt kostenlose CSS-Layouts</a:t>
+            </a:r>
+          </a:p>
+          <a:p>
+            <a:pPr marL="342900" indent="-342900" algn="l">
+              <a:buFont typeface="Arial" panose="020B0604020202020204" pitchFamily="34" charset="0"/>
+              <a:buChar char="•"/>
+            </a:pPr>
+            <a:r>
+              <a:rPr lang="de-DE" dirty="0"/>
+              <a:t>Alle Layouts werden mit der Creative Commons (CC) Lizenz verbreitet.</a:t>
+            </a:r>
+          </a:p>
+          <a:p>
+            <a:pPr marL="800100" lvl="1" indent="-342900" algn="l">
+              <a:buFont typeface="Arial" panose="020B0604020202020204" pitchFamily="34" charset="0"/>
+              <a:buChar char="•"/>
+            </a:pPr>
+            <a:r>
+              <a:rPr lang="de-DE" dirty="0"/>
+              <a:t>Erlaubt das verbreiten, verändern und anpassen des Materials.</a:t>
+            </a:r>
+          </a:p>
+          <a:p>
+            <a:pPr marL="800100" lvl="1" indent="-342900" algn="l">
+              <a:buFont typeface="Arial" panose="020B0604020202020204" pitchFamily="34" charset="0"/>
+              <a:buChar char="•"/>
+            </a:pPr>
+            <a:r>
+              <a:rPr lang="de-DE" dirty="0"/>
+              <a:t>Originaler Ersteller muss auf dem veränderten Material erwähnt werden</a:t>
+            </a:r>
+          </a:p>
+        </p:txBody>
+      </p:sp>
+      <p:sp>
+        <p:nvSpPr>
+          <p:cNvPr id="17" name="Untertitel 2">
+            <a:extLst>
+              <a:ext uri="{FF2B5EF4-FFF2-40B4-BE49-F238E27FC236}">
+                <a16:creationId xmlns:a16="http://schemas.microsoft.com/office/drawing/2014/main" id="{FA5CCEFE-D299-CD13-D237-689264CF9CE2}"/>
+              </a:ext>
+            </a:extLst>
+          </p:cNvPr>
+          <p:cNvSpPr txBox="1">
+            <a:spLocks/>
+          </p:cNvSpPr>
+          <p:nvPr/>
+        </p:nvSpPr>
+        <p:spPr>
+          <a:xfrm>
+            <a:off x="707468" y="1756782"/>
+            <a:ext cx="11150149" cy="3231231"/>
+          </a:xfrm>
+          <a:prstGeom prst="rect">
+            <a:avLst/>
+          </a:prstGeom>
+        </p:spPr>
+        <p:txBody>
+          <a:bodyPr vert="horz" lIns="91440" tIns="45720" rIns="91440" bIns="45720" rtlCol="0">
+            <a:normAutofit/>
+          </a:bodyPr>
+          <a:lstStyle>
+            <a:lvl1pPr marL="0" indent="0" algn="ctr" defTabSz="914400" rtl="0" eaLnBrk="1" latinLnBrk="0" hangingPunct="1">
+              <a:lnSpc>
+                <a:spcPct val="90000"/>
+              </a:lnSpc>
+              <a:spcBef>
+                <a:spcPts val="1000"/>
+              </a:spcBef>
+              <a:buFont typeface="Arial" panose="020B0604020202020204" pitchFamily="34" charset="0"/>
+              <a:buNone/>
+              <a:defRPr sz="2400" kern="1200">
+                <a:solidFill>
+                  <a:schemeClr val="tx1"/>
+                </a:solidFill>
+                <a:latin typeface="+mn-lt"/>
+                <a:ea typeface="+mn-ea"/>
+                <a:cs typeface="+mn-cs"/>
+              </a:defRPr>
+            </a:lvl1pPr>
+            <a:lvl2pPr marL="457200" indent="0" algn="ctr" defTabSz="914400" rtl="0" eaLnBrk="1" latinLnBrk="0" hangingPunct="1">
+              <a:lnSpc>
+                <a:spcPct val="90000"/>
+              </a:lnSpc>
+              <a:spcBef>
+                <a:spcPts val="500"/>
+              </a:spcBef>
+              <a:buFont typeface="Arial" panose="020B0604020202020204" pitchFamily="34" charset="0"/>
+              <a:buNone/>
+              <a:defRPr sz="2000" kern="1200">
+                <a:solidFill>
+                  <a:schemeClr val="tx1"/>
+                </a:solidFill>
+                <a:latin typeface="+mn-lt"/>
+                <a:ea typeface="+mn-ea"/>
+                <a:cs typeface="+mn-cs"/>
+              </a:defRPr>
+            </a:lvl2pPr>
+            <a:lvl3pPr marL="914400" indent="0" algn="ctr" defTabSz="914400" rtl="0" eaLnBrk="1" latinLnBrk="0" hangingPunct="1">
+              <a:lnSpc>
+                <a:spcPct val="90000"/>
+              </a:lnSpc>
+              <a:spcBef>
+                <a:spcPts val="500"/>
+              </a:spcBef>
+              <a:buFont typeface="Arial" panose="020B0604020202020204" pitchFamily="34" charset="0"/>
+              <a:buNone/>
+              <a:defRPr sz="1800" kern="1200">
+                <a:solidFill>
+                  <a:schemeClr val="tx1"/>
+                </a:solidFill>
+                <a:latin typeface="+mn-lt"/>
+                <a:ea typeface="+mn-ea"/>
+                <a:cs typeface="+mn-cs"/>
+              </a:defRPr>
+            </a:lvl3pPr>
+            <a:lvl4pPr marL="1371600" indent="0" algn="ctr" defTabSz="914400" rtl="0" eaLnBrk="1" latinLnBrk="0" hangingPunct="1">
+              <a:lnSpc>
+                <a:spcPct val="90000"/>
+              </a:lnSpc>
+              <a:spcBef>
+                <a:spcPts val="500"/>
+              </a:spcBef>
+              <a:buFont typeface="Arial" panose="020B0604020202020204" pitchFamily="34" charset="0"/>
+              <a:buNone/>
+              <a:defRPr sz="1600" kern="1200">
+                <a:solidFill>
+                  <a:schemeClr val="tx1"/>
+                </a:solidFill>
+                <a:latin typeface="+mn-lt"/>
+                <a:ea typeface="+mn-ea"/>
+                <a:cs typeface="+mn-cs"/>
+              </a:defRPr>
+            </a:lvl4pPr>
+            <a:lvl5pPr marL="1828800" indent="0" algn="ctr" defTabSz="914400" rtl="0" eaLnBrk="1" latinLnBrk="0" hangingPunct="1">
+              <a:lnSpc>
+                <a:spcPct val="90000"/>
+              </a:lnSpc>
+              <a:spcBef>
+                <a:spcPts val="500"/>
+              </a:spcBef>
+              <a:buFont typeface="Arial" panose="020B0604020202020204" pitchFamily="34" charset="0"/>
+              <a:buNone/>
+              <a:defRPr sz="1600" kern="1200">
+                <a:solidFill>
+                  <a:schemeClr val="tx1"/>
+                </a:solidFill>
+                <a:latin typeface="+mn-lt"/>
+                <a:ea typeface="+mn-ea"/>
+                <a:cs typeface="+mn-cs"/>
+              </a:defRPr>
+            </a:lvl5pPr>
+            <a:lvl6pPr marL="2286000" indent="0" algn="ctr" defTabSz="914400" rtl="0" eaLnBrk="1" latinLnBrk="0" hangingPunct="1">
+              <a:lnSpc>
+                <a:spcPct val="90000"/>
+              </a:lnSpc>
+              <a:spcBef>
+                <a:spcPts val="500"/>
+              </a:spcBef>
+              <a:buFont typeface="Arial" panose="020B0604020202020204" pitchFamily="34" charset="0"/>
+              <a:buNone/>
+              <a:defRPr sz="1600" kern="1200">
+                <a:solidFill>
+                  <a:schemeClr val="tx1"/>
+                </a:solidFill>
+                <a:latin typeface="+mn-lt"/>
+                <a:ea typeface="+mn-ea"/>
+                <a:cs typeface="+mn-cs"/>
+              </a:defRPr>
+            </a:lvl6pPr>
+            <a:lvl7pPr marL="2743200" indent="0" algn="ctr" defTabSz="914400" rtl="0" eaLnBrk="1" latinLnBrk="0" hangingPunct="1">
+              <a:lnSpc>
+                <a:spcPct val="90000"/>
+              </a:lnSpc>
+              <a:spcBef>
+                <a:spcPts val="500"/>
+              </a:spcBef>
+              <a:buFont typeface="Arial" panose="020B0604020202020204" pitchFamily="34" charset="0"/>
+              <a:buNone/>
+              <a:defRPr sz="1600" kern="1200">
+                <a:solidFill>
+                  <a:schemeClr val="tx1"/>
+                </a:solidFill>
+                <a:latin typeface="+mn-lt"/>
+                <a:ea typeface="+mn-ea"/>
+                <a:cs typeface="+mn-cs"/>
+              </a:defRPr>
+            </a:lvl7pPr>
+            <a:lvl8pPr marL="3200400" indent="0" algn="ctr" defTabSz="914400" rtl="0" eaLnBrk="1" latinLnBrk="0" hangingPunct="1">
+              <a:lnSpc>
+                <a:spcPct val="90000"/>
+              </a:lnSpc>
+              <a:spcBef>
+                <a:spcPts val="500"/>
+              </a:spcBef>
+              <a:buFont typeface="Arial" panose="020B0604020202020204" pitchFamily="34" charset="0"/>
+              <a:buNone/>
+              <a:defRPr sz="1600" kern="1200">
+                <a:solidFill>
+                  <a:schemeClr val="tx1"/>
+                </a:solidFill>
+                <a:latin typeface="+mn-lt"/>
+                <a:ea typeface="+mn-ea"/>
+                <a:cs typeface="+mn-cs"/>
+              </a:defRPr>
+            </a:lvl8pPr>
+            <a:lvl9pPr marL="3657600" indent="0" algn="ctr" defTabSz="914400" rtl="0" eaLnBrk="1" latinLnBrk="0" hangingPunct="1">
+              <a:lnSpc>
+                <a:spcPct val="90000"/>
+              </a:lnSpc>
+              <a:spcBef>
+                <a:spcPts val="500"/>
+              </a:spcBef>
+              <a:buFont typeface="Arial" panose="020B0604020202020204" pitchFamily="34" charset="0"/>
+              <a:buNone/>
+              <a:defRPr sz="1600" kern="1200">
+                <a:solidFill>
+                  <a:schemeClr val="tx1"/>
+                </a:solidFill>
+                <a:latin typeface="+mn-lt"/>
+                <a:ea typeface="+mn-ea"/>
+                <a:cs typeface="+mn-cs"/>
+              </a:defRPr>
+            </a:lvl9pPr>
+          </a:lstStyle>
+          <a:p>
+            <a:pPr marL="342900" indent="-342900" algn="l">
+              <a:buFont typeface="Arial" panose="020B0604020202020204" pitchFamily="34" charset="0"/>
+              <a:buChar char="•"/>
+            </a:pPr>
+            <a:r>
+              <a:rPr lang="de-DE" dirty="0"/>
+              <a:t>Windows System</a:t>
+            </a:r>
+          </a:p>
+          <a:p>
+            <a:pPr marL="342900" indent="-342900" algn="l">
+              <a:buFont typeface="Arial" panose="020B0604020202020204" pitchFamily="34" charset="0"/>
+              <a:buChar char="•"/>
+            </a:pPr>
+            <a:r>
+              <a:rPr lang="de-DE" dirty="0"/>
+              <a:t>Alle Voraussetzungen von Visual Studio</a:t>
+            </a:r>
+          </a:p>
+          <a:p>
+            <a:pPr marL="342900" indent="-342900" algn="l">
+              <a:buFont typeface="Arial" panose="020B0604020202020204" pitchFamily="34" charset="0"/>
+              <a:buChar char="•"/>
+            </a:pPr>
+            <a:r>
+              <a:rPr lang="de-DE" dirty="0"/>
+              <a:t>Projekt Dateien</a:t>
+            </a:r>
+          </a:p>
+          <a:p>
+            <a:pPr marL="342900" indent="-342900" algn="l">
+              <a:buFont typeface="Arial" panose="020B0604020202020204" pitchFamily="34" charset="0"/>
+              <a:buChar char="•"/>
+            </a:pPr>
+            <a:r>
+              <a:rPr lang="de-DE" dirty="0"/>
+              <a:t>SQL-Server</a:t>
+            </a:r>
+          </a:p>
+        </p:txBody>
+      </p:sp>
+      <p:sp>
+        <p:nvSpPr>
+          <p:cNvPr id="18" name="Titel 1">
+            <a:extLst>
+              <a:ext uri="{FF2B5EF4-FFF2-40B4-BE49-F238E27FC236}">
+                <a16:creationId xmlns:a16="http://schemas.microsoft.com/office/drawing/2014/main" id="{0D51A82A-A4F7-D7CA-025E-E370445A7236}"/>
+              </a:ext>
+            </a:extLst>
+          </p:cNvPr>
+          <p:cNvSpPr txBox="1">
+            <a:spLocks/>
+          </p:cNvSpPr>
+          <p:nvPr/>
+        </p:nvSpPr>
+        <p:spPr>
+          <a:xfrm>
+            <a:off x="639182" y="553647"/>
+            <a:ext cx="11218436" cy="984933"/>
+          </a:xfrm>
+          <a:prstGeom prst="rect">
+            <a:avLst/>
+          </a:prstGeom>
+        </p:spPr>
+        <p:txBody>
+          <a:bodyPr vert="horz" lIns="91440" tIns="45720" rIns="91440" bIns="45720" rtlCol="0" anchor="b">
+            <a:normAutofit fontScale="92500"/>
+          </a:bodyPr>
+          <a:lstStyle>
+            <a:lvl1pPr algn="ctr" defTabSz="914400" rtl="0" eaLnBrk="1" latinLnBrk="0" hangingPunct="1">
+              <a:lnSpc>
+                <a:spcPct val="90000"/>
+              </a:lnSpc>
+              <a:spcBef>
+                <a:spcPct val="0"/>
+              </a:spcBef>
+              <a:buNone/>
+              <a:defRPr sz="6000" kern="1200">
+                <a:solidFill>
+                  <a:schemeClr val="tx1"/>
+                </a:solidFill>
+                <a:latin typeface="+mj-lt"/>
+                <a:ea typeface="+mj-ea"/>
+                <a:cs typeface="+mj-cs"/>
+              </a:defRPr>
+            </a:lvl1pPr>
+          </a:lstStyle>
+          <a:p>
+            <a:pPr algn="l"/>
+            <a:r>
+              <a:rPr lang="de-DE" b="1" dirty="0" err="1">
+                <a:solidFill>
+                  <a:schemeClr val="tx2">
+                    <a:lumMod val="75000"/>
+                    <a:lumOff val="25000"/>
+                  </a:schemeClr>
+                </a:solidFill>
+                <a:latin typeface="Gotham" panose="02000504050000020004" pitchFamily="2" charset="0"/>
+              </a:rPr>
+              <a:t>Installationsvorraussetzungen</a:t>
+            </a:r>
+            <a:endParaRPr lang="de-DE" b="1" dirty="0">
+              <a:solidFill>
+                <a:schemeClr val="tx2">
+                  <a:lumMod val="75000"/>
+                  <a:lumOff val="25000"/>
+                </a:schemeClr>
+              </a:solidFill>
+              <a:latin typeface="Gotham" panose="02000504050000020004" pitchFamily="2" charset="0"/>
+            </a:endParaRPr>
+          </a:p>
+        </p:txBody>
+      </p:sp>
+      <p:sp>
+        <p:nvSpPr>
+          <p:cNvPr id="19" name="Rechteck 18">
+            <a:extLst>
+              <a:ext uri="{FF2B5EF4-FFF2-40B4-BE49-F238E27FC236}">
+                <a16:creationId xmlns:a16="http://schemas.microsoft.com/office/drawing/2014/main" id="{7299FB85-AEBC-09E5-BA3F-FA4FBEA15AD7}"/>
               </a:ext>
             </a:extLst>
           </p:cNvPr>
@@ -6747,29 +9064,22 @@
           <p:nvPr/>
         </p:nvSpPr>
         <p:spPr>
-          <a:xfrm>
-            <a:off x="0" y="0"/>
-            <a:ext cx="12192000" cy="704850"/>
+          <a:xfrm rot="2700000">
+            <a:off x="-321116" y="6073374"/>
+            <a:ext cx="1034116" cy="1034116"/>
           </a:xfrm>
           <a:prstGeom prst="rect">
             <a:avLst/>
           </a:prstGeom>
           <a:solidFill>
             <a:schemeClr val="tx2">
-              <a:lumMod val="25000"/>
-              <a:lumOff val="75000"/>
+              <a:lumMod val="75000"/>
+              <a:lumOff val="25000"/>
             </a:schemeClr>
           </a:solidFill>
           <a:ln>
             <a:noFill/>
           </a:ln>
-          <a:effectLst>
-            <a:outerShdw blurRad="393700" sx="108000" sy="108000" algn="ctr" rotWithShape="0">
-              <a:prstClr val="black">
-                <a:alpha val="40000"/>
-              </a:prstClr>
-            </a:outerShdw>
-          </a:effectLst>
         </p:spPr>
         <p:style>
           <a:lnRef idx="2">
@@ -6798,774 +9108,28 @@
       </p:sp>
       <p:sp>
         <p:nvSpPr>
-          <p:cNvPr id="2" name="Titel 1">
-            <a:extLst>
-              <a:ext uri="{FF2B5EF4-FFF2-40B4-BE49-F238E27FC236}">
-                <a16:creationId xmlns:a16="http://schemas.microsoft.com/office/drawing/2014/main" id="{34EE15E6-43F5-A060-96BF-B7C865A07CC4}"/>
-              </a:ext>
-            </a:extLst>
-          </p:cNvPr>
-          <p:cNvSpPr txBox="1">
-            <a:spLocks/>
-          </p:cNvSpPr>
+          <p:cNvPr id="20" name="Rechteck 19">
+            <a:extLst>
+              <a:ext uri="{FF2B5EF4-FFF2-40B4-BE49-F238E27FC236}">
+                <a16:creationId xmlns:a16="http://schemas.microsoft.com/office/drawing/2014/main" id="{ED57C00C-B2C0-CF6D-07A0-160720567786}"/>
+              </a:ext>
+            </a:extLst>
+          </p:cNvPr>
+          <p:cNvSpPr/>
           <p:nvPr/>
         </p:nvSpPr>
         <p:spPr>
-          <a:xfrm>
-            <a:off x="639182" y="7562850"/>
-            <a:ext cx="11218436" cy="984933"/>
+          <a:xfrm rot="2700000">
+            <a:off x="2438459" y="6688541"/>
+            <a:ext cx="473711" cy="473711"/>
           </a:xfrm>
           <a:prstGeom prst="rect">
             <a:avLst/>
           </a:prstGeom>
-        </p:spPr>
-        <p:txBody>
-          <a:bodyPr vert="horz" lIns="91440" tIns="45720" rIns="91440" bIns="45720" rtlCol="0" anchor="b">
-            <a:normAutofit fontScale="92500"/>
-          </a:bodyPr>
-          <a:lstStyle>
-            <a:lvl1pPr algn="ctr" defTabSz="914400" rtl="0" eaLnBrk="1" latinLnBrk="0" hangingPunct="1">
-              <a:lnSpc>
-                <a:spcPct val="90000"/>
-              </a:lnSpc>
-              <a:spcBef>
-                <a:spcPct val="0"/>
-              </a:spcBef>
-              <a:buNone/>
-              <a:defRPr sz="6000" kern="1200">
-                <a:solidFill>
-                  <a:schemeClr val="tx1"/>
-                </a:solidFill>
-                <a:latin typeface="+mj-lt"/>
-                <a:ea typeface="+mj-ea"/>
-                <a:cs typeface="+mj-cs"/>
-              </a:defRPr>
-            </a:lvl1pPr>
-          </a:lstStyle>
-          <a:p>
-            <a:pPr algn="l"/>
-            <a:r>
-              <a:rPr lang="de-DE" b="1" dirty="0" err="1">
-                <a:solidFill>
-                  <a:schemeClr val="tx2">
-                    <a:lumMod val="75000"/>
-                    <a:lumOff val="25000"/>
-                  </a:schemeClr>
-                </a:solidFill>
-                <a:latin typeface="Gotham" panose="02000504050000020004" pitchFamily="2" charset="0"/>
-              </a:rPr>
-              <a:t>Installationsvorraussetzungen</a:t>
-            </a:r>
-            <a:endParaRPr lang="de-DE" b="1" dirty="0">
-              <a:solidFill>
-                <a:schemeClr val="tx2">
-                  <a:lumMod val="75000"/>
-                  <a:lumOff val="25000"/>
-                </a:schemeClr>
-              </a:solidFill>
-              <a:latin typeface="Gotham" panose="02000504050000020004" pitchFamily="2" charset="0"/>
-            </a:endParaRPr>
-          </a:p>
-        </p:txBody>
-      </p:sp>
-      <p:sp>
-        <p:nvSpPr>
-          <p:cNvPr id="3" name="Untertitel 2">
-            <a:extLst>
-              <a:ext uri="{FF2B5EF4-FFF2-40B4-BE49-F238E27FC236}">
-                <a16:creationId xmlns:a16="http://schemas.microsoft.com/office/drawing/2014/main" id="{32810A55-5633-D62C-1F1F-59C5454F2959}"/>
-              </a:ext>
-            </a:extLst>
-          </p:cNvPr>
-          <p:cNvSpPr txBox="1">
-            <a:spLocks/>
-          </p:cNvSpPr>
-          <p:nvPr/>
-        </p:nvSpPr>
-        <p:spPr>
-          <a:xfrm>
-            <a:off x="707469" y="8639857"/>
-            <a:ext cx="11150149" cy="4404717"/>
-          </a:xfrm>
-          <a:prstGeom prst="rect">
-            <a:avLst/>
-          </a:prstGeom>
-        </p:spPr>
-        <p:txBody>
-          <a:bodyPr vert="horz" lIns="91440" tIns="45720" rIns="91440" bIns="45720" rtlCol="0">
-            <a:normAutofit/>
-          </a:bodyPr>
-          <a:lstStyle>
-            <a:lvl1pPr marL="0" indent="0" algn="ctr" defTabSz="914400" rtl="0" eaLnBrk="1" latinLnBrk="0" hangingPunct="1">
-              <a:lnSpc>
-                <a:spcPct val="90000"/>
-              </a:lnSpc>
-              <a:spcBef>
-                <a:spcPts val="1000"/>
-              </a:spcBef>
-              <a:buFont typeface="Arial" panose="020B0604020202020204" pitchFamily="34" charset="0"/>
-              <a:buNone/>
-              <a:defRPr sz="2400" kern="1200">
-                <a:solidFill>
-                  <a:schemeClr val="tx1"/>
-                </a:solidFill>
-                <a:latin typeface="+mn-lt"/>
-                <a:ea typeface="+mn-ea"/>
-                <a:cs typeface="+mn-cs"/>
-              </a:defRPr>
-            </a:lvl1pPr>
-            <a:lvl2pPr marL="457200" indent="0" algn="ctr" defTabSz="914400" rtl="0" eaLnBrk="1" latinLnBrk="0" hangingPunct="1">
-              <a:lnSpc>
-                <a:spcPct val="90000"/>
-              </a:lnSpc>
-              <a:spcBef>
-                <a:spcPts val="500"/>
-              </a:spcBef>
-              <a:buFont typeface="Arial" panose="020B0604020202020204" pitchFamily="34" charset="0"/>
-              <a:buNone/>
-              <a:defRPr sz="2000" kern="1200">
-                <a:solidFill>
-                  <a:schemeClr val="tx1"/>
-                </a:solidFill>
-                <a:latin typeface="+mn-lt"/>
-                <a:ea typeface="+mn-ea"/>
-                <a:cs typeface="+mn-cs"/>
-              </a:defRPr>
-            </a:lvl2pPr>
-            <a:lvl3pPr marL="914400" indent="0" algn="ctr" defTabSz="914400" rtl="0" eaLnBrk="1" latinLnBrk="0" hangingPunct="1">
-              <a:lnSpc>
-                <a:spcPct val="90000"/>
-              </a:lnSpc>
-              <a:spcBef>
-                <a:spcPts val="500"/>
-              </a:spcBef>
-              <a:buFont typeface="Arial" panose="020B0604020202020204" pitchFamily="34" charset="0"/>
-              <a:buNone/>
-              <a:defRPr sz="1800" kern="1200">
-                <a:solidFill>
-                  <a:schemeClr val="tx1"/>
-                </a:solidFill>
-                <a:latin typeface="+mn-lt"/>
-                <a:ea typeface="+mn-ea"/>
-                <a:cs typeface="+mn-cs"/>
-              </a:defRPr>
-            </a:lvl3pPr>
-            <a:lvl4pPr marL="1371600" indent="0" algn="ctr" defTabSz="914400" rtl="0" eaLnBrk="1" latinLnBrk="0" hangingPunct="1">
-              <a:lnSpc>
-                <a:spcPct val="90000"/>
-              </a:lnSpc>
-              <a:spcBef>
-                <a:spcPts val="500"/>
-              </a:spcBef>
-              <a:buFont typeface="Arial" panose="020B0604020202020204" pitchFamily="34" charset="0"/>
-              <a:buNone/>
-              <a:defRPr sz="1600" kern="1200">
-                <a:solidFill>
-                  <a:schemeClr val="tx1"/>
-                </a:solidFill>
-                <a:latin typeface="+mn-lt"/>
-                <a:ea typeface="+mn-ea"/>
-                <a:cs typeface="+mn-cs"/>
-              </a:defRPr>
-            </a:lvl4pPr>
-            <a:lvl5pPr marL="1828800" indent="0" algn="ctr" defTabSz="914400" rtl="0" eaLnBrk="1" latinLnBrk="0" hangingPunct="1">
-              <a:lnSpc>
-                <a:spcPct val="90000"/>
-              </a:lnSpc>
-              <a:spcBef>
-                <a:spcPts val="500"/>
-              </a:spcBef>
-              <a:buFont typeface="Arial" panose="020B0604020202020204" pitchFamily="34" charset="0"/>
-              <a:buNone/>
-              <a:defRPr sz="1600" kern="1200">
-                <a:solidFill>
-                  <a:schemeClr val="tx1"/>
-                </a:solidFill>
-                <a:latin typeface="+mn-lt"/>
-                <a:ea typeface="+mn-ea"/>
-                <a:cs typeface="+mn-cs"/>
-              </a:defRPr>
-            </a:lvl5pPr>
-            <a:lvl6pPr marL="2286000" indent="0" algn="ctr" defTabSz="914400" rtl="0" eaLnBrk="1" latinLnBrk="0" hangingPunct="1">
-              <a:lnSpc>
-                <a:spcPct val="90000"/>
-              </a:lnSpc>
-              <a:spcBef>
-                <a:spcPts val="500"/>
-              </a:spcBef>
-              <a:buFont typeface="Arial" panose="020B0604020202020204" pitchFamily="34" charset="0"/>
-              <a:buNone/>
-              <a:defRPr sz="1600" kern="1200">
-                <a:solidFill>
-                  <a:schemeClr val="tx1"/>
-                </a:solidFill>
-                <a:latin typeface="+mn-lt"/>
-                <a:ea typeface="+mn-ea"/>
-                <a:cs typeface="+mn-cs"/>
-              </a:defRPr>
-            </a:lvl6pPr>
-            <a:lvl7pPr marL="2743200" indent="0" algn="ctr" defTabSz="914400" rtl="0" eaLnBrk="1" latinLnBrk="0" hangingPunct="1">
-              <a:lnSpc>
-                <a:spcPct val="90000"/>
-              </a:lnSpc>
-              <a:spcBef>
-                <a:spcPts val="500"/>
-              </a:spcBef>
-              <a:buFont typeface="Arial" panose="020B0604020202020204" pitchFamily="34" charset="0"/>
-              <a:buNone/>
-              <a:defRPr sz="1600" kern="1200">
-                <a:solidFill>
-                  <a:schemeClr val="tx1"/>
-                </a:solidFill>
-                <a:latin typeface="+mn-lt"/>
-                <a:ea typeface="+mn-ea"/>
-                <a:cs typeface="+mn-cs"/>
-              </a:defRPr>
-            </a:lvl7pPr>
-            <a:lvl8pPr marL="3200400" indent="0" algn="ctr" defTabSz="914400" rtl="0" eaLnBrk="1" latinLnBrk="0" hangingPunct="1">
-              <a:lnSpc>
-                <a:spcPct val="90000"/>
-              </a:lnSpc>
-              <a:spcBef>
-                <a:spcPts val="500"/>
-              </a:spcBef>
-              <a:buFont typeface="Arial" panose="020B0604020202020204" pitchFamily="34" charset="0"/>
-              <a:buNone/>
-              <a:defRPr sz="1600" kern="1200">
-                <a:solidFill>
-                  <a:schemeClr val="tx1"/>
-                </a:solidFill>
-                <a:latin typeface="+mn-lt"/>
-                <a:ea typeface="+mn-ea"/>
-                <a:cs typeface="+mn-cs"/>
-              </a:defRPr>
-            </a:lvl8pPr>
-            <a:lvl9pPr marL="3657600" indent="0" algn="ctr" defTabSz="914400" rtl="0" eaLnBrk="1" latinLnBrk="0" hangingPunct="1">
-              <a:lnSpc>
-                <a:spcPct val="90000"/>
-              </a:lnSpc>
-              <a:spcBef>
-                <a:spcPts val="500"/>
-              </a:spcBef>
-              <a:buFont typeface="Arial" panose="020B0604020202020204" pitchFamily="34" charset="0"/>
-              <a:buNone/>
-              <a:defRPr sz="1600" kern="1200">
-                <a:solidFill>
-                  <a:schemeClr val="tx1"/>
-                </a:solidFill>
-                <a:latin typeface="+mn-lt"/>
-                <a:ea typeface="+mn-ea"/>
-                <a:cs typeface="+mn-cs"/>
-              </a:defRPr>
-            </a:lvl9pPr>
-          </a:lstStyle>
-          <a:p>
-            <a:pPr marL="342900" indent="-342900" algn="l">
-              <a:buFont typeface="Arial" panose="020B0604020202020204" pitchFamily="34" charset="0"/>
-              <a:buChar char="•"/>
-            </a:pPr>
-            <a:r>
-              <a:rPr lang="de-DE" dirty="0"/>
-              <a:t>Windows System (mind. 8.1)</a:t>
-            </a:r>
-          </a:p>
-          <a:p>
-            <a:pPr marL="342900" indent="-342900" algn="l">
-              <a:buFont typeface="Arial" panose="020B0604020202020204" pitchFamily="34" charset="0"/>
-              <a:buChar char="•"/>
-            </a:pPr>
-            <a:r>
-              <a:rPr lang="de-DE" dirty="0"/>
-              <a:t>Visual Studio Community</a:t>
-            </a:r>
-          </a:p>
-          <a:p>
-            <a:pPr marL="342900" indent="-342900" algn="l">
-              <a:buFont typeface="Arial" panose="020B0604020202020204" pitchFamily="34" charset="0"/>
-              <a:buChar char="•"/>
-            </a:pPr>
-            <a:r>
-              <a:rPr lang="de-DE" dirty="0"/>
-              <a:t>.NET Framework</a:t>
-            </a:r>
-          </a:p>
-        </p:txBody>
-      </p:sp>
-    </p:spTree>
-    <p:extLst>
-      <p:ext uri="{BB962C8B-B14F-4D97-AF65-F5344CB8AC3E}">
-        <p14:creationId xmlns:p14="http://schemas.microsoft.com/office/powerpoint/2010/main" val="2146181913"/>
-      </p:ext>
-    </p:extLst>
-  </p:cSld>
-  <p:clrMapOvr>
-    <a:masterClrMapping/>
-  </p:clrMapOvr>
-  <mc:AlternateContent xmlns:mc="http://schemas.openxmlformats.org/markup-compatibility/2006" xmlns:p159="http://schemas.microsoft.com/office/powerpoint/2015/09/main">
-    <mc:Choice Requires="p159">
-      <p:transition xmlns:p14="http://schemas.microsoft.com/office/powerpoint/2010/main" spd="slow" p14:dur="2000">
-        <p159:morph option="byObject"/>
-      </p:transition>
-    </mc:Choice>
-    <mc:Fallback xmlns="">
-      <p:transition spd="slow">
-        <p:fade/>
-      </p:transition>
-    </mc:Fallback>
-  </mc:AlternateContent>
-  <p:timing>
-    <p:tnLst>
-      <p:par>
-        <p:cTn id="1" dur="indefinite" restart="never" nodeType="tmRoot">
-          <p:childTnLst>
-            <p:seq concurrent="1" nextAc="seek">
-              <p:cTn id="2" dur="indefinite" nodeType="mainSeq">
-                <p:childTnLst>
-                  <p:par>
-                    <p:cTn id="3" fill="hold">
-                      <p:stCondLst>
-                        <p:cond delay="indefinite"/>
-                      </p:stCondLst>
-                      <p:childTnLst>
-                        <p:par>
-                          <p:cTn id="4" fill="hold">
-                            <p:stCondLst>
-                              <p:cond delay="0"/>
-                            </p:stCondLst>
-                            <p:childTnLst>
-                              <p:par>
-                                <p:cTn id="5" presetID="27" presetClass="emph" presetSubtype="0" fill="remove" grpId="0" nodeType="clickEffect">
-                                  <p:stCondLst>
-                                    <p:cond delay="0"/>
-                                  </p:stCondLst>
-                                  <p:childTnLst>
-                                    <p:animClr clrSpc="rgb" dir="cw">
-                                      <p:cBhvr override="childStyle">
-                                        <p:cTn id="6" dur="250" autoRev="1" fill="remove"/>
-                                        <p:tgtEl>
-                                          <p:spTgt spid="21"/>
-                                        </p:tgtEl>
-                                        <p:attrNameLst>
-                                          <p:attrName>style.color</p:attrName>
-                                        </p:attrNameLst>
-                                      </p:cBhvr>
-                                      <p:to>
-                                        <a:schemeClr val="bg1"/>
-                                      </p:to>
-                                    </p:animClr>
-                                    <p:animClr clrSpc="rgb" dir="cw">
-                                      <p:cBhvr>
-                                        <p:cTn id="7" dur="250" autoRev="1" fill="remove"/>
-                                        <p:tgtEl>
-                                          <p:spTgt spid="21"/>
-                                        </p:tgtEl>
-                                        <p:attrNameLst>
-                                          <p:attrName>fillcolor</p:attrName>
-                                        </p:attrNameLst>
-                                      </p:cBhvr>
-                                      <p:to>
-                                        <a:schemeClr val="bg1"/>
-                                      </p:to>
-                                    </p:animClr>
-                                    <p:set>
-                                      <p:cBhvr>
-                                        <p:cTn id="8" dur="250" autoRev="1" fill="remove"/>
-                                        <p:tgtEl>
-                                          <p:spTgt spid="21"/>
-                                        </p:tgtEl>
-                                        <p:attrNameLst>
-                                          <p:attrName>fill.type</p:attrName>
-                                        </p:attrNameLst>
-                                      </p:cBhvr>
-                                      <p:to>
-                                        <p:strVal val="solid"/>
-                                      </p:to>
-                                    </p:set>
-                                    <p:set>
-                                      <p:cBhvr>
-                                        <p:cTn id="9" dur="250" autoRev="1" fill="remove"/>
-                                        <p:tgtEl>
-                                          <p:spTgt spid="21"/>
-                                        </p:tgtEl>
-                                        <p:attrNameLst>
-                                          <p:attrName>fill.on</p:attrName>
-                                        </p:attrNameLst>
-                                      </p:cBhvr>
-                                      <p:to>
-                                        <p:strVal val="true"/>
-                                      </p:to>
-                                    </p:set>
-                                  </p:childTnLst>
-                                </p:cTn>
-                              </p:par>
-                            </p:childTnLst>
-                          </p:cTn>
-                        </p:par>
-                      </p:childTnLst>
-                    </p:cTn>
-                  </p:par>
-                  <p:par>
-                    <p:cTn id="10" fill="hold">
-                      <p:stCondLst>
-                        <p:cond delay="indefinite"/>
-                      </p:stCondLst>
-                      <p:childTnLst>
-                        <p:par>
-                          <p:cTn id="11" fill="hold">
-                            <p:stCondLst>
-                              <p:cond delay="0"/>
-                            </p:stCondLst>
-                            <p:childTnLst>
-                              <p:par>
-                                <p:cTn id="12" presetID="27" presetClass="emph" presetSubtype="0" fill="remove" grpId="0" nodeType="clickEffect">
-                                  <p:stCondLst>
-                                    <p:cond delay="0"/>
-                                  </p:stCondLst>
-                                  <p:childTnLst>
-                                    <p:animClr clrSpc="rgb" dir="cw">
-                                      <p:cBhvr override="childStyle">
-                                        <p:cTn id="13" dur="250" autoRev="1" fill="remove"/>
-                                        <p:tgtEl>
-                                          <p:spTgt spid="24"/>
-                                        </p:tgtEl>
-                                        <p:attrNameLst>
-                                          <p:attrName>style.color</p:attrName>
-                                        </p:attrNameLst>
-                                      </p:cBhvr>
-                                      <p:to>
-                                        <a:schemeClr val="bg1"/>
-                                      </p:to>
-                                    </p:animClr>
-                                    <p:animClr clrSpc="rgb" dir="cw">
-                                      <p:cBhvr>
-                                        <p:cTn id="14" dur="250" autoRev="1" fill="remove"/>
-                                        <p:tgtEl>
-                                          <p:spTgt spid="24"/>
-                                        </p:tgtEl>
-                                        <p:attrNameLst>
-                                          <p:attrName>fillcolor</p:attrName>
-                                        </p:attrNameLst>
-                                      </p:cBhvr>
-                                      <p:to>
-                                        <a:schemeClr val="bg1"/>
-                                      </p:to>
-                                    </p:animClr>
-                                    <p:set>
-                                      <p:cBhvr>
-                                        <p:cTn id="15" dur="250" autoRev="1" fill="remove"/>
-                                        <p:tgtEl>
-                                          <p:spTgt spid="24"/>
-                                        </p:tgtEl>
-                                        <p:attrNameLst>
-                                          <p:attrName>fill.type</p:attrName>
-                                        </p:attrNameLst>
-                                      </p:cBhvr>
-                                      <p:to>
-                                        <p:strVal val="solid"/>
-                                      </p:to>
-                                    </p:set>
-                                    <p:set>
-                                      <p:cBhvr>
-                                        <p:cTn id="16" dur="250" autoRev="1" fill="remove"/>
-                                        <p:tgtEl>
-                                          <p:spTgt spid="24"/>
-                                        </p:tgtEl>
-                                        <p:attrNameLst>
-                                          <p:attrName>fill.on</p:attrName>
-                                        </p:attrNameLst>
-                                      </p:cBhvr>
-                                      <p:to>
-                                        <p:strVal val="true"/>
-                                      </p:to>
-                                    </p:set>
-                                  </p:childTnLst>
-                                </p:cTn>
-                              </p:par>
-                              <p:par>
-                                <p:cTn id="17" presetID="27" presetClass="emph" presetSubtype="0" fill="remove" grpId="0" nodeType="withEffect">
-                                  <p:stCondLst>
-                                    <p:cond delay="0"/>
-                                  </p:stCondLst>
-                                  <p:childTnLst>
-                                    <p:animClr clrSpc="rgb" dir="cw">
-                                      <p:cBhvr override="childStyle">
-                                        <p:cTn id="18" dur="250" autoRev="1" fill="remove"/>
-                                        <p:tgtEl>
-                                          <p:spTgt spid="23"/>
-                                        </p:tgtEl>
-                                        <p:attrNameLst>
-                                          <p:attrName>style.color</p:attrName>
-                                        </p:attrNameLst>
-                                      </p:cBhvr>
-                                      <p:to>
-                                        <a:schemeClr val="bg1"/>
-                                      </p:to>
-                                    </p:animClr>
-                                    <p:animClr clrSpc="rgb" dir="cw">
-                                      <p:cBhvr>
-                                        <p:cTn id="19" dur="250" autoRev="1" fill="remove"/>
-                                        <p:tgtEl>
-                                          <p:spTgt spid="23"/>
-                                        </p:tgtEl>
-                                        <p:attrNameLst>
-                                          <p:attrName>fillcolor</p:attrName>
-                                        </p:attrNameLst>
-                                      </p:cBhvr>
-                                      <p:to>
-                                        <a:schemeClr val="bg1"/>
-                                      </p:to>
-                                    </p:animClr>
-                                    <p:set>
-                                      <p:cBhvr>
-                                        <p:cTn id="20" dur="250" autoRev="1" fill="remove"/>
-                                        <p:tgtEl>
-                                          <p:spTgt spid="23"/>
-                                        </p:tgtEl>
-                                        <p:attrNameLst>
-                                          <p:attrName>fill.type</p:attrName>
-                                        </p:attrNameLst>
-                                      </p:cBhvr>
-                                      <p:to>
-                                        <p:strVal val="solid"/>
-                                      </p:to>
-                                    </p:set>
-                                    <p:set>
-                                      <p:cBhvr>
-                                        <p:cTn id="21" dur="250" autoRev="1" fill="remove"/>
-                                        <p:tgtEl>
-                                          <p:spTgt spid="23"/>
-                                        </p:tgtEl>
-                                        <p:attrNameLst>
-                                          <p:attrName>fill.on</p:attrName>
-                                        </p:attrNameLst>
-                                      </p:cBhvr>
-                                      <p:to>
-                                        <p:strVal val="true"/>
-                                      </p:to>
-                                    </p:set>
-                                  </p:childTnLst>
-                                </p:cTn>
-                              </p:par>
-                            </p:childTnLst>
-                          </p:cTn>
-                        </p:par>
-                      </p:childTnLst>
-                    </p:cTn>
-                  </p:par>
-                  <p:par>
-                    <p:cTn id="22" fill="hold">
-                      <p:stCondLst>
-                        <p:cond delay="indefinite"/>
-                      </p:stCondLst>
-                      <p:childTnLst>
-                        <p:par>
-                          <p:cTn id="23" fill="hold">
-                            <p:stCondLst>
-                              <p:cond delay="0"/>
-                            </p:stCondLst>
-                            <p:childTnLst>
-                              <p:par>
-                                <p:cTn id="24" presetID="30" presetClass="emph" presetSubtype="0" fill="hold" grpId="0" nodeType="clickEffect">
-                                  <p:stCondLst>
-                                    <p:cond delay="0"/>
-                                  </p:stCondLst>
-                                  <p:childTnLst>
-                                    <p:animClr clrSpc="hsl" dir="cw">
-                                      <p:cBhvr override="childStyle">
-                                        <p:cTn id="25" dur="500" fill="hold"/>
-                                        <p:tgtEl>
-                                          <p:spTgt spid="20"/>
-                                        </p:tgtEl>
-                                        <p:attrNameLst>
-                                          <p:attrName>style.color</p:attrName>
-                                        </p:attrNameLst>
-                                      </p:cBhvr>
-                                      <p:by>
-                                        <p:hsl h="0" s="12549" l="25098"/>
-                                      </p:by>
-                                    </p:animClr>
-                                    <p:animClr clrSpc="hsl" dir="cw">
-                                      <p:cBhvr>
-                                        <p:cTn id="26" dur="500" fill="hold"/>
-                                        <p:tgtEl>
-                                          <p:spTgt spid="20"/>
-                                        </p:tgtEl>
-                                        <p:attrNameLst>
-                                          <p:attrName>fillcolor</p:attrName>
-                                        </p:attrNameLst>
-                                      </p:cBhvr>
-                                      <p:by>
-                                        <p:hsl h="0" s="12549" l="25098"/>
-                                      </p:by>
-                                    </p:animClr>
-                                    <p:animClr clrSpc="hsl" dir="cw">
-                                      <p:cBhvr>
-                                        <p:cTn id="27" dur="500" fill="hold"/>
-                                        <p:tgtEl>
-                                          <p:spTgt spid="20"/>
-                                        </p:tgtEl>
-                                        <p:attrNameLst>
-                                          <p:attrName>stroke.color</p:attrName>
-                                        </p:attrNameLst>
-                                      </p:cBhvr>
-                                      <p:by>
-                                        <p:hsl h="0" s="12549" l="25098"/>
-                                      </p:by>
-                                    </p:animClr>
-                                    <p:set>
-                                      <p:cBhvr>
-                                        <p:cTn id="28" dur="500" fill="hold"/>
-                                        <p:tgtEl>
-                                          <p:spTgt spid="20"/>
-                                        </p:tgtEl>
-                                        <p:attrNameLst>
-                                          <p:attrName>fill.type</p:attrName>
-                                        </p:attrNameLst>
-                                      </p:cBhvr>
-                                      <p:to>
-                                        <p:strVal val="solid"/>
-                                      </p:to>
-                                    </p:set>
-                                  </p:childTnLst>
-                                </p:cTn>
-                              </p:par>
-                            </p:childTnLst>
-                          </p:cTn>
-                        </p:par>
-                      </p:childTnLst>
-                    </p:cTn>
-                  </p:par>
-                </p:childTnLst>
-              </p:cTn>
-              <p:prevCondLst>
-                <p:cond evt="onPrev" delay="0">
-                  <p:tgtEl>
-                    <p:sldTgt/>
-                  </p:tgtEl>
-                </p:cond>
-              </p:prevCondLst>
-              <p:nextCondLst>
-                <p:cond evt="onNext" delay="0">
-                  <p:tgtEl>
-                    <p:sldTgt/>
-                  </p:tgtEl>
-                </p:cond>
-              </p:nextCondLst>
-            </p:seq>
-          </p:childTnLst>
-        </p:cTn>
-      </p:par>
-    </p:tnLst>
-    <p:bldLst>
-      <p:bldP spid="20" grpId="0" animBg="1"/>
-      <p:bldP spid="23" grpId="0" animBg="1"/>
-      <p:bldP spid="24" grpId="0" animBg="1"/>
-      <p:bldP spid="21" grpId="0" animBg="1"/>
-    </p:bldLst>
-  </p:timing>
-</p:sld>
-</file>
-
-<file path=ppt/slides/slide6.xml><?xml version="1.0" encoding="utf-8"?>
-<p:sld xmlns:a="http://schemas.openxmlformats.org/drawingml/2006/main" xmlns:r="http://schemas.openxmlformats.org/officeDocument/2006/relationships" xmlns:p="http://schemas.openxmlformats.org/presentationml/2006/main">
-  <p:cSld>
-    <p:bg>
-      <p:bgPr>
-        <a:solidFill>
-          <a:schemeClr val="bg1"/>
-        </a:solidFill>
-        <a:effectLst/>
-      </p:bgPr>
-    </p:bg>
-    <p:spTree>
-      <p:nvGrpSpPr>
-        <p:cNvPr id="1" name=""/>
-        <p:cNvGrpSpPr/>
-        <p:nvPr/>
-      </p:nvGrpSpPr>
-      <p:grpSpPr>
-        <a:xfrm>
-          <a:off x="0" y="0"/>
-          <a:ext cx="0" cy="0"/>
-          <a:chOff x="0" y="0"/>
-          <a:chExt cx="0" cy="0"/>
-        </a:xfrm>
-      </p:grpSpPr>
-      <p:sp>
-        <p:nvSpPr>
-          <p:cNvPr id="20" name="!! toBG">
-            <a:extLst>
-              <a:ext uri="{FF2B5EF4-FFF2-40B4-BE49-F238E27FC236}">
-                <a16:creationId xmlns:a16="http://schemas.microsoft.com/office/drawing/2014/main" id="{403D9279-8A3F-0520-5F80-7FABDC3B380E}"/>
-              </a:ext>
-            </a:extLst>
-          </p:cNvPr>
-          <p:cNvSpPr/>
-          <p:nvPr/>
-        </p:nvSpPr>
-        <p:spPr>
-          <a:xfrm>
-            <a:off x="0" y="0"/>
-            <a:ext cx="12192000" cy="6858000"/>
-          </a:xfrm>
-          <a:custGeom>
-            <a:avLst/>
-            <a:gdLst>
-              <a:gd name="connsiteX0" fmla="*/ 0 w 12192000"/>
-              <a:gd name="connsiteY0" fmla="*/ 0 h 6858000"/>
-              <a:gd name="connsiteX1" fmla="*/ 12161400 w 12192000"/>
-              <a:gd name="connsiteY1" fmla="*/ 0 h 6858000"/>
-              <a:gd name="connsiteX2" fmla="*/ 12192000 w 12192000"/>
-              <a:gd name="connsiteY2" fmla="*/ 47731 h 6858000"/>
-              <a:gd name="connsiteX3" fmla="*/ 12192000 w 12192000"/>
-              <a:gd name="connsiteY3" fmla="*/ 6858000 h 6858000"/>
-              <a:gd name="connsiteX4" fmla="*/ 0 w 12192000"/>
-              <a:gd name="connsiteY4" fmla="*/ 6858000 h 6858000"/>
-            </a:gdLst>
-            <a:ahLst/>
-            <a:cxnLst>
-              <a:cxn ang="0">
-                <a:pos x="connsiteX0" y="connsiteY0"/>
-              </a:cxn>
-              <a:cxn ang="0">
-                <a:pos x="connsiteX1" y="connsiteY1"/>
-              </a:cxn>
-              <a:cxn ang="0">
-                <a:pos x="connsiteX2" y="connsiteY2"/>
-              </a:cxn>
-              <a:cxn ang="0">
-                <a:pos x="connsiteX3" y="connsiteY3"/>
-              </a:cxn>
-              <a:cxn ang="0">
-                <a:pos x="connsiteX4" y="connsiteY4"/>
-              </a:cxn>
-            </a:cxnLst>
-            <a:rect l="l" t="t" r="r" b="b"/>
-            <a:pathLst>
-              <a:path w="12192000" h="6858000">
-                <a:moveTo>
-                  <a:pt x="0" y="0"/>
-                </a:moveTo>
-                <a:lnTo>
-                  <a:pt x="12161400" y="0"/>
-                </a:lnTo>
-                <a:lnTo>
-                  <a:pt x="12192000" y="47731"/>
-                </a:lnTo>
-                <a:lnTo>
-                  <a:pt x="12192000" y="6858000"/>
-                </a:lnTo>
-                <a:lnTo>
-                  <a:pt x="0" y="6858000"/>
-                </a:lnTo>
-                <a:close/>
-              </a:path>
-            </a:pathLst>
-          </a:custGeom>
           <a:solidFill>
             <a:schemeClr val="tx2">
-              <a:lumMod val="10000"/>
-              <a:lumOff val="90000"/>
+              <a:lumMod val="75000"/>
+              <a:lumOff val="25000"/>
             </a:schemeClr>
           </a:solidFill>
           <a:ln>
@@ -7589,22 +9153,20 @@
           </a:fontRef>
         </p:style>
         <p:txBody>
-          <a:bodyPr wrap="square" rtlCol="0" anchor="ctr">
-            <a:noAutofit/>
-          </a:bodyPr>
+          <a:bodyPr rtlCol="0" anchor="ctr"/>
           <a:lstStyle/>
           <a:p>
             <a:pPr algn="ctr"/>
-            <a:endParaRPr lang="de-DE" dirty="0"/>
-          </a:p>
-        </p:txBody>
-      </p:sp>
-      <p:sp>
-        <p:nvSpPr>
-          <p:cNvPr id="23" name="!! rect3">
-            <a:extLst>
-              <a:ext uri="{FF2B5EF4-FFF2-40B4-BE49-F238E27FC236}">
-                <a16:creationId xmlns:a16="http://schemas.microsoft.com/office/drawing/2014/main" id="{C6CAB5D7-C761-7646-609B-ECBC640BD9D7}"/>
+            <a:endParaRPr lang="de-DE"/>
+          </a:p>
+        </p:txBody>
+      </p:sp>
+      <p:sp>
+        <p:nvSpPr>
+          <p:cNvPr id="21" name="Rechteck 20">
+            <a:extLst>
+              <a:ext uri="{FF2B5EF4-FFF2-40B4-BE49-F238E27FC236}">
+                <a16:creationId xmlns:a16="http://schemas.microsoft.com/office/drawing/2014/main" id="{7FE9F280-E6D6-55C7-6BB5-7A16312CF94B}"/>
               </a:ext>
             </a:extLst>
           </p:cNvPr>
@@ -7612,17 +9174,17 @@
           <p:nvPr/>
         </p:nvSpPr>
         <p:spPr>
-          <a:xfrm>
-            <a:off x="15039054" y="-495300"/>
-            <a:ext cx="2438400" cy="7353300"/>
+          <a:xfrm rot="2700000">
+            <a:off x="-675888" y="4808187"/>
+            <a:ext cx="473711" cy="473711"/>
           </a:xfrm>
           <a:prstGeom prst="rect">
             <a:avLst/>
           </a:prstGeom>
           <a:solidFill>
-            <a:schemeClr val="accent2">
-              <a:lumMod val="60000"/>
-              <a:lumOff val="40000"/>
+            <a:schemeClr val="tx2">
+              <a:lumMod val="75000"/>
+              <a:lumOff val="25000"/>
             </a:schemeClr>
           </a:solidFill>
           <a:ln>
@@ -7656,10 +9218,10 @@
       </p:sp>
       <p:sp>
         <p:nvSpPr>
-          <p:cNvPr id="24" name="!! rect2">
-            <a:extLst>
-              <a:ext uri="{FF2B5EF4-FFF2-40B4-BE49-F238E27FC236}">
-                <a16:creationId xmlns:a16="http://schemas.microsoft.com/office/drawing/2014/main" id="{B91675B2-F399-8638-C28B-E17648918E5D}"/>
+          <p:cNvPr id="23" name="Rechteck 22">
+            <a:extLst>
+              <a:ext uri="{FF2B5EF4-FFF2-40B4-BE49-F238E27FC236}">
+                <a16:creationId xmlns:a16="http://schemas.microsoft.com/office/drawing/2014/main" id="{97DB8589-75CB-74E4-0C96-717044CACF36}"/>
               </a:ext>
             </a:extLst>
           </p:cNvPr>
@@ -7667,17 +9229,17 @@
           <p:nvPr/>
         </p:nvSpPr>
         <p:spPr>
-          <a:xfrm>
-            <a:off x="-5701393" y="-495300"/>
-            <a:ext cx="2438400" cy="7353300"/>
+          <a:xfrm rot="2700000">
+            <a:off x="1092062" y="6639400"/>
+            <a:ext cx="1034116" cy="1034116"/>
           </a:xfrm>
           <a:prstGeom prst="rect">
             <a:avLst/>
           </a:prstGeom>
           <a:solidFill>
-            <a:schemeClr val="accent2">
-              <a:lumMod val="60000"/>
-              <a:lumOff val="40000"/>
+            <a:schemeClr val="tx2">
+              <a:lumMod val="75000"/>
+              <a:lumOff val="25000"/>
             </a:schemeClr>
           </a:solidFill>
           <a:ln>
@@ -7711,305 +9273,10 @@
       </p:sp>
       <p:sp>
         <p:nvSpPr>
-          <p:cNvPr id="2" name="Titel 1">
-            <a:extLst>
-              <a:ext uri="{FF2B5EF4-FFF2-40B4-BE49-F238E27FC236}">
-                <a16:creationId xmlns:a16="http://schemas.microsoft.com/office/drawing/2014/main" id="{CA490DB8-E42E-8C0D-A805-ACFAB418D487}"/>
-              </a:ext>
-            </a:extLst>
-          </p:cNvPr>
-          <p:cNvSpPr txBox="1">
-            <a:spLocks/>
-          </p:cNvSpPr>
-          <p:nvPr/>
-        </p:nvSpPr>
-        <p:spPr>
-          <a:xfrm>
-            <a:off x="639182" y="704850"/>
-            <a:ext cx="11218436" cy="984933"/>
-          </a:xfrm>
-          <a:prstGeom prst="rect">
-            <a:avLst/>
-          </a:prstGeom>
-        </p:spPr>
-        <p:txBody>
-          <a:bodyPr vert="horz" lIns="91440" tIns="45720" rIns="91440" bIns="45720" rtlCol="0" anchor="b">
-            <a:normAutofit fontScale="92500"/>
-          </a:bodyPr>
-          <a:lstStyle>
-            <a:lvl1pPr algn="ctr" defTabSz="914400" rtl="0" eaLnBrk="1" latinLnBrk="0" hangingPunct="1">
-              <a:lnSpc>
-                <a:spcPct val="90000"/>
-              </a:lnSpc>
-              <a:spcBef>
-                <a:spcPct val="0"/>
-              </a:spcBef>
-              <a:buNone/>
-              <a:defRPr sz="6000" kern="1200">
-                <a:solidFill>
-                  <a:schemeClr val="tx1"/>
-                </a:solidFill>
-                <a:latin typeface="+mj-lt"/>
-                <a:ea typeface="+mj-ea"/>
-                <a:cs typeface="+mj-cs"/>
-              </a:defRPr>
-            </a:lvl1pPr>
-          </a:lstStyle>
-          <a:p>
-            <a:pPr algn="l"/>
-            <a:r>
-              <a:rPr lang="de-DE" b="1" dirty="0" err="1">
-                <a:solidFill>
-                  <a:schemeClr val="tx2">
-                    <a:lumMod val="75000"/>
-                    <a:lumOff val="25000"/>
-                  </a:schemeClr>
-                </a:solidFill>
-                <a:latin typeface="Gotham" panose="02000504050000020004" pitchFamily="2" charset="0"/>
-              </a:rPr>
-              <a:t>Installationsvorraussetzungen</a:t>
-            </a:r>
-            <a:endParaRPr lang="de-DE" b="1" dirty="0">
-              <a:solidFill>
-                <a:schemeClr val="tx2">
-                  <a:lumMod val="75000"/>
-                  <a:lumOff val="25000"/>
-                </a:schemeClr>
-              </a:solidFill>
-              <a:latin typeface="Gotham" panose="02000504050000020004" pitchFamily="2" charset="0"/>
-            </a:endParaRPr>
-          </a:p>
-        </p:txBody>
-      </p:sp>
-      <p:sp>
-        <p:nvSpPr>
-          <p:cNvPr id="3" name="Untertitel 2">
-            <a:extLst>
-              <a:ext uri="{FF2B5EF4-FFF2-40B4-BE49-F238E27FC236}">
-                <a16:creationId xmlns:a16="http://schemas.microsoft.com/office/drawing/2014/main" id="{A3DDEE98-B39A-06BD-64E8-72DC8F1A721B}"/>
-              </a:ext>
-            </a:extLst>
-          </p:cNvPr>
-          <p:cNvSpPr txBox="1">
-            <a:spLocks/>
-          </p:cNvSpPr>
-          <p:nvPr/>
-        </p:nvSpPr>
-        <p:spPr>
-          <a:xfrm>
-            <a:off x="707469" y="1781857"/>
-            <a:ext cx="11150149" cy="4404717"/>
-          </a:xfrm>
-          <a:prstGeom prst="rect">
-            <a:avLst/>
-          </a:prstGeom>
-        </p:spPr>
-        <p:txBody>
-          <a:bodyPr vert="horz" lIns="91440" tIns="45720" rIns="91440" bIns="45720" rtlCol="0">
-            <a:normAutofit/>
-          </a:bodyPr>
-          <a:lstStyle>
-            <a:lvl1pPr marL="0" indent="0" algn="ctr" defTabSz="914400" rtl="0" eaLnBrk="1" latinLnBrk="0" hangingPunct="1">
-              <a:lnSpc>
-                <a:spcPct val="90000"/>
-              </a:lnSpc>
-              <a:spcBef>
-                <a:spcPts val="1000"/>
-              </a:spcBef>
-              <a:buFont typeface="Arial" panose="020B0604020202020204" pitchFamily="34" charset="0"/>
-              <a:buNone/>
-              <a:defRPr sz="2400" kern="1200">
-                <a:solidFill>
-                  <a:schemeClr val="tx1"/>
-                </a:solidFill>
-                <a:latin typeface="+mn-lt"/>
-                <a:ea typeface="+mn-ea"/>
-                <a:cs typeface="+mn-cs"/>
-              </a:defRPr>
-            </a:lvl1pPr>
-            <a:lvl2pPr marL="457200" indent="0" algn="ctr" defTabSz="914400" rtl="0" eaLnBrk="1" latinLnBrk="0" hangingPunct="1">
-              <a:lnSpc>
-                <a:spcPct val="90000"/>
-              </a:lnSpc>
-              <a:spcBef>
-                <a:spcPts val="500"/>
-              </a:spcBef>
-              <a:buFont typeface="Arial" panose="020B0604020202020204" pitchFamily="34" charset="0"/>
-              <a:buNone/>
-              <a:defRPr sz="2000" kern="1200">
-                <a:solidFill>
-                  <a:schemeClr val="tx1"/>
-                </a:solidFill>
-                <a:latin typeface="+mn-lt"/>
-                <a:ea typeface="+mn-ea"/>
-                <a:cs typeface="+mn-cs"/>
-              </a:defRPr>
-            </a:lvl2pPr>
-            <a:lvl3pPr marL="914400" indent="0" algn="ctr" defTabSz="914400" rtl="0" eaLnBrk="1" latinLnBrk="0" hangingPunct="1">
-              <a:lnSpc>
-                <a:spcPct val="90000"/>
-              </a:lnSpc>
-              <a:spcBef>
-                <a:spcPts val="500"/>
-              </a:spcBef>
-              <a:buFont typeface="Arial" panose="020B0604020202020204" pitchFamily="34" charset="0"/>
-              <a:buNone/>
-              <a:defRPr sz="1800" kern="1200">
-                <a:solidFill>
-                  <a:schemeClr val="tx1"/>
-                </a:solidFill>
-                <a:latin typeface="+mn-lt"/>
-                <a:ea typeface="+mn-ea"/>
-                <a:cs typeface="+mn-cs"/>
-              </a:defRPr>
-            </a:lvl3pPr>
-            <a:lvl4pPr marL="1371600" indent="0" algn="ctr" defTabSz="914400" rtl="0" eaLnBrk="1" latinLnBrk="0" hangingPunct="1">
-              <a:lnSpc>
-                <a:spcPct val="90000"/>
-              </a:lnSpc>
-              <a:spcBef>
-                <a:spcPts val="500"/>
-              </a:spcBef>
-              <a:buFont typeface="Arial" panose="020B0604020202020204" pitchFamily="34" charset="0"/>
-              <a:buNone/>
-              <a:defRPr sz="1600" kern="1200">
-                <a:solidFill>
-                  <a:schemeClr val="tx1"/>
-                </a:solidFill>
-                <a:latin typeface="+mn-lt"/>
-                <a:ea typeface="+mn-ea"/>
-                <a:cs typeface="+mn-cs"/>
-              </a:defRPr>
-            </a:lvl4pPr>
-            <a:lvl5pPr marL="1828800" indent="0" algn="ctr" defTabSz="914400" rtl="0" eaLnBrk="1" latinLnBrk="0" hangingPunct="1">
-              <a:lnSpc>
-                <a:spcPct val="90000"/>
-              </a:lnSpc>
-              <a:spcBef>
-                <a:spcPts val="500"/>
-              </a:spcBef>
-              <a:buFont typeface="Arial" panose="020B0604020202020204" pitchFamily="34" charset="0"/>
-              <a:buNone/>
-              <a:defRPr sz="1600" kern="1200">
-                <a:solidFill>
-                  <a:schemeClr val="tx1"/>
-                </a:solidFill>
-                <a:latin typeface="+mn-lt"/>
-                <a:ea typeface="+mn-ea"/>
-                <a:cs typeface="+mn-cs"/>
-              </a:defRPr>
-            </a:lvl5pPr>
-            <a:lvl6pPr marL="2286000" indent="0" algn="ctr" defTabSz="914400" rtl="0" eaLnBrk="1" latinLnBrk="0" hangingPunct="1">
-              <a:lnSpc>
-                <a:spcPct val="90000"/>
-              </a:lnSpc>
-              <a:spcBef>
-                <a:spcPts val="500"/>
-              </a:spcBef>
-              <a:buFont typeface="Arial" panose="020B0604020202020204" pitchFamily="34" charset="0"/>
-              <a:buNone/>
-              <a:defRPr sz="1600" kern="1200">
-                <a:solidFill>
-                  <a:schemeClr val="tx1"/>
-                </a:solidFill>
-                <a:latin typeface="+mn-lt"/>
-                <a:ea typeface="+mn-ea"/>
-                <a:cs typeface="+mn-cs"/>
-              </a:defRPr>
-            </a:lvl6pPr>
-            <a:lvl7pPr marL="2743200" indent="0" algn="ctr" defTabSz="914400" rtl="0" eaLnBrk="1" latinLnBrk="0" hangingPunct="1">
-              <a:lnSpc>
-                <a:spcPct val="90000"/>
-              </a:lnSpc>
-              <a:spcBef>
-                <a:spcPts val="500"/>
-              </a:spcBef>
-              <a:buFont typeface="Arial" panose="020B0604020202020204" pitchFamily="34" charset="0"/>
-              <a:buNone/>
-              <a:defRPr sz="1600" kern="1200">
-                <a:solidFill>
-                  <a:schemeClr val="tx1"/>
-                </a:solidFill>
-                <a:latin typeface="+mn-lt"/>
-                <a:ea typeface="+mn-ea"/>
-                <a:cs typeface="+mn-cs"/>
-              </a:defRPr>
-            </a:lvl7pPr>
-            <a:lvl8pPr marL="3200400" indent="0" algn="ctr" defTabSz="914400" rtl="0" eaLnBrk="1" latinLnBrk="0" hangingPunct="1">
-              <a:lnSpc>
-                <a:spcPct val="90000"/>
-              </a:lnSpc>
-              <a:spcBef>
-                <a:spcPts val="500"/>
-              </a:spcBef>
-              <a:buFont typeface="Arial" panose="020B0604020202020204" pitchFamily="34" charset="0"/>
-              <a:buNone/>
-              <a:defRPr sz="1600" kern="1200">
-                <a:solidFill>
-                  <a:schemeClr val="tx1"/>
-                </a:solidFill>
-                <a:latin typeface="+mn-lt"/>
-                <a:ea typeface="+mn-ea"/>
-                <a:cs typeface="+mn-cs"/>
-              </a:defRPr>
-            </a:lvl8pPr>
-            <a:lvl9pPr marL="3657600" indent="0" algn="ctr" defTabSz="914400" rtl="0" eaLnBrk="1" latinLnBrk="0" hangingPunct="1">
-              <a:lnSpc>
-                <a:spcPct val="90000"/>
-              </a:lnSpc>
-              <a:spcBef>
-                <a:spcPts val="500"/>
-              </a:spcBef>
-              <a:buFont typeface="Arial" panose="020B0604020202020204" pitchFamily="34" charset="0"/>
-              <a:buNone/>
-              <a:defRPr sz="1600" kern="1200">
-                <a:solidFill>
-                  <a:schemeClr val="tx1"/>
-                </a:solidFill>
-                <a:latin typeface="+mn-lt"/>
-                <a:ea typeface="+mn-ea"/>
-                <a:cs typeface="+mn-cs"/>
-              </a:defRPr>
-            </a:lvl9pPr>
-          </a:lstStyle>
-          <a:p>
-            <a:pPr marL="342900" indent="-342900" algn="l">
-              <a:buFont typeface="Arial" panose="020B0604020202020204" pitchFamily="34" charset="0"/>
-              <a:buChar char="•"/>
-            </a:pPr>
-            <a:r>
-              <a:rPr lang="de-DE" dirty="0"/>
-              <a:t>Windows System (mind. 8.1)</a:t>
-            </a:r>
-          </a:p>
-          <a:p>
-            <a:pPr marL="342900" indent="-342900" algn="l">
-              <a:buFont typeface="Arial" panose="020B0604020202020204" pitchFamily="34" charset="0"/>
-              <a:buChar char="•"/>
-            </a:pPr>
-            <a:r>
-              <a:rPr lang="de-DE" dirty="0"/>
-              <a:t>Visual Studio Community</a:t>
-            </a:r>
-          </a:p>
-          <a:p>
-            <a:pPr marL="342900" indent="-342900" algn="l">
-              <a:buFont typeface="Arial" panose="020B0604020202020204" pitchFamily="34" charset="0"/>
-              <a:buChar char="•"/>
-            </a:pPr>
-            <a:r>
-              <a:rPr lang="de-DE" dirty="0"/>
-              <a:t>.NET Framework</a:t>
-            </a:r>
-          </a:p>
-        </p:txBody>
-      </p:sp>
-      <p:sp>
-        <p:nvSpPr>
-          <p:cNvPr id="21" name="!! rect1">
-            <a:extLst>
-              <a:ext uri="{FF2B5EF4-FFF2-40B4-BE49-F238E27FC236}">
-                <a16:creationId xmlns:a16="http://schemas.microsoft.com/office/drawing/2014/main" id="{26F6E83E-8C53-2495-F9FD-5ADD4A081C62}"/>
+          <p:cNvPr id="24" name="Rechteck 23">
+            <a:extLst>
+              <a:ext uri="{FF2B5EF4-FFF2-40B4-BE49-F238E27FC236}">
+                <a16:creationId xmlns:a16="http://schemas.microsoft.com/office/drawing/2014/main" id="{13290191-6277-BCCB-9448-1F8C5961687B}"/>
               </a:ext>
             </a:extLst>
           </p:cNvPr>
@@ -8017,17 +9284,17 @@
           <p:nvPr/>
         </p:nvSpPr>
         <p:spPr>
-          <a:xfrm>
-            <a:off x="0" y="-1200150"/>
-            <a:ext cx="12192000" cy="704850"/>
+          <a:xfrm rot="2700000">
+            <a:off x="2833823" y="6264663"/>
+            <a:ext cx="473711" cy="473711"/>
           </a:xfrm>
           <a:prstGeom prst="rect">
             <a:avLst/>
           </a:prstGeom>
           <a:solidFill>
             <a:schemeClr val="tx2">
-              <a:lumMod val="25000"/>
-              <a:lumOff val="75000"/>
+              <a:lumMod val="75000"/>
+              <a:lumOff val="25000"/>
             </a:schemeClr>
           </a:solidFill>
           <a:ln>
@@ -8061,390 +9328,28 @@
       </p:sp>
       <p:sp>
         <p:nvSpPr>
-          <p:cNvPr id="4" name="Titel 1">
-            <a:extLst>
-              <a:ext uri="{FF2B5EF4-FFF2-40B4-BE49-F238E27FC236}">
-                <a16:creationId xmlns:a16="http://schemas.microsoft.com/office/drawing/2014/main" id="{3BB46791-F56B-C8A2-D4E3-40363FB722F9}"/>
-              </a:ext>
-            </a:extLst>
-          </p:cNvPr>
-          <p:cNvSpPr txBox="1">
-            <a:spLocks/>
-          </p:cNvSpPr>
+          <p:cNvPr id="25" name="Rechteck 24">
+            <a:extLst>
+              <a:ext uri="{FF2B5EF4-FFF2-40B4-BE49-F238E27FC236}">
+                <a16:creationId xmlns:a16="http://schemas.microsoft.com/office/drawing/2014/main" id="{F46A5130-F431-9850-13AC-391CB7FF7E40}"/>
+              </a:ext>
+            </a:extLst>
+          </p:cNvPr>
+          <p:cNvSpPr/>
           <p:nvPr/>
         </p:nvSpPr>
         <p:spPr>
-          <a:xfrm>
-            <a:off x="639182" y="8543310"/>
-            <a:ext cx="11218436" cy="984933"/>
+          <a:xfrm rot="2700000">
+            <a:off x="737290" y="5374213"/>
+            <a:ext cx="473711" cy="473711"/>
           </a:xfrm>
           <a:prstGeom prst="rect">
             <a:avLst/>
           </a:prstGeom>
-        </p:spPr>
-        <p:txBody>
-          <a:bodyPr vert="horz" lIns="91440" tIns="45720" rIns="91440" bIns="45720" rtlCol="0" anchor="b">
-            <a:normAutofit/>
-          </a:bodyPr>
-          <a:lstStyle>
-            <a:lvl1pPr algn="ctr" defTabSz="914400" rtl="0" eaLnBrk="1" latinLnBrk="0" hangingPunct="1">
-              <a:lnSpc>
-                <a:spcPct val="90000"/>
-              </a:lnSpc>
-              <a:spcBef>
-                <a:spcPct val="0"/>
-              </a:spcBef>
-              <a:buNone/>
-              <a:defRPr sz="6000" kern="1200">
-                <a:solidFill>
-                  <a:schemeClr val="tx1"/>
-                </a:solidFill>
-                <a:latin typeface="+mj-lt"/>
-                <a:ea typeface="+mj-ea"/>
-                <a:cs typeface="+mj-cs"/>
-              </a:defRPr>
-            </a:lvl1pPr>
-          </a:lstStyle>
-          <a:p>
-            <a:r>
-              <a:rPr lang="de-DE" b="1" dirty="0">
-                <a:solidFill>
-                  <a:schemeClr val="tx2">
-                    <a:lumMod val="75000"/>
-                    <a:lumOff val="25000"/>
-                  </a:schemeClr>
-                </a:solidFill>
-                <a:latin typeface="Gotham" panose="02000504050000020004" pitchFamily="2" charset="0"/>
-              </a:rPr>
-              <a:t>Danke für das Zuhören</a:t>
-            </a:r>
-          </a:p>
-        </p:txBody>
-      </p:sp>
-      <p:sp>
-        <p:nvSpPr>
-          <p:cNvPr id="5" name="Untertitel 2">
-            <a:extLst>
-              <a:ext uri="{FF2B5EF4-FFF2-40B4-BE49-F238E27FC236}">
-                <a16:creationId xmlns:a16="http://schemas.microsoft.com/office/drawing/2014/main" id="{B578FA6E-4F5F-A54E-E80D-987860BB8D84}"/>
-              </a:ext>
-            </a:extLst>
-          </p:cNvPr>
-          <p:cNvSpPr txBox="1">
-            <a:spLocks/>
-          </p:cNvSpPr>
-          <p:nvPr/>
-        </p:nvSpPr>
-        <p:spPr>
-          <a:xfrm>
-            <a:off x="707469" y="9620317"/>
-            <a:ext cx="11150149" cy="4404717"/>
-          </a:xfrm>
-          <a:prstGeom prst="rect">
-            <a:avLst/>
-          </a:prstGeom>
-        </p:spPr>
-        <p:txBody>
-          <a:bodyPr vert="horz" lIns="91440" tIns="45720" rIns="91440" bIns="45720" rtlCol="0">
-            <a:normAutofit/>
-          </a:bodyPr>
-          <a:lstStyle>
-            <a:lvl1pPr marL="0" indent="0" algn="ctr" defTabSz="914400" rtl="0" eaLnBrk="1" latinLnBrk="0" hangingPunct="1">
-              <a:lnSpc>
-                <a:spcPct val="90000"/>
-              </a:lnSpc>
-              <a:spcBef>
-                <a:spcPts val="1000"/>
-              </a:spcBef>
-              <a:buFont typeface="Arial" panose="020B0604020202020204" pitchFamily="34" charset="0"/>
-              <a:buNone/>
-              <a:defRPr sz="2400" kern="1200">
-                <a:solidFill>
-                  <a:schemeClr val="tx1"/>
-                </a:solidFill>
-                <a:latin typeface="+mn-lt"/>
-                <a:ea typeface="+mn-ea"/>
-                <a:cs typeface="+mn-cs"/>
-              </a:defRPr>
-            </a:lvl1pPr>
-            <a:lvl2pPr marL="457200" indent="0" algn="ctr" defTabSz="914400" rtl="0" eaLnBrk="1" latinLnBrk="0" hangingPunct="1">
-              <a:lnSpc>
-                <a:spcPct val="90000"/>
-              </a:lnSpc>
-              <a:spcBef>
-                <a:spcPts val="500"/>
-              </a:spcBef>
-              <a:buFont typeface="Arial" panose="020B0604020202020204" pitchFamily="34" charset="0"/>
-              <a:buNone/>
-              <a:defRPr sz="2000" kern="1200">
-                <a:solidFill>
-                  <a:schemeClr val="tx1"/>
-                </a:solidFill>
-                <a:latin typeface="+mn-lt"/>
-                <a:ea typeface="+mn-ea"/>
-                <a:cs typeface="+mn-cs"/>
-              </a:defRPr>
-            </a:lvl2pPr>
-            <a:lvl3pPr marL="914400" indent="0" algn="ctr" defTabSz="914400" rtl="0" eaLnBrk="1" latinLnBrk="0" hangingPunct="1">
-              <a:lnSpc>
-                <a:spcPct val="90000"/>
-              </a:lnSpc>
-              <a:spcBef>
-                <a:spcPts val="500"/>
-              </a:spcBef>
-              <a:buFont typeface="Arial" panose="020B0604020202020204" pitchFamily="34" charset="0"/>
-              <a:buNone/>
-              <a:defRPr sz="1800" kern="1200">
-                <a:solidFill>
-                  <a:schemeClr val="tx1"/>
-                </a:solidFill>
-                <a:latin typeface="+mn-lt"/>
-                <a:ea typeface="+mn-ea"/>
-                <a:cs typeface="+mn-cs"/>
-              </a:defRPr>
-            </a:lvl3pPr>
-            <a:lvl4pPr marL="1371600" indent="0" algn="ctr" defTabSz="914400" rtl="0" eaLnBrk="1" latinLnBrk="0" hangingPunct="1">
-              <a:lnSpc>
-                <a:spcPct val="90000"/>
-              </a:lnSpc>
-              <a:spcBef>
-                <a:spcPts val="500"/>
-              </a:spcBef>
-              <a:buFont typeface="Arial" panose="020B0604020202020204" pitchFamily="34" charset="0"/>
-              <a:buNone/>
-              <a:defRPr sz="1600" kern="1200">
-                <a:solidFill>
-                  <a:schemeClr val="tx1"/>
-                </a:solidFill>
-                <a:latin typeface="+mn-lt"/>
-                <a:ea typeface="+mn-ea"/>
-                <a:cs typeface="+mn-cs"/>
-              </a:defRPr>
-            </a:lvl4pPr>
-            <a:lvl5pPr marL="1828800" indent="0" algn="ctr" defTabSz="914400" rtl="0" eaLnBrk="1" latinLnBrk="0" hangingPunct="1">
-              <a:lnSpc>
-                <a:spcPct val="90000"/>
-              </a:lnSpc>
-              <a:spcBef>
-                <a:spcPts val="500"/>
-              </a:spcBef>
-              <a:buFont typeface="Arial" panose="020B0604020202020204" pitchFamily="34" charset="0"/>
-              <a:buNone/>
-              <a:defRPr sz="1600" kern="1200">
-                <a:solidFill>
-                  <a:schemeClr val="tx1"/>
-                </a:solidFill>
-                <a:latin typeface="+mn-lt"/>
-                <a:ea typeface="+mn-ea"/>
-                <a:cs typeface="+mn-cs"/>
-              </a:defRPr>
-            </a:lvl5pPr>
-            <a:lvl6pPr marL="2286000" indent="0" algn="ctr" defTabSz="914400" rtl="0" eaLnBrk="1" latinLnBrk="0" hangingPunct="1">
-              <a:lnSpc>
-                <a:spcPct val="90000"/>
-              </a:lnSpc>
-              <a:spcBef>
-                <a:spcPts val="500"/>
-              </a:spcBef>
-              <a:buFont typeface="Arial" panose="020B0604020202020204" pitchFamily="34" charset="0"/>
-              <a:buNone/>
-              <a:defRPr sz="1600" kern="1200">
-                <a:solidFill>
-                  <a:schemeClr val="tx1"/>
-                </a:solidFill>
-                <a:latin typeface="+mn-lt"/>
-                <a:ea typeface="+mn-ea"/>
-                <a:cs typeface="+mn-cs"/>
-              </a:defRPr>
-            </a:lvl6pPr>
-            <a:lvl7pPr marL="2743200" indent="0" algn="ctr" defTabSz="914400" rtl="0" eaLnBrk="1" latinLnBrk="0" hangingPunct="1">
-              <a:lnSpc>
-                <a:spcPct val="90000"/>
-              </a:lnSpc>
-              <a:spcBef>
-                <a:spcPts val="500"/>
-              </a:spcBef>
-              <a:buFont typeface="Arial" panose="020B0604020202020204" pitchFamily="34" charset="0"/>
-              <a:buNone/>
-              <a:defRPr sz="1600" kern="1200">
-                <a:solidFill>
-                  <a:schemeClr val="tx1"/>
-                </a:solidFill>
-                <a:latin typeface="+mn-lt"/>
-                <a:ea typeface="+mn-ea"/>
-                <a:cs typeface="+mn-cs"/>
-              </a:defRPr>
-            </a:lvl7pPr>
-            <a:lvl8pPr marL="3200400" indent="0" algn="ctr" defTabSz="914400" rtl="0" eaLnBrk="1" latinLnBrk="0" hangingPunct="1">
-              <a:lnSpc>
-                <a:spcPct val="90000"/>
-              </a:lnSpc>
-              <a:spcBef>
-                <a:spcPts val="500"/>
-              </a:spcBef>
-              <a:buFont typeface="Arial" panose="020B0604020202020204" pitchFamily="34" charset="0"/>
-              <a:buNone/>
-              <a:defRPr sz="1600" kern="1200">
-                <a:solidFill>
-                  <a:schemeClr val="tx1"/>
-                </a:solidFill>
-                <a:latin typeface="+mn-lt"/>
-                <a:ea typeface="+mn-ea"/>
-                <a:cs typeface="+mn-cs"/>
-              </a:defRPr>
-            </a:lvl8pPr>
-            <a:lvl9pPr marL="3657600" indent="0" algn="ctr" defTabSz="914400" rtl="0" eaLnBrk="1" latinLnBrk="0" hangingPunct="1">
-              <a:lnSpc>
-                <a:spcPct val="90000"/>
-              </a:lnSpc>
-              <a:spcBef>
-                <a:spcPts val="500"/>
-              </a:spcBef>
-              <a:buFont typeface="Arial" panose="020B0604020202020204" pitchFamily="34" charset="0"/>
-              <a:buNone/>
-              <a:defRPr sz="1600" kern="1200">
-                <a:solidFill>
-                  <a:schemeClr val="tx1"/>
-                </a:solidFill>
-                <a:latin typeface="+mn-lt"/>
-                <a:ea typeface="+mn-ea"/>
-                <a:cs typeface="+mn-cs"/>
-              </a:defRPr>
-            </a:lvl9pPr>
-          </a:lstStyle>
-          <a:p>
-            <a:r>
-              <a:rPr lang="de-DE" dirty="0"/>
-              <a:t>Jetzt zum Praktischen Teil!</a:t>
-            </a:r>
-          </a:p>
-        </p:txBody>
-      </p:sp>
-    </p:spTree>
-    <p:extLst>
-      <p:ext uri="{BB962C8B-B14F-4D97-AF65-F5344CB8AC3E}">
-        <p14:creationId xmlns:p14="http://schemas.microsoft.com/office/powerpoint/2010/main" val="3796497164"/>
-      </p:ext>
-    </p:extLst>
-  </p:cSld>
-  <p:clrMapOvr>
-    <a:masterClrMapping/>
-  </p:clrMapOvr>
-  <mc:AlternateContent xmlns:mc="http://schemas.openxmlformats.org/markup-compatibility/2006" xmlns:p159="http://schemas.microsoft.com/office/powerpoint/2015/09/main">
-    <mc:Choice Requires="p159">
-      <p:transition xmlns:p14="http://schemas.microsoft.com/office/powerpoint/2010/main" spd="slow" p14:dur="2000">
-        <p159:morph option="byObject"/>
-      </p:transition>
-    </mc:Choice>
-    <mc:Fallback xmlns="">
-      <p:transition spd="slow">
-        <p:fade/>
-      </p:transition>
-    </mc:Fallback>
-  </mc:AlternateContent>
-</p:sld>
-</file>
-
-<file path=ppt/slides/slide7.xml><?xml version="1.0" encoding="utf-8"?>
-<p:sld xmlns:a="http://schemas.openxmlformats.org/drawingml/2006/main" xmlns:r="http://schemas.openxmlformats.org/officeDocument/2006/relationships" xmlns:p="http://schemas.openxmlformats.org/presentationml/2006/main">
-  <p:cSld>
-    <p:bg>
-      <p:bgPr>
-        <a:solidFill>
-          <a:schemeClr val="bg1"/>
-        </a:solidFill>
-        <a:effectLst/>
-      </p:bgPr>
-    </p:bg>
-    <p:spTree>
-      <p:nvGrpSpPr>
-        <p:cNvPr id="1" name=""/>
-        <p:cNvGrpSpPr/>
-        <p:nvPr/>
-      </p:nvGrpSpPr>
-      <p:grpSpPr>
-        <a:xfrm>
-          <a:off x="0" y="0"/>
-          <a:ext cx="0" cy="0"/>
-          <a:chOff x="0" y="0"/>
-          <a:chExt cx="0" cy="0"/>
-        </a:xfrm>
-      </p:grpSpPr>
-      <p:sp>
-        <p:nvSpPr>
-          <p:cNvPr id="20" name="!! toBG">
-            <a:extLst>
-              <a:ext uri="{FF2B5EF4-FFF2-40B4-BE49-F238E27FC236}">
-                <a16:creationId xmlns:a16="http://schemas.microsoft.com/office/drawing/2014/main" id="{403D9279-8A3F-0520-5F80-7FABDC3B380E}"/>
-              </a:ext>
-            </a:extLst>
-          </p:cNvPr>
-          <p:cNvSpPr/>
-          <p:nvPr/>
-        </p:nvSpPr>
-        <p:spPr>
-          <a:xfrm>
-            <a:off x="0" y="-6995886"/>
-            <a:ext cx="12192000" cy="6858000"/>
-          </a:xfrm>
-          <a:custGeom>
-            <a:avLst/>
-            <a:gdLst>
-              <a:gd name="connsiteX0" fmla="*/ 0 w 12192000"/>
-              <a:gd name="connsiteY0" fmla="*/ 0 h 6858000"/>
-              <a:gd name="connsiteX1" fmla="*/ 12161400 w 12192000"/>
-              <a:gd name="connsiteY1" fmla="*/ 0 h 6858000"/>
-              <a:gd name="connsiteX2" fmla="*/ 12192000 w 12192000"/>
-              <a:gd name="connsiteY2" fmla="*/ 47731 h 6858000"/>
-              <a:gd name="connsiteX3" fmla="*/ 12192000 w 12192000"/>
-              <a:gd name="connsiteY3" fmla="*/ 6858000 h 6858000"/>
-              <a:gd name="connsiteX4" fmla="*/ 0 w 12192000"/>
-              <a:gd name="connsiteY4" fmla="*/ 6858000 h 6858000"/>
-            </a:gdLst>
-            <a:ahLst/>
-            <a:cxnLst>
-              <a:cxn ang="0">
-                <a:pos x="connsiteX0" y="connsiteY0"/>
-              </a:cxn>
-              <a:cxn ang="0">
-                <a:pos x="connsiteX1" y="connsiteY1"/>
-              </a:cxn>
-              <a:cxn ang="0">
-                <a:pos x="connsiteX2" y="connsiteY2"/>
-              </a:cxn>
-              <a:cxn ang="0">
-                <a:pos x="connsiteX3" y="connsiteY3"/>
-              </a:cxn>
-              <a:cxn ang="0">
-                <a:pos x="connsiteX4" y="connsiteY4"/>
-              </a:cxn>
-            </a:cxnLst>
-            <a:rect l="l" t="t" r="r" b="b"/>
-            <a:pathLst>
-              <a:path w="12192000" h="6858000">
-                <a:moveTo>
-                  <a:pt x="0" y="0"/>
-                </a:moveTo>
-                <a:lnTo>
-                  <a:pt x="12161400" y="0"/>
-                </a:lnTo>
-                <a:lnTo>
-                  <a:pt x="12192000" y="47731"/>
-                </a:lnTo>
-                <a:lnTo>
-                  <a:pt x="12192000" y="6858000"/>
-                </a:lnTo>
-                <a:lnTo>
-                  <a:pt x="0" y="6858000"/>
-                </a:lnTo>
-                <a:close/>
-              </a:path>
-            </a:pathLst>
-          </a:custGeom>
           <a:solidFill>
             <a:schemeClr val="tx2">
-              <a:lumMod val="10000"/>
-              <a:lumOff val="90000"/>
+              <a:lumMod val="75000"/>
+              <a:lumOff val="25000"/>
             </a:schemeClr>
           </a:solidFill>
           <a:ln>
@@ -8468,22 +9373,20 @@
           </a:fontRef>
         </p:style>
         <p:txBody>
-          <a:bodyPr wrap="square" rtlCol="0" anchor="ctr">
-            <a:noAutofit/>
-          </a:bodyPr>
+          <a:bodyPr rtlCol="0" anchor="ctr"/>
           <a:lstStyle/>
           <a:p>
             <a:pPr algn="ctr"/>
-            <a:endParaRPr lang="de-DE" dirty="0"/>
-          </a:p>
-        </p:txBody>
-      </p:sp>
-      <p:sp>
-        <p:nvSpPr>
-          <p:cNvPr id="23" name="!! rect3">
-            <a:extLst>
-              <a:ext uri="{FF2B5EF4-FFF2-40B4-BE49-F238E27FC236}">
-                <a16:creationId xmlns:a16="http://schemas.microsoft.com/office/drawing/2014/main" id="{C6CAB5D7-C761-7646-609B-ECBC640BD9D7}"/>
+            <a:endParaRPr lang="de-DE"/>
+          </a:p>
+        </p:txBody>
+      </p:sp>
+      <p:sp>
+        <p:nvSpPr>
+          <p:cNvPr id="26" name="Rechteck 25">
+            <a:extLst>
+              <a:ext uri="{FF2B5EF4-FFF2-40B4-BE49-F238E27FC236}">
+                <a16:creationId xmlns:a16="http://schemas.microsoft.com/office/drawing/2014/main" id="{FAD18E8B-E182-AAA8-B7A1-F8BB2D56867B}"/>
               </a:ext>
             </a:extLst>
           </p:cNvPr>
@@ -8491,17 +9394,17 @@
           <p:nvPr/>
         </p:nvSpPr>
         <p:spPr>
-          <a:xfrm>
-            <a:off x="15039054" y="-495300"/>
-            <a:ext cx="2438400" cy="7353300"/>
+          <a:xfrm rot="2700000">
+            <a:off x="3262880" y="5918336"/>
+            <a:ext cx="285525" cy="285525"/>
           </a:xfrm>
           <a:prstGeom prst="rect">
             <a:avLst/>
           </a:prstGeom>
           <a:solidFill>
-            <a:schemeClr val="accent2">
-              <a:lumMod val="60000"/>
-              <a:lumOff val="40000"/>
+            <a:schemeClr val="tx2">
+              <a:lumMod val="75000"/>
+              <a:lumOff val="25000"/>
             </a:schemeClr>
           </a:solidFill>
           <a:ln>
@@ -8529,16 +9432,16 @@
           <a:lstStyle/>
           <a:p>
             <a:pPr algn="ctr"/>
-            <a:endParaRPr lang="de-DE"/>
-          </a:p>
-        </p:txBody>
-      </p:sp>
-      <p:sp>
-        <p:nvSpPr>
-          <p:cNvPr id="24" name="!! rect2">
-            <a:extLst>
-              <a:ext uri="{FF2B5EF4-FFF2-40B4-BE49-F238E27FC236}">
-                <a16:creationId xmlns:a16="http://schemas.microsoft.com/office/drawing/2014/main" id="{B91675B2-F399-8638-C28B-E17648918E5D}"/>
+            <a:endParaRPr lang="de-DE" dirty="0"/>
+          </a:p>
+        </p:txBody>
+      </p:sp>
+      <p:sp>
+        <p:nvSpPr>
+          <p:cNvPr id="27" name="!! Rechteck 26">
+            <a:extLst>
+              <a:ext uri="{FF2B5EF4-FFF2-40B4-BE49-F238E27FC236}">
+                <a16:creationId xmlns:a16="http://schemas.microsoft.com/office/drawing/2014/main" id="{FB5889AD-CC47-EF09-F1AF-907EB6BE986E}"/>
               </a:ext>
             </a:extLst>
           </p:cNvPr>
@@ -8547,17 +9450,14 @@
         </p:nvSpPr>
         <p:spPr>
           <a:xfrm>
-            <a:off x="-5701393" y="-495300"/>
-            <a:ext cx="2438400" cy="7353300"/>
+            <a:off x="-773996" y="9941240"/>
+            <a:ext cx="14060457" cy="14060457"/>
           </a:xfrm>
           <a:prstGeom prst="rect">
             <a:avLst/>
           </a:prstGeom>
           <a:solidFill>
-            <a:schemeClr val="accent2">
-              <a:lumMod val="60000"/>
-              <a:lumOff val="40000"/>
-            </a:schemeClr>
+            <a:schemeClr val="tx1"/>
           </a:solidFill>
           <a:ln>
             <a:noFill/>
@@ -8584,311 +9484,91 @@
           <a:lstStyle/>
           <a:p>
             <a:pPr algn="ctr"/>
-            <a:endParaRPr lang="de-DE"/>
-          </a:p>
-        </p:txBody>
-      </p:sp>
-      <p:sp>
-        <p:nvSpPr>
-          <p:cNvPr id="2" name="Titel 1">
-            <a:extLst>
-              <a:ext uri="{FF2B5EF4-FFF2-40B4-BE49-F238E27FC236}">
-                <a16:creationId xmlns:a16="http://schemas.microsoft.com/office/drawing/2014/main" id="{CA490DB8-E42E-8C0D-A805-ACFAB418D487}"/>
-              </a:ext>
-            </a:extLst>
-          </p:cNvPr>
-          <p:cNvSpPr txBox="1">
-            <a:spLocks/>
+            <a:endParaRPr lang="de-DE" dirty="0"/>
+          </a:p>
+        </p:txBody>
+      </p:sp>
+    </p:spTree>
+    <p:extLst>
+      <p:ext uri="{BB962C8B-B14F-4D97-AF65-F5344CB8AC3E}">
+        <p14:creationId xmlns:p14="http://schemas.microsoft.com/office/powerpoint/2010/main" val="668044131"/>
+      </p:ext>
+    </p:extLst>
+  </p:cSld>
+  <p:clrMapOvr>
+    <a:masterClrMapping/>
+  </p:clrMapOvr>
+  <mc:AlternateContent xmlns:mc="http://schemas.openxmlformats.org/markup-compatibility/2006">
+    <mc:Choice xmlns:p159="http://schemas.microsoft.com/office/powerpoint/2015/09/main" Requires="p159">
+      <p:transition xmlns:p14="http://schemas.microsoft.com/office/powerpoint/2010/main" spd="slow" p14:dur="2000" advClick="0">
+        <p159:morph option="byObject"/>
+      </p:transition>
+    </mc:Choice>
+    <mc:Fallback>
+      <p:transition spd="slow" advClick="0">
+        <p:fade/>
+      </p:transition>
+    </mc:Fallback>
+  </mc:AlternateContent>
+</p:sld>
+</file>
+
+<file path=ppt/slides/slide7.xml><?xml version="1.0" encoding="utf-8"?>
+<p:sld xmlns:a="http://schemas.openxmlformats.org/drawingml/2006/main" xmlns:r="http://schemas.openxmlformats.org/officeDocument/2006/relationships" xmlns:p="http://schemas.openxmlformats.org/presentationml/2006/main">
+  <p:cSld>
+    <p:spTree>
+      <p:nvGrpSpPr>
+        <p:cNvPr id="1" name=""/>
+        <p:cNvGrpSpPr/>
+        <p:nvPr/>
+      </p:nvGrpSpPr>
+      <p:grpSpPr>
+        <a:xfrm>
+          <a:off x="0" y="0"/>
+          <a:ext cx="0" cy="0"/>
+          <a:chOff x="0" y="0"/>
+          <a:chExt cx="0" cy="0"/>
+        </a:xfrm>
+      </p:grpSpPr>
+      <p:sp>
+        <p:nvSpPr>
+          <p:cNvPr id="3" name="Untertitel 2">
+            <a:extLst>
+              <a:ext uri="{FF2B5EF4-FFF2-40B4-BE49-F238E27FC236}">
+                <a16:creationId xmlns:a16="http://schemas.microsoft.com/office/drawing/2014/main" id="{602F8A13-0EEB-C5F2-3DCA-20DEBC4DC630}"/>
+              </a:ext>
+            </a:extLst>
+          </p:cNvPr>
+          <p:cNvSpPr>
+            <a:spLocks noGrp="1"/>
           </p:cNvSpPr>
-          <p:nvPr/>
+          <p:nvPr>
+            <p:ph type="subTitle" idx="1"/>
+          </p:nvPr>
         </p:nvSpPr>
         <p:spPr>
           <a:xfrm>
-            <a:off x="639182" y="-5462294"/>
-            <a:ext cx="11218436" cy="984933"/>
-          </a:xfrm>
-          <a:prstGeom prst="rect">
-            <a:avLst/>
-          </a:prstGeom>
-        </p:spPr>
-        <p:txBody>
-          <a:bodyPr vert="horz" lIns="91440" tIns="45720" rIns="91440" bIns="45720" rtlCol="0" anchor="b">
-            <a:normAutofit fontScale="92500"/>
-          </a:bodyPr>
-          <a:lstStyle>
-            <a:lvl1pPr algn="ctr" defTabSz="914400" rtl="0" eaLnBrk="1" latinLnBrk="0" hangingPunct="1">
-              <a:lnSpc>
-                <a:spcPct val="90000"/>
-              </a:lnSpc>
-              <a:spcBef>
-                <a:spcPct val="0"/>
-              </a:spcBef>
-              <a:buNone/>
-              <a:defRPr sz="6000" kern="1200">
-                <a:solidFill>
-                  <a:schemeClr val="tx1"/>
-                </a:solidFill>
-                <a:latin typeface="+mj-lt"/>
-                <a:ea typeface="+mj-ea"/>
-                <a:cs typeface="+mj-cs"/>
-              </a:defRPr>
-            </a:lvl1pPr>
-          </a:lstStyle>
-          <a:p>
-            <a:pPr algn="l"/>
-            <a:r>
-              <a:rPr lang="de-DE" b="1" dirty="0" err="1">
-                <a:solidFill>
-                  <a:schemeClr val="tx2">
-                    <a:lumMod val="75000"/>
-                    <a:lumOff val="25000"/>
-                  </a:schemeClr>
-                </a:solidFill>
-                <a:latin typeface="Gotham" panose="02000504050000020004" pitchFamily="2" charset="0"/>
-              </a:rPr>
-              <a:t>Installationsvorraussetzungen</a:t>
-            </a:r>
-            <a:endParaRPr lang="de-DE" b="1" dirty="0">
-              <a:solidFill>
-                <a:schemeClr val="tx2">
-                  <a:lumMod val="75000"/>
-                  <a:lumOff val="25000"/>
-                </a:schemeClr>
-              </a:solidFill>
-              <a:latin typeface="Gotham" panose="02000504050000020004" pitchFamily="2" charset="0"/>
-            </a:endParaRPr>
-          </a:p>
-        </p:txBody>
-      </p:sp>
-      <p:sp>
-        <p:nvSpPr>
-          <p:cNvPr id="3" name="Untertitel 2">
-            <a:extLst>
-              <a:ext uri="{FF2B5EF4-FFF2-40B4-BE49-F238E27FC236}">
-                <a16:creationId xmlns:a16="http://schemas.microsoft.com/office/drawing/2014/main" id="{A3DDEE98-B39A-06BD-64E8-72DC8F1A721B}"/>
-              </a:ext>
-            </a:extLst>
-          </p:cNvPr>
-          <p:cNvSpPr txBox="1">
-            <a:spLocks/>
-          </p:cNvSpPr>
-          <p:nvPr/>
-        </p:nvSpPr>
-        <p:spPr>
-          <a:xfrm>
-            <a:off x="707469" y="-2340245"/>
-            <a:ext cx="11150149" cy="4404717"/>
-          </a:xfrm>
-          <a:prstGeom prst="rect">
-            <a:avLst/>
-          </a:prstGeom>
-        </p:spPr>
-        <p:txBody>
-          <a:bodyPr vert="horz" lIns="91440" tIns="45720" rIns="91440" bIns="45720" rtlCol="0">
-            <a:normAutofit/>
-          </a:bodyPr>
-          <a:lstStyle>
-            <a:lvl1pPr marL="0" indent="0" algn="ctr" defTabSz="914400" rtl="0" eaLnBrk="1" latinLnBrk="0" hangingPunct="1">
-              <a:lnSpc>
-                <a:spcPct val="90000"/>
-              </a:lnSpc>
-              <a:spcBef>
-                <a:spcPts val="1000"/>
-              </a:spcBef>
-              <a:buFont typeface="Arial" panose="020B0604020202020204" pitchFamily="34" charset="0"/>
-              <a:buNone/>
-              <a:defRPr sz="2400" kern="1200">
-                <a:solidFill>
-                  <a:schemeClr val="tx1"/>
-                </a:solidFill>
-                <a:latin typeface="+mn-lt"/>
-                <a:ea typeface="+mn-ea"/>
-                <a:cs typeface="+mn-cs"/>
-              </a:defRPr>
-            </a:lvl1pPr>
-            <a:lvl2pPr marL="457200" indent="0" algn="ctr" defTabSz="914400" rtl="0" eaLnBrk="1" latinLnBrk="0" hangingPunct="1">
-              <a:lnSpc>
-                <a:spcPct val="90000"/>
-              </a:lnSpc>
-              <a:spcBef>
-                <a:spcPts val="500"/>
-              </a:spcBef>
-              <a:buFont typeface="Arial" panose="020B0604020202020204" pitchFamily="34" charset="0"/>
-              <a:buNone/>
-              <a:defRPr sz="2000" kern="1200">
-                <a:solidFill>
-                  <a:schemeClr val="tx1"/>
-                </a:solidFill>
-                <a:latin typeface="+mn-lt"/>
-                <a:ea typeface="+mn-ea"/>
-                <a:cs typeface="+mn-cs"/>
-              </a:defRPr>
-            </a:lvl2pPr>
-            <a:lvl3pPr marL="914400" indent="0" algn="ctr" defTabSz="914400" rtl="0" eaLnBrk="1" latinLnBrk="0" hangingPunct="1">
-              <a:lnSpc>
-                <a:spcPct val="90000"/>
-              </a:lnSpc>
-              <a:spcBef>
-                <a:spcPts val="500"/>
-              </a:spcBef>
-              <a:buFont typeface="Arial" panose="020B0604020202020204" pitchFamily="34" charset="0"/>
-              <a:buNone/>
-              <a:defRPr sz="1800" kern="1200">
-                <a:solidFill>
-                  <a:schemeClr val="tx1"/>
-                </a:solidFill>
-                <a:latin typeface="+mn-lt"/>
-                <a:ea typeface="+mn-ea"/>
-                <a:cs typeface="+mn-cs"/>
-              </a:defRPr>
-            </a:lvl3pPr>
-            <a:lvl4pPr marL="1371600" indent="0" algn="ctr" defTabSz="914400" rtl="0" eaLnBrk="1" latinLnBrk="0" hangingPunct="1">
-              <a:lnSpc>
-                <a:spcPct val="90000"/>
-              </a:lnSpc>
-              <a:spcBef>
-                <a:spcPts val="500"/>
-              </a:spcBef>
-              <a:buFont typeface="Arial" panose="020B0604020202020204" pitchFamily="34" charset="0"/>
-              <a:buNone/>
-              <a:defRPr sz="1600" kern="1200">
-                <a:solidFill>
-                  <a:schemeClr val="tx1"/>
-                </a:solidFill>
-                <a:latin typeface="+mn-lt"/>
-                <a:ea typeface="+mn-ea"/>
-                <a:cs typeface="+mn-cs"/>
-              </a:defRPr>
-            </a:lvl4pPr>
-            <a:lvl5pPr marL="1828800" indent="0" algn="ctr" defTabSz="914400" rtl="0" eaLnBrk="1" latinLnBrk="0" hangingPunct="1">
-              <a:lnSpc>
-                <a:spcPct val="90000"/>
-              </a:lnSpc>
-              <a:spcBef>
-                <a:spcPts val="500"/>
-              </a:spcBef>
-              <a:buFont typeface="Arial" panose="020B0604020202020204" pitchFamily="34" charset="0"/>
-              <a:buNone/>
-              <a:defRPr sz="1600" kern="1200">
-                <a:solidFill>
-                  <a:schemeClr val="tx1"/>
-                </a:solidFill>
-                <a:latin typeface="+mn-lt"/>
-                <a:ea typeface="+mn-ea"/>
-                <a:cs typeface="+mn-cs"/>
-              </a:defRPr>
-            </a:lvl5pPr>
-            <a:lvl6pPr marL="2286000" indent="0" algn="ctr" defTabSz="914400" rtl="0" eaLnBrk="1" latinLnBrk="0" hangingPunct="1">
-              <a:lnSpc>
-                <a:spcPct val="90000"/>
-              </a:lnSpc>
-              <a:spcBef>
-                <a:spcPts val="500"/>
-              </a:spcBef>
-              <a:buFont typeface="Arial" panose="020B0604020202020204" pitchFamily="34" charset="0"/>
-              <a:buNone/>
-              <a:defRPr sz="1600" kern="1200">
-                <a:solidFill>
-                  <a:schemeClr val="tx1"/>
-                </a:solidFill>
-                <a:latin typeface="+mn-lt"/>
-                <a:ea typeface="+mn-ea"/>
-                <a:cs typeface="+mn-cs"/>
-              </a:defRPr>
-            </a:lvl6pPr>
-            <a:lvl7pPr marL="2743200" indent="0" algn="ctr" defTabSz="914400" rtl="0" eaLnBrk="1" latinLnBrk="0" hangingPunct="1">
-              <a:lnSpc>
-                <a:spcPct val="90000"/>
-              </a:lnSpc>
-              <a:spcBef>
-                <a:spcPts val="500"/>
-              </a:spcBef>
-              <a:buFont typeface="Arial" panose="020B0604020202020204" pitchFamily="34" charset="0"/>
-              <a:buNone/>
-              <a:defRPr sz="1600" kern="1200">
-                <a:solidFill>
-                  <a:schemeClr val="tx1"/>
-                </a:solidFill>
-                <a:latin typeface="+mn-lt"/>
-                <a:ea typeface="+mn-ea"/>
-                <a:cs typeface="+mn-cs"/>
-              </a:defRPr>
-            </a:lvl7pPr>
-            <a:lvl8pPr marL="3200400" indent="0" algn="ctr" defTabSz="914400" rtl="0" eaLnBrk="1" latinLnBrk="0" hangingPunct="1">
-              <a:lnSpc>
-                <a:spcPct val="90000"/>
-              </a:lnSpc>
-              <a:spcBef>
-                <a:spcPts val="500"/>
-              </a:spcBef>
-              <a:buFont typeface="Arial" panose="020B0604020202020204" pitchFamily="34" charset="0"/>
-              <a:buNone/>
-              <a:defRPr sz="1600" kern="1200">
-                <a:solidFill>
-                  <a:schemeClr val="tx1"/>
-                </a:solidFill>
-                <a:latin typeface="+mn-lt"/>
-                <a:ea typeface="+mn-ea"/>
-                <a:cs typeface="+mn-cs"/>
-              </a:defRPr>
-            </a:lvl8pPr>
-            <a:lvl9pPr marL="3657600" indent="0" algn="ctr" defTabSz="914400" rtl="0" eaLnBrk="1" latinLnBrk="0" hangingPunct="1">
-              <a:lnSpc>
-                <a:spcPct val="90000"/>
-              </a:lnSpc>
-              <a:spcBef>
-                <a:spcPts val="500"/>
-              </a:spcBef>
-              <a:buFont typeface="Arial" panose="020B0604020202020204" pitchFamily="34" charset="0"/>
-              <a:buNone/>
-              <a:defRPr sz="1600" kern="1200">
-                <a:solidFill>
-                  <a:schemeClr val="tx1"/>
-                </a:solidFill>
-                <a:latin typeface="+mn-lt"/>
-                <a:ea typeface="+mn-ea"/>
-                <a:cs typeface="+mn-cs"/>
-              </a:defRPr>
-            </a:lvl9pPr>
-          </a:lstStyle>
-          <a:p>
-            <a:pPr marL="342900" indent="-342900" algn="l">
-              <a:buFont typeface="Arial" panose="020B0604020202020204" pitchFamily="34" charset="0"/>
-              <a:buChar char="•"/>
-            </a:pPr>
+            <a:off x="1524000" y="-9277853"/>
+            <a:ext cx="9144000" cy="1655762"/>
+          </a:xfrm>
+        </p:spPr>
+        <p:txBody>
+          <a:bodyPr/>
+          <a:lstStyle/>
+          <a:p>
             <a:r>
               <a:rPr lang="de-DE" dirty="0"/>
-              <a:t>Windows System (mind. 8.1)</a:t>
-            </a:r>
-          </a:p>
-          <a:p>
-            <a:pPr marL="342900" indent="-342900" algn="l">
-              <a:buFont typeface="Arial" panose="020B0604020202020204" pitchFamily="34" charset="0"/>
-              <a:buChar char="•"/>
-            </a:pPr>
-            <a:r>
-              <a:rPr lang="de-DE" dirty="0"/>
-              <a:t>Visual Studio Community</a:t>
-            </a:r>
-          </a:p>
-          <a:p>
-            <a:pPr marL="342900" indent="-342900" algn="l">
-              <a:buFont typeface="Arial" panose="020B0604020202020204" pitchFamily="34" charset="0"/>
-              <a:buChar char="•"/>
-            </a:pPr>
-            <a:r>
-              <a:rPr lang="de-DE" dirty="0"/>
-              <a:t>.NET Framework</a:t>
-            </a:r>
-          </a:p>
-        </p:txBody>
-      </p:sp>
-      <p:sp>
-        <p:nvSpPr>
-          <p:cNvPr id="21" name="!! rect1">
-            <a:extLst>
-              <a:ext uri="{FF2B5EF4-FFF2-40B4-BE49-F238E27FC236}">
-                <a16:creationId xmlns:a16="http://schemas.microsoft.com/office/drawing/2014/main" id="{26F6E83E-8C53-2495-F9FD-5ADD4A081C62}"/>
+              <a:t>Rollenspiel Datenbank</a:t>
+            </a:r>
+          </a:p>
+        </p:txBody>
+      </p:sp>
+      <p:sp>
+        <p:nvSpPr>
+          <p:cNvPr id="15" name="!! toBG">
+            <a:extLst>
+              <a:ext uri="{FF2B5EF4-FFF2-40B4-BE49-F238E27FC236}">
+                <a16:creationId xmlns:a16="http://schemas.microsoft.com/office/drawing/2014/main" id="{ECCDFB1F-95E9-E48F-5719-8AE334CBD76E}"/>
               </a:ext>
             </a:extLst>
           </p:cNvPr>
@@ -8897,16 +9577,16 @@
         </p:nvSpPr>
         <p:spPr>
           <a:xfrm>
-            <a:off x="0" y="-1200150"/>
-            <a:ext cx="12192000" cy="704850"/>
-          </a:xfrm>
-          <a:prstGeom prst="rect">
+            <a:off x="-1597252" y="-21440635"/>
+            <a:ext cx="15691303" cy="15691303"/>
+          </a:xfrm>
+          <a:prstGeom prst="ellipse">
             <a:avLst/>
           </a:prstGeom>
           <a:solidFill>
             <a:schemeClr val="tx2">
-              <a:lumMod val="25000"/>
-              <a:lumOff val="75000"/>
+              <a:lumMod val="10000"/>
+              <a:lumOff val="90000"/>
             </a:schemeClr>
           </a:solidFill>
           <a:ln>
@@ -8934,16 +9614,52 @@
           <a:lstStyle/>
           <a:p>
             <a:pPr algn="ctr"/>
-            <a:endParaRPr lang="de-DE"/>
-          </a:p>
-        </p:txBody>
-      </p:sp>
-      <p:sp>
-        <p:nvSpPr>
-          <p:cNvPr id="4" name="Titel 1">
-            <a:extLst>
-              <a:ext uri="{FF2B5EF4-FFF2-40B4-BE49-F238E27FC236}">
-                <a16:creationId xmlns:a16="http://schemas.microsoft.com/office/drawing/2014/main" id="{430C431B-AC99-4049-13F9-87C5ADF18950}"/>
+            <a:endParaRPr lang="de-DE" dirty="0"/>
+          </a:p>
+        </p:txBody>
+      </p:sp>
+      <p:pic>
+        <p:nvPicPr>
+          <p:cNvPr id="5" name="Grafik 4" descr="Ein Bild, das Schwarz, Dunkelheit enthält.&#10;&#10;Automatisch generierte Beschreibung">
+            <a:extLst>
+              <a:ext uri="{FF2B5EF4-FFF2-40B4-BE49-F238E27FC236}">
+                <a16:creationId xmlns:a16="http://schemas.microsoft.com/office/drawing/2014/main" id="{7FE0D04A-04A7-518C-16BE-322669CFC987}"/>
+              </a:ext>
+            </a:extLst>
+          </p:cNvPr>
+          <p:cNvPicPr>
+            <a:picLocks noChangeAspect="1"/>
+          </p:cNvPicPr>
+          <p:nvPr/>
+        </p:nvPicPr>
+        <p:blipFill>
+          <a:blip r:embed="rId2">
+            <a:extLst>
+              <a:ext uri="{28A0092B-C50C-407E-A947-70E740481C1C}">
+                <a14:useLocalDpi xmlns:a14="http://schemas.microsoft.com/office/drawing/2010/main" val="0"/>
+              </a:ext>
+            </a:extLst>
+          </a:blip>
+          <a:stretch>
+            <a:fillRect/>
+          </a:stretch>
+        </p:blipFill>
+        <p:spPr>
+          <a:xfrm>
+            <a:off x="2735714" y="-8854820"/>
+            <a:ext cx="6720572" cy="1413766"/>
+          </a:xfrm>
+          <a:prstGeom prst="rect">
+            <a:avLst/>
+          </a:prstGeom>
+        </p:spPr>
+      </p:pic>
+      <p:sp>
+        <p:nvSpPr>
+          <p:cNvPr id="6" name="Untertitel 2">
+            <a:extLst>
+              <a:ext uri="{FF2B5EF4-FFF2-40B4-BE49-F238E27FC236}">
+                <a16:creationId xmlns:a16="http://schemas.microsoft.com/office/drawing/2014/main" id="{B253031D-680A-8371-5524-A950554CD09E}"/>
               </a:ext>
             </a:extLst>
           </p:cNvPr>
@@ -8954,70 +9670,8 @@
         </p:nvSpPr>
         <p:spPr>
           <a:xfrm>
-            <a:off x="639182" y="2378484"/>
-            <a:ext cx="11218436" cy="984933"/>
-          </a:xfrm>
-          <a:prstGeom prst="rect">
-            <a:avLst/>
-          </a:prstGeom>
-        </p:spPr>
-        <p:txBody>
-          <a:bodyPr vert="horz" lIns="91440" tIns="45720" rIns="91440" bIns="45720" rtlCol="0" anchor="b">
-            <a:normAutofit/>
-          </a:bodyPr>
-          <a:lstStyle>
-            <a:lvl1pPr algn="ctr" defTabSz="914400" rtl="0" eaLnBrk="1" latinLnBrk="0" hangingPunct="1">
-              <a:lnSpc>
-                <a:spcPct val="90000"/>
-              </a:lnSpc>
-              <a:spcBef>
-                <a:spcPct val="0"/>
-              </a:spcBef>
-              <a:buNone/>
-              <a:defRPr sz="6000" kern="1200">
-                <a:solidFill>
-                  <a:schemeClr val="tx1"/>
-                </a:solidFill>
-                <a:latin typeface="+mj-lt"/>
-                <a:ea typeface="+mj-ea"/>
-                <a:cs typeface="+mj-cs"/>
-              </a:defRPr>
-            </a:lvl1pPr>
-          </a:lstStyle>
-          <a:p>
-            <a:r>
-              <a:rPr lang="de-DE" b="1" dirty="0">
-                <a:solidFill>
-                  <a:schemeClr val="tx2">
-                    <a:lumMod val="75000"/>
-                    <a:lumOff val="25000"/>
-                  </a:schemeClr>
-                </a:solidFill>
-                <a:latin typeface="Gotham" panose="02000504050000020004" pitchFamily="2" charset="0"/>
-              </a:rPr>
-              <a:t>Danke für das Zuhören</a:t>
-            </a:r>
-          </a:p>
-        </p:txBody>
-      </p:sp>
-      <p:sp>
-        <p:nvSpPr>
-          <p:cNvPr id="5" name="Untertitel 2">
-            <a:extLst>
-              <a:ext uri="{FF2B5EF4-FFF2-40B4-BE49-F238E27FC236}">
-                <a16:creationId xmlns:a16="http://schemas.microsoft.com/office/drawing/2014/main" id="{28738423-88C2-D884-F60D-AA900CCC1865}"/>
-              </a:ext>
-            </a:extLst>
-          </p:cNvPr>
-          <p:cNvSpPr txBox="1">
-            <a:spLocks/>
-          </p:cNvSpPr>
-          <p:nvPr/>
-        </p:nvSpPr>
-        <p:spPr>
-          <a:xfrm>
-            <a:off x="707469" y="3455491"/>
-            <a:ext cx="11150149" cy="4404717"/>
+            <a:off x="707469" y="-10087061"/>
+            <a:ext cx="11150149" cy="3231231"/>
           </a:xfrm>
           <a:prstGeom prst="rect">
             <a:avLst/>
@@ -9192,17 +9846,793 @@
             </a:lvl9pPr>
           </a:lstStyle>
           <a:p>
+            <a:pPr marL="342900" indent="-342900" algn="l">
+              <a:buFont typeface="Arial" panose="020B0604020202020204" pitchFamily="34" charset="0"/>
+              <a:buChar char="•"/>
+            </a:pPr>
             <a:r>
               <a:rPr lang="de-DE" dirty="0"/>
-              <a:t>Jetzt zum Praktischen Teil!</a:t>
-            </a:r>
+              <a:t>Erstellt kostenlose CSS-Layouts</a:t>
+            </a:r>
+          </a:p>
+          <a:p>
+            <a:pPr marL="342900" indent="-342900" algn="l">
+              <a:buFont typeface="Arial" panose="020B0604020202020204" pitchFamily="34" charset="0"/>
+              <a:buChar char="•"/>
+            </a:pPr>
+            <a:r>
+              <a:rPr lang="de-DE" dirty="0"/>
+              <a:t>Alle Layouts werden mit der Creative Commons (CC) Lizenz verbreitet.</a:t>
+            </a:r>
+          </a:p>
+          <a:p>
+            <a:pPr marL="800100" lvl="1" indent="-342900" algn="l">
+              <a:buFont typeface="Arial" panose="020B0604020202020204" pitchFamily="34" charset="0"/>
+              <a:buChar char="•"/>
+            </a:pPr>
+            <a:r>
+              <a:rPr lang="de-DE" dirty="0"/>
+              <a:t>Erlaubt das verbreiten, verändern und anpassen des Materials.</a:t>
+            </a:r>
+          </a:p>
+          <a:p>
+            <a:pPr marL="800100" lvl="1" indent="-342900" algn="l">
+              <a:buFont typeface="Arial" panose="020B0604020202020204" pitchFamily="34" charset="0"/>
+              <a:buChar char="•"/>
+            </a:pPr>
+            <a:r>
+              <a:rPr lang="de-DE" dirty="0"/>
+              <a:t>Originaler Ersteller muss auf dem veränderten Material erwähnt werden</a:t>
+            </a:r>
+          </a:p>
+        </p:txBody>
+      </p:sp>
+      <p:sp>
+        <p:nvSpPr>
+          <p:cNvPr id="17" name="Untertitel 2">
+            <a:extLst>
+              <a:ext uri="{FF2B5EF4-FFF2-40B4-BE49-F238E27FC236}">
+                <a16:creationId xmlns:a16="http://schemas.microsoft.com/office/drawing/2014/main" id="{FA5CCEFE-D299-CD13-D237-689264CF9CE2}"/>
+              </a:ext>
+            </a:extLst>
+          </p:cNvPr>
+          <p:cNvSpPr txBox="1">
+            <a:spLocks/>
+          </p:cNvSpPr>
+          <p:nvPr/>
+        </p:nvSpPr>
+        <p:spPr>
+          <a:xfrm>
+            <a:off x="707468" y="-6625218"/>
+            <a:ext cx="11150149" cy="3231231"/>
+          </a:xfrm>
+          <a:prstGeom prst="rect">
+            <a:avLst/>
+          </a:prstGeom>
+        </p:spPr>
+        <p:txBody>
+          <a:bodyPr vert="horz" lIns="91440" tIns="45720" rIns="91440" bIns="45720" rtlCol="0">
+            <a:normAutofit/>
+          </a:bodyPr>
+          <a:lstStyle>
+            <a:lvl1pPr marL="0" indent="0" algn="ctr" defTabSz="914400" rtl="0" eaLnBrk="1" latinLnBrk="0" hangingPunct="1">
+              <a:lnSpc>
+                <a:spcPct val="90000"/>
+              </a:lnSpc>
+              <a:spcBef>
+                <a:spcPts val="1000"/>
+              </a:spcBef>
+              <a:buFont typeface="Arial" panose="020B0604020202020204" pitchFamily="34" charset="0"/>
+              <a:buNone/>
+              <a:defRPr sz="2400" kern="1200">
+                <a:solidFill>
+                  <a:schemeClr val="tx1"/>
+                </a:solidFill>
+                <a:latin typeface="+mn-lt"/>
+                <a:ea typeface="+mn-ea"/>
+                <a:cs typeface="+mn-cs"/>
+              </a:defRPr>
+            </a:lvl1pPr>
+            <a:lvl2pPr marL="457200" indent="0" algn="ctr" defTabSz="914400" rtl="0" eaLnBrk="1" latinLnBrk="0" hangingPunct="1">
+              <a:lnSpc>
+                <a:spcPct val="90000"/>
+              </a:lnSpc>
+              <a:spcBef>
+                <a:spcPts val="500"/>
+              </a:spcBef>
+              <a:buFont typeface="Arial" panose="020B0604020202020204" pitchFamily="34" charset="0"/>
+              <a:buNone/>
+              <a:defRPr sz="2000" kern="1200">
+                <a:solidFill>
+                  <a:schemeClr val="tx1"/>
+                </a:solidFill>
+                <a:latin typeface="+mn-lt"/>
+                <a:ea typeface="+mn-ea"/>
+                <a:cs typeface="+mn-cs"/>
+              </a:defRPr>
+            </a:lvl2pPr>
+            <a:lvl3pPr marL="914400" indent="0" algn="ctr" defTabSz="914400" rtl="0" eaLnBrk="1" latinLnBrk="0" hangingPunct="1">
+              <a:lnSpc>
+                <a:spcPct val="90000"/>
+              </a:lnSpc>
+              <a:spcBef>
+                <a:spcPts val="500"/>
+              </a:spcBef>
+              <a:buFont typeface="Arial" panose="020B0604020202020204" pitchFamily="34" charset="0"/>
+              <a:buNone/>
+              <a:defRPr sz="1800" kern="1200">
+                <a:solidFill>
+                  <a:schemeClr val="tx1"/>
+                </a:solidFill>
+                <a:latin typeface="+mn-lt"/>
+                <a:ea typeface="+mn-ea"/>
+                <a:cs typeface="+mn-cs"/>
+              </a:defRPr>
+            </a:lvl3pPr>
+            <a:lvl4pPr marL="1371600" indent="0" algn="ctr" defTabSz="914400" rtl="0" eaLnBrk="1" latinLnBrk="0" hangingPunct="1">
+              <a:lnSpc>
+                <a:spcPct val="90000"/>
+              </a:lnSpc>
+              <a:spcBef>
+                <a:spcPts val="500"/>
+              </a:spcBef>
+              <a:buFont typeface="Arial" panose="020B0604020202020204" pitchFamily="34" charset="0"/>
+              <a:buNone/>
+              <a:defRPr sz="1600" kern="1200">
+                <a:solidFill>
+                  <a:schemeClr val="tx1"/>
+                </a:solidFill>
+                <a:latin typeface="+mn-lt"/>
+                <a:ea typeface="+mn-ea"/>
+                <a:cs typeface="+mn-cs"/>
+              </a:defRPr>
+            </a:lvl4pPr>
+            <a:lvl5pPr marL="1828800" indent="0" algn="ctr" defTabSz="914400" rtl="0" eaLnBrk="1" latinLnBrk="0" hangingPunct="1">
+              <a:lnSpc>
+                <a:spcPct val="90000"/>
+              </a:lnSpc>
+              <a:spcBef>
+                <a:spcPts val="500"/>
+              </a:spcBef>
+              <a:buFont typeface="Arial" panose="020B0604020202020204" pitchFamily="34" charset="0"/>
+              <a:buNone/>
+              <a:defRPr sz="1600" kern="1200">
+                <a:solidFill>
+                  <a:schemeClr val="tx1"/>
+                </a:solidFill>
+                <a:latin typeface="+mn-lt"/>
+                <a:ea typeface="+mn-ea"/>
+                <a:cs typeface="+mn-cs"/>
+              </a:defRPr>
+            </a:lvl5pPr>
+            <a:lvl6pPr marL="2286000" indent="0" algn="ctr" defTabSz="914400" rtl="0" eaLnBrk="1" latinLnBrk="0" hangingPunct="1">
+              <a:lnSpc>
+                <a:spcPct val="90000"/>
+              </a:lnSpc>
+              <a:spcBef>
+                <a:spcPts val="500"/>
+              </a:spcBef>
+              <a:buFont typeface="Arial" panose="020B0604020202020204" pitchFamily="34" charset="0"/>
+              <a:buNone/>
+              <a:defRPr sz="1600" kern="1200">
+                <a:solidFill>
+                  <a:schemeClr val="tx1"/>
+                </a:solidFill>
+                <a:latin typeface="+mn-lt"/>
+                <a:ea typeface="+mn-ea"/>
+                <a:cs typeface="+mn-cs"/>
+              </a:defRPr>
+            </a:lvl6pPr>
+            <a:lvl7pPr marL="2743200" indent="0" algn="ctr" defTabSz="914400" rtl="0" eaLnBrk="1" latinLnBrk="0" hangingPunct="1">
+              <a:lnSpc>
+                <a:spcPct val="90000"/>
+              </a:lnSpc>
+              <a:spcBef>
+                <a:spcPts val="500"/>
+              </a:spcBef>
+              <a:buFont typeface="Arial" panose="020B0604020202020204" pitchFamily="34" charset="0"/>
+              <a:buNone/>
+              <a:defRPr sz="1600" kern="1200">
+                <a:solidFill>
+                  <a:schemeClr val="tx1"/>
+                </a:solidFill>
+                <a:latin typeface="+mn-lt"/>
+                <a:ea typeface="+mn-ea"/>
+                <a:cs typeface="+mn-cs"/>
+              </a:defRPr>
+            </a:lvl7pPr>
+            <a:lvl8pPr marL="3200400" indent="0" algn="ctr" defTabSz="914400" rtl="0" eaLnBrk="1" latinLnBrk="0" hangingPunct="1">
+              <a:lnSpc>
+                <a:spcPct val="90000"/>
+              </a:lnSpc>
+              <a:spcBef>
+                <a:spcPts val="500"/>
+              </a:spcBef>
+              <a:buFont typeface="Arial" panose="020B0604020202020204" pitchFamily="34" charset="0"/>
+              <a:buNone/>
+              <a:defRPr sz="1600" kern="1200">
+                <a:solidFill>
+                  <a:schemeClr val="tx1"/>
+                </a:solidFill>
+                <a:latin typeface="+mn-lt"/>
+                <a:ea typeface="+mn-ea"/>
+                <a:cs typeface="+mn-cs"/>
+              </a:defRPr>
+            </a:lvl8pPr>
+            <a:lvl9pPr marL="3657600" indent="0" algn="ctr" defTabSz="914400" rtl="0" eaLnBrk="1" latinLnBrk="0" hangingPunct="1">
+              <a:lnSpc>
+                <a:spcPct val="90000"/>
+              </a:lnSpc>
+              <a:spcBef>
+                <a:spcPts val="500"/>
+              </a:spcBef>
+              <a:buFont typeface="Arial" panose="020B0604020202020204" pitchFamily="34" charset="0"/>
+              <a:buNone/>
+              <a:defRPr sz="1600" kern="1200">
+                <a:solidFill>
+                  <a:schemeClr val="tx1"/>
+                </a:solidFill>
+                <a:latin typeface="+mn-lt"/>
+                <a:ea typeface="+mn-ea"/>
+                <a:cs typeface="+mn-cs"/>
+              </a:defRPr>
+            </a:lvl9pPr>
+          </a:lstStyle>
+          <a:p>
+            <a:pPr marL="342900" indent="-342900" algn="l">
+              <a:buFont typeface="Arial" panose="020B0604020202020204" pitchFamily="34" charset="0"/>
+              <a:buChar char="•"/>
+            </a:pPr>
+            <a:r>
+              <a:rPr lang="de-DE" dirty="0"/>
+              <a:t>Windows System</a:t>
+            </a:r>
+          </a:p>
+          <a:p>
+            <a:pPr marL="342900" indent="-342900" algn="l">
+              <a:buFont typeface="Arial" panose="020B0604020202020204" pitchFamily="34" charset="0"/>
+              <a:buChar char="•"/>
+            </a:pPr>
+            <a:r>
+              <a:rPr lang="de-DE" dirty="0"/>
+              <a:t>Alle Voraussetzungen von Visual Studio</a:t>
+            </a:r>
+          </a:p>
+          <a:p>
+            <a:pPr marL="342900" indent="-342900" algn="l">
+              <a:buFont typeface="Arial" panose="020B0604020202020204" pitchFamily="34" charset="0"/>
+              <a:buChar char="•"/>
+            </a:pPr>
+            <a:r>
+              <a:rPr lang="de-DE" dirty="0"/>
+              <a:t>Projekt Dateien</a:t>
+            </a:r>
+          </a:p>
+          <a:p>
+            <a:pPr marL="342900" indent="-342900" algn="l">
+              <a:buFont typeface="Arial" panose="020B0604020202020204" pitchFamily="34" charset="0"/>
+              <a:buChar char="•"/>
+            </a:pPr>
+            <a:r>
+              <a:rPr lang="de-DE" dirty="0"/>
+              <a:t>SQL-Server</a:t>
+            </a:r>
+          </a:p>
+        </p:txBody>
+      </p:sp>
+      <p:sp>
+        <p:nvSpPr>
+          <p:cNvPr id="18" name="Titel 1">
+            <a:extLst>
+              <a:ext uri="{FF2B5EF4-FFF2-40B4-BE49-F238E27FC236}">
+                <a16:creationId xmlns:a16="http://schemas.microsoft.com/office/drawing/2014/main" id="{0D51A82A-A4F7-D7CA-025E-E370445A7236}"/>
+              </a:ext>
+            </a:extLst>
+          </p:cNvPr>
+          <p:cNvSpPr txBox="1">
+            <a:spLocks/>
+          </p:cNvSpPr>
+          <p:nvPr/>
+        </p:nvSpPr>
+        <p:spPr>
+          <a:xfrm>
+            <a:off x="639182" y="-9277853"/>
+            <a:ext cx="11218436" cy="984933"/>
+          </a:xfrm>
+          <a:prstGeom prst="rect">
+            <a:avLst/>
+          </a:prstGeom>
+        </p:spPr>
+        <p:txBody>
+          <a:bodyPr vert="horz" lIns="91440" tIns="45720" rIns="91440" bIns="45720" rtlCol="0" anchor="b">
+            <a:normAutofit fontScale="92500"/>
+          </a:bodyPr>
+          <a:lstStyle>
+            <a:lvl1pPr algn="ctr" defTabSz="914400" rtl="0" eaLnBrk="1" latinLnBrk="0" hangingPunct="1">
+              <a:lnSpc>
+                <a:spcPct val="90000"/>
+              </a:lnSpc>
+              <a:spcBef>
+                <a:spcPct val="0"/>
+              </a:spcBef>
+              <a:buNone/>
+              <a:defRPr sz="6000" kern="1200">
+                <a:solidFill>
+                  <a:schemeClr val="tx1"/>
+                </a:solidFill>
+                <a:latin typeface="+mj-lt"/>
+                <a:ea typeface="+mj-ea"/>
+                <a:cs typeface="+mj-cs"/>
+              </a:defRPr>
+            </a:lvl1pPr>
+          </a:lstStyle>
+          <a:p>
+            <a:pPr algn="l"/>
+            <a:r>
+              <a:rPr lang="de-DE" b="1" dirty="0" err="1">
+                <a:solidFill>
+                  <a:schemeClr val="tx2">
+                    <a:lumMod val="75000"/>
+                    <a:lumOff val="25000"/>
+                  </a:schemeClr>
+                </a:solidFill>
+                <a:latin typeface="Gotham" panose="02000504050000020004" pitchFamily="2" charset="0"/>
+              </a:rPr>
+              <a:t>Installationsvorraussetzungen</a:t>
+            </a:r>
+            <a:endParaRPr lang="de-DE" b="1" dirty="0">
+              <a:solidFill>
+                <a:schemeClr val="tx2">
+                  <a:lumMod val="75000"/>
+                  <a:lumOff val="25000"/>
+                </a:schemeClr>
+              </a:solidFill>
+              <a:latin typeface="Gotham" panose="02000504050000020004" pitchFamily="2" charset="0"/>
+            </a:endParaRPr>
+          </a:p>
+        </p:txBody>
+      </p:sp>
+      <p:sp>
+        <p:nvSpPr>
+          <p:cNvPr id="19" name="Rechteck 18">
+            <a:extLst>
+              <a:ext uri="{FF2B5EF4-FFF2-40B4-BE49-F238E27FC236}">
+                <a16:creationId xmlns:a16="http://schemas.microsoft.com/office/drawing/2014/main" id="{7299FB85-AEBC-09E5-BA3F-FA4FBEA15AD7}"/>
+              </a:ext>
+            </a:extLst>
+          </p:cNvPr>
+          <p:cNvSpPr/>
+          <p:nvPr/>
+        </p:nvSpPr>
+        <p:spPr>
+          <a:xfrm rot="2700000">
+            <a:off x="-321116" y="-2308626"/>
+            <a:ext cx="1034116" cy="1034116"/>
+          </a:xfrm>
+          <a:prstGeom prst="rect">
+            <a:avLst/>
+          </a:prstGeom>
+          <a:solidFill>
+            <a:schemeClr val="tx2">
+              <a:lumMod val="75000"/>
+              <a:lumOff val="25000"/>
+            </a:schemeClr>
+          </a:solidFill>
+          <a:ln>
+            <a:noFill/>
+          </a:ln>
+        </p:spPr>
+        <p:style>
+          <a:lnRef idx="2">
+            <a:schemeClr val="accent1">
+              <a:shade val="15000"/>
+            </a:schemeClr>
+          </a:lnRef>
+          <a:fillRef idx="1">
+            <a:schemeClr val="accent1"/>
+          </a:fillRef>
+          <a:effectRef idx="0">
+            <a:schemeClr val="accent1"/>
+          </a:effectRef>
+          <a:fontRef idx="minor">
+            <a:schemeClr val="lt1"/>
+          </a:fontRef>
+        </p:style>
+        <p:txBody>
+          <a:bodyPr rtlCol="0" anchor="ctr"/>
+          <a:lstStyle/>
+          <a:p>
+            <a:pPr algn="ctr"/>
+            <a:endParaRPr lang="de-DE"/>
+          </a:p>
+        </p:txBody>
+      </p:sp>
+      <p:sp>
+        <p:nvSpPr>
+          <p:cNvPr id="20" name="Rechteck 19">
+            <a:extLst>
+              <a:ext uri="{FF2B5EF4-FFF2-40B4-BE49-F238E27FC236}">
+                <a16:creationId xmlns:a16="http://schemas.microsoft.com/office/drawing/2014/main" id="{ED57C00C-B2C0-CF6D-07A0-160720567786}"/>
+              </a:ext>
+            </a:extLst>
+          </p:cNvPr>
+          <p:cNvSpPr/>
+          <p:nvPr/>
+        </p:nvSpPr>
+        <p:spPr>
+          <a:xfrm rot="2700000">
+            <a:off x="2438459" y="-962227"/>
+            <a:ext cx="473711" cy="473711"/>
+          </a:xfrm>
+          <a:prstGeom prst="rect">
+            <a:avLst/>
+          </a:prstGeom>
+          <a:solidFill>
+            <a:schemeClr val="tx2">
+              <a:lumMod val="75000"/>
+              <a:lumOff val="25000"/>
+            </a:schemeClr>
+          </a:solidFill>
+          <a:ln>
+            <a:noFill/>
+          </a:ln>
+        </p:spPr>
+        <p:style>
+          <a:lnRef idx="2">
+            <a:schemeClr val="accent1">
+              <a:shade val="15000"/>
+            </a:schemeClr>
+          </a:lnRef>
+          <a:fillRef idx="1">
+            <a:schemeClr val="accent1"/>
+          </a:fillRef>
+          <a:effectRef idx="0">
+            <a:schemeClr val="accent1"/>
+          </a:effectRef>
+          <a:fontRef idx="minor">
+            <a:schemeClr val="lt1"/>
+          </a:fontRef>
+        </p:style>
+        <p:txBody>
+          <a:bodyPr rtlCol="0" anchor="ctr"/>
+          <a:lstStyle/>
+          <a:p>
+            <a:pPr algn="ctr"/>
+            <a:endParaRPr lang="de-DE"/>
+          </a:p>
+        </p:txBody>
+      </p:sp>
+      <p:sp>
+        <p:nvSpPr>
+          <p:cNvPr id="21" name="Rechteck 20">
+            <a:extLst>
+              <a:ext uri="{FF2B5EF4-FFF2-40B4-BE49-F238E27FC236}">
+                <a16:creationId xmlns:a16="http://schemas.microsoft.com/office/drawing/2014/main" id="{7FE9F280-E6D6-55C7-6BB5-7A16312CF94B}"/>
+              </a:ext>
+            </a:extLst>
+          </p:cNvPr>
+          <p:cNvSpPr/>
+          <p:nvPr/>
+        </p:nvSpPr>
+        <p:spPr>
+          <a:xfrm rot="2700000">
+            <a:off x="-675887" y="-5556923"/>
+            <a:ext cx="473711" cy="473711"/>
+          </a:xfrm>
+          <a:prstGeom prst="rect">
+            <a:avLst/>
+          </a:prstGeom>
+          <a:solidFill>
+            <a:schemeClr val="tx2">
+              <a:lumMod val="75000"/>
+              <a:lumOff val="25000"/>
+            </a:schemeClr>
+          </a:solidFill>
+          <a:ln>
+            <a:noFill/>
+          </a:ln>
+        </p:spPr>
+        <p:style>
+          <a:lnRef idx="2">
+            <a:schemeClr val="accent1">
+              <a:shade val="15000"/>
+            </a:schemeClr>
+          </a:lnRef>
+          <a:fillRef idx="1">
+            <a:schemeClr val="accent1"/>
+          </a:fillRef>
+          <a:effectRef idx="0">
+            <a:schemeClr val="accent1"/>
+          </a:effectRef>
+          <a:fontRef idx="minor">
+            <a:schemeClr val="lt1"/>
+          </a:fontRef>
+        </p:style>
+        <p:txBody>
+          <a:bodyPr rtlCol="0" anchor="ctr"/>
+          <a:lstStyle/>
+          <a:p>
+            <a:pPr algn="ctr"/>
+            <a:endParaRPr lang="de-DE"/>
+          </a:p>
+        </p:txBody>
+      </p:sp>
+      <p:sp>
+        <p:nvSpPr>
+          <p:cNvPr id="23" name="Rechteck 22">
+            <a:extLst>
+              <a:ext uri="{FF2B5EF4-FFF2-40B4-BE49-F238E27FC236}">
+                <a16:creationId xmlns:a16="http://schemas.microsoft.com/office/drawing/2014/main" id="{97DB8589-75CB-74E4-0C96-717044CACF36}"/>
+              </a:ext>
+            </a:extLst>
+          </p:cNvPr>
+          <p:cNvSpPr/>
+          <p:nvPr/>
+        </p:nvSpPr>
+        <p:spPr>
+          <a:xfrm rot="2700000">
+            <a:off x="1092062" y="-3072853"/>
+            <a:ext cx="1034116" cy="1034116"/>
+          </a:xfrm>
+          <a:prstGeom prst="rect">
+            <a:avLst/>
+          </a:prstGeom>
+          <a:solidFill>
+            <a:schemeClr val="tx2">
+              <a:lumMod val="75000"/>
+              <a:lumOff val="25000"/>
+            </a:schemeClr>
+          </a:solidFill>
+          <a:ln>
+            <a:noFill/>
+          </a:ln>
+        </p:spPr>
+        <p:style>
+          <a:lnRef idx="2">
+            <a:schemeClr val="accent1">
+              <a:shade val="15000"/>
+            </a:schemeClr>
+          </a:lnRef>
+          <a:fillRef idx="1">
+            <a:schemeClr val="accent1"/>
+          </a:fillRef>
+          <a:effectRef idx="0">
+            <a:schemeClr val="accent1"/>
+          </a:effectRef>
+          <a:fontRef idx="minor">
+            <a:schemeClr val="lt1"/>
+          </a:fontRef>
+        </p:style>
+        <p:txBody>
+          <a:bodyPr rtlCol="0" anchor="ctr"/>
+          <a:lstStyle/>
+          <a:p>
+            <a:pPr algn="ctr"/>
+            <a:endParaRPr lang="de-DE"/>
+          </a:p>
+        </p:txBody>
+      </p:sp>
+      <p:sp>
+        <p:nvSpPr>
+          <p:cNvPr id="24" name="Rechteck 23">
+            <a:extLst>
+              <a:ext uri="{FF2B5EF4-FFF2-40B4-BE49-F238E27FC236}">
+                <a16:creationId xmlns:a16="http://schemas.microsoft.com/office/drawing/2014/main" id="{13290191-6277-BCCB-9448-1F8C5961687B}"/>
+              </a:ext>
+            </a:extLst>
+          </p:cNvPr>
+          <p:cNvSpPr/>
+          <p:nvPr/>
+        </p:nvSpPr>
+        <p:spPr>
+          <a:xfrm rot="2700000">
+            <a:off x="2833823" y="-4591269"/>
+            <a:ext cx="473711" cy="473711"/>
+          </a:xfrm>
+          <a:prstGeom prst="rect">
+            <a:avLst/>
+          </a:prstGeom>
+          <a:solidFill>
+            <a:schemeClr val="tx2">
+              <a:lumMod val="75000"/>
+              <a:lumOff val="25000"/>
+            </a:schemeClr>
+          </a:solidFill>
+          <a:ln>
+            <a:noFill/>
+          </a:ln>
+        </p:spPr>
+        <p:style>
+          <a:lnRef idx="2">
+            <a:schemeClr val="accent1">
+              <a:shade val="15000"/>
+            </a:schemeClr>
+          </a:lnRef>
+          <a:fillRef idx="1">
+            <a:schemeClr val="accent1"/>
+          </a:fillRef>
+          <a:effectRef idx="0">
+            <a:schemeClr val="accent1"/>
+          </a:effectRef>
+          <a:fontRef idx="minor">
+            <a:schemeClr val="lt1"/>
+          </a:fontRef>
+        </p:style>
+        <p:txBody>
+          <a:bodyPr rtlCol="0" anchor="ctr"/>
+          <a:lstStyle/>
+          <a:p>
+            <a:pPr algn="ctr"/>
+            <a:endParaRPr lang="de-DE"/>
+          </a:p>
+        </p:txBody>
+      </p:sp>
+      <p:sp>
+        <p:nvSpPr>
+          <p:cNvPr id="25" name="Rechteck 24">
+            <a:extLst>
+              <a:ext uri="{FF2B5EF4-FFF2-40B4-BE49-F238E27FC236}">
+                <a16:creationId xmlns:a16="http://schemas.microsoft.com/office/drawing/2014/main" id="{F46A5130-F431-9850-13AC-391CB7FF7E40}"/>
+              </a:ext>
+            </a:extLst>
+          </p:cNvPr>
+          <p:cNvSpPr/>
+          <p:nvPr/>
+        </p:nvSpPr>
+        <p:spPr>
+          <a:xfrm rot="2700000">
+            <a:off x="737291" y="-4990897"/>
+            <a:ext cx="473711" cy="473711"/>
+          </a:xfrm>
+          <a:prstGeom prst="rect">
+            <a:avLst/>
+          </a:prstGeom>
+          <a:solidFill>
+            <a:schemeClr val="tx2">
+              <a:lumMod val="75000"/>
+              <a:lumOff val="25000"/>
+            </a:schemeClr>
+          </a:solidFill>
+          <a:ln>
+            <a:noFill/>
+          </a:ln>
+        </p:spPr>
+        <p:style>
+          <a:lnRef idx="2">
+            <a:schemeClr val="accent1">
+              <a:shade val="15000"/>
+            </a:schemeClr>
+          </a:lnRef>
+          <a:fillRef idx="1">
+            <a:schemeClr val="accent1"/>
+          </a:fillRef>
+          <a:effectRef idx="0">
+            <a:schemeClr val="accent1"/>
+          </a:effectRef>
+          <a:fontRef idx="minor">
+            <a:schemeClr val="lt1"/>
+          </a:fontRef>
+        </p:style>
+        <p:txBody>
+          <a:bodyPr rtlCol="0" anchor="ctr"/>
+          <a:lstStyle/>
+          <a:p>
+            <a:pPr algn="ctr"/>
+            <a:endParaRPr lang="de-DE"/>
+          </a:p>
+        </p:txBody>
+      </p:sp>
+      <p:sp>
+        <p:nvSpPr>
+          <p:cNvPr id="26" name="Rechteck 25">
+            <a:extLst>
+              <a:ext uri="{FF2B5EF4-FFF2-40B4-BE49-F238E27FC236}">
+                <a16:creationId xmlns:a16="http://schemas.microsoft.com/office/drawing/2014/main" id="{FAD18E8B-E182-AAA8-B7A1-F8BB2D56867B}"/>
+              </a:ext>
+            </a:extLst>
+          </p:cNvPr>
+          <p:cNvSpPr/>
+          <p:nvPr/>
+        </p:nvSpPr>
+        <p:spPr>
+          <a:xfrm rot="2700000">
+            <a:off x="3262880" y="-2463664"/>
+            <a:ext cx="285525" cy="285525"/>
+          </a:xfrm>
+          <a:prstGeom prst="rect">
+            <a:avLst/>
+          </a:prstGeom>
+          <a:solidFill>
+            <a:schemeClr val="tx2">
+              <a:lumMod val="75000"/>
+              <a:lumOff val="25000"/>
+            </a:schemeClr>
+          </a:solidFill>
+          <a:ln>
+            <a:noFill/>
+          </a:ln>
+        </p:spPr>
+        <p:style>
+          <a:lnRef idx="2">
+            <a:schemeClr val="accent1">
+              <a:shade val="15000"/>
+            </a:schemeClr>
+          </a:lnRef>
+          <a:fillRef idx="1">
+            <a:schemeClr val="accent1"/>
+          </a:fillRef>
+          <a:effectRef idx="0">
+            <a:schemeClr val="accent1"/>
+          </a:effectRef>
+          <a:fontRef idx="minor">
+            <a:schemeClr val="lt1"/>
+          </a:fontRef>
+        </p:style>
+        <p:txBody>
+          <a:bodyPr rtlCol="0" anchor="ctr"/>
+          <a:lstStyle/>
+          <a:p>
+            <a:pPr algn="ctr"/>
+            <a:endParaRPr lang="de-DE" dirty="0"/>
+          </a:p>
+        </p:txBody>
+      </p:sp>
+      <p:sp>
+        <p:nvSpPr>
+          <p:cNvPr id="2" name="!! Rechteck 26">
+            <a:extLst>
+              <a:ext uri="{FF2B5EF4-FFF2-40B4-BE49-F238E27FC236}">
+                <a16:creationId xmlns:a16="http://schemas.microsoft.com/office/drawing/2014/main" id="{C36B1B64-3B70-BBF6-CDF5-558B9E68BE8A}"/>
+              </a:ext>
+            </a:extLst>
+          </p:cNvPr>
+          <p:cNvSpPr/>
+          <p:nvPr/>
+        </p:nvSpPr>
+        <p:spPr>
+          <a:xfrm>
+            <a:off x="-773996" y="-265279"/>
+            <a:ext cx="14060457" cy="14060457"/>
+          </a:xfrm>
+          <a:prstGeom prst="rect">
+            <a:avLst/>
+          </a:prstGeom>
+          <a:solidFill>
+            <a:schemeClr val="tx1"/>
+          </a:solidFill>
+          <a:ln>
+            <a:noFill/>
+          </a:ln>
+        </p:spPr>
+        <p:style>
+          <a:lnRef idx="2">
+            <a:schemeClr val="accent1">
+              <a:shade val="15000"/>
+            </a:schemeClr>
+          </a:lnRef>
+          <a:fillRef idx="1">
+            <a:schemeClr val="accent1"/>
+          </a:fillRef>
+          <a:effectRef idx="0">
+            <a:schemeClr val="accent1"/>
+          </a:effectRef>
+          <a:fontRef idx="minor">
+            <a:schemeClr val="lt1"/>
+          </a:fontRef>
+        </p:style>
+        <p:txBody>
+          <a:bodyPr rtlCol="0" anchor="ctr"/>
+          <a:lstStyle/>
+          <a:p>
+            <a:pPr algn="ctr"/>
+            <a:endParaRPr lang="de-DE"/>
           </a:p>
         </p:txBody>
       </p:sp>
     </p:spTree>
     <p:extLst>
       <p:ext uri="{BB962C8B-B14F-4D97-AF65-F5344CB8AC3E}">
-        <p14:creationId xmlns:p14="http://schemas.microsoft.com/office/powerpoint/2010/main" val="3248887530"/>
+        <p14:creationId xmlns:p14="http://schemas.microsoft.com/office/powerpoint/2010/main" val="2968153475"/>
       </p:ext>
     </p:extLst>
   </p:cSld>
@@ -9211,12 +10641,12 @@
   </p:clrMapOvr>
   <mc:AlternateContent xmlns:mc="http://schemas.openxmlformats.org/markup-compatibility/2006">
     <mc:Choice xmlns:p159="http://schemas.microsoft.com/office/powerpoint/2015/09/main" Requires="p159">
-      <p:transition xmlns:p14="http://schemas.microsoft.com/office/powerpoint/2010/main" spd="slow" p14:dur="2000">
+      <p:transition xmlns:p14="http://schemas.microsoft.com/office/powerpoint/2010/main" spd="slow" p14:dur="2000" advClick="0" advTm="0">
         <p159:morph option="byObject"/>
       </p:transition>
     </mc:Choice>
     <mc:Fallback>
-      <p:transition spd="slow">
+      <p:transition spd="slow" advClick="0" advTm="0">
         <p:fade/>
       </p:transition>
     </mc:Fallback>

--- a/mvc-rpg/Model View Controller.pptx
+++ b/mvc-rpg/Model View Controller.pptx
@@ -273,7 +273,7 @@
           <a:p>
             <a:fld id="{BF3FDEC1-D995-44F4-B69D-7D22C29F415E}" type="datetimeFigureOut">
               <a:rPr lang="de-DE" smtClean="0"/>
-              <a:t>28.05.2024</a:t>
+              <a:t>29.05.2024</a:t>
             </a:fld>
             <a:endParaRPr lang="de-DE"/>
           </a:p>
@@ -471,7 +471,7 @@
           <a:p>
             <a:fld id="{BF3FDEC1-D995-44F4-B69D-7D22C29F415E}" type="datetimeFigureOut">
               <a:rPr lang="de-DE" smtClean="0"/>
-              <a:t>28.05.2024</a:t>
+              <a:t>29.05.2024</a:t>
             </a:fld>
             <a:endParaRPr lang="de-DE"/>
           </a:p>
@@ -679,7 +679,7 @@
           <a:p>
             <a:fld id="{BF3FDEC1-D995-44F4-B69D-7D22C29F415E}" type="datetimeFigureOut">
               <a:rPr lang="de-DE" smtClean="0"/>
-              <a:t>28.05.2024</a:t>
+              <a:t>29.05.2024</a:t>
             </a:fld>
             <a:endParaRPr lang="de-DE"/>
           </a:p>
@@ -877,7 +877,7 @@
           <a:p>
             <a:fld id="{BF3FDEC1-D995-44F4-B69D-7D22C29F415E}" type="datetimeFigureOut">
               <a:rPr lang="de-DE" smtClean="0"/>
-              <a:t>28.05.2024</a:t>
+              <a:t>29.05.2024</a:t>
             </a:fld>
             <a:endParaRPr lang="de-DE"/>
           </a:p>
@@ -1152,7 +1152,7 @@
           <a:p>
             <a:fld id="{BF3FDEC1-D995-44F4-B69D-7D22C29F415E}" type="datetimeFigureOut">
               <a:rPr lang="de-DE" smtClean="0"/>
-              <a:t>28.05.2024</a:t>
+              <a:t>29.05.2024</a:t>
             </a:fld>
             <a:endParaRPr lang="de-DE"/>
           </a:p>
@@ -1417,7 +1417,7 @@
           <a:p>
             <a:fld id="{BF3FDEC1-D995-44F4-B69D-7D22C29F415E}" type="datetimeFigureOut">
               <a:rPr lang="de-DE" smtClean="0"/>
-              <a:t>28.05.2024</a:t>
+              <a:t>29.05.2024</a:t>
             </a:fld>
             <a:endParaRPr lang="de-DE"/>
           </a:p>
@@ -1829,7 +1829,7 @@
           <a:p>
             <a:fld id="{BF3FDEC1-D995-44F4-B69D-7D22C29F415E}" type="datetimeFigureOut">
               <a:rPr lang="de-DE" smtClean="0"/>
-              <a:t>28.05.2024</a:t>
+              <a:t>29.05.2024</a:t>
             </a:fld>
             <a:endParaRPr lang="de-DE"/>
           </a:p>
@@ -1970,7 +1970,7 @@
           <a:p>
             <a:fld id="{BF3FDEC1-D995-44F4-B69D-7D22C29F415E}" type="datetimeFigureOut">
               <a:rPr lang="de-DE" smtClean="0"/>
-              <a:t>28.05.2024</a:t>
+              <a:t>29.05.2024</a:t>
             </a:fld>
             <a:endParaRPr lang="de-DE"/>
           </a:p>
@@ -2083,7 +2083,7 @@
           <a:p>
             <a:fld id="{BF3FDEC1-D995-44F4-B69D-7D22C29F415E}" type="datetimeFigureOut">
               <a:rPr lang="de-DE" smtClean="0"/>
-              <a:t>28.05.2024</a:t>
+              <a:t>29.05.2024</a:t>
             </a:fld>
             <a:endParaRPr lang="de-DE"/>
           </a:p>
@@ -2394,7 +2394,7 @@
           <a:p>
             <a:fld id="{BF3FDEC1-D995-44F4-B69D-7D22C29F415E}" type="datetimeFigureOut">
               <a:rPr lang="de-DE" smtClean="0"/>
-              <a:t>28.05.2024</a:t>
+              <a:t>29.05.2024</a:t>
             </a:fld>
             <a:endParaRPr lang="de-DE"/>
           </a:p>
@@ -2682,7 +2682,7 @@
           <a:p>
             <a:fld id="{BF3FDEC1-D995-44F4-B69D-7D22C29F415E}" type="datetimeFigureOut">
               <a:rPr lang="de-DE" smtClean="0"/>
-              <a:t>28.05.2024</a:t>
+              <a:t>29.05.2024</a:t>
             </a:fld>
             <a:endParaRPr lang="de-DE"/>
           </a:p>
@@ -2923,7 +2923,7 @@
           <a:p>
             <a:fld id="{BF3FDEC1-D995-44F4-B69D-7D22C29F415E}" type="datetimeFigureOut">
               <a:rPr lang="de-DE" smtClean="0"/>
-              <a:t>28.05.2024</a:t>
+              <a:t>29.05.2024</a:t>
             </a:fld>
             <a:endParaRPr lang="de-DE"/>
           </a:p>
@@ -3376,7 +3376,7 @@
                 </a:solidFill>
                 <a:latin typeface="Gotham" panose="02000504050000020004" pitchFamily="2" charset="0"/>
               </a:rPr>
-              <a:t>Model View Controller</a:t>
+              <a:t>Entity Framework</a:t>
             </a:r>
           </a:p>
         </p:txBody>
@@ -3648,7 +3648,7 @@
         </p:nvSpPr>
         <p:spPr>
           <a:xfrm>
-            <a:off x="1612158" y="4093331"/>
+            <a:off x="1612158" y="3976259"/>
             <a:ext cx="8916142" cy="1413765"/>
           </a:xfrm>
           <a:prstGeom prst="rect">
@@ -3747,7 +3747,7 @@
                 </a:solidFill>
                 <a:latin typeface="Gotham" panose="02000504050000020004" pitchFamily="2" charset="0"/>
               </a:rPr>
-              <a:t>Model View Controller</a:t>
+              <a:t>Entity Framework</a:t>
             </a:r>
           </a:p>
         </p:txBody>
@@ -4680,7 +4680,7 @@
                 </a:solidFill>
                 <a:latin typeface="Gotham" panose="02000504050000020004" pitchFamily="2" charset="0"/>
               </a:rPr>
-              <a:t>Model View Controller</a:t>
+              <a:t>Entity Framework</a:t>
             </a:r>
           </a:p>
         </p:txBody>
@@ -4892,7 +4892,7 @@
         </p:nvSpPr>
         <p:spPr>
           <a:xfrm>
-            <a:off x="524581" y="1995249"/>
+            <a:off x="524581" y="2732091"/>
             <a:ext cx="11634841" cy="2076653"/>
           </a:xfrm>
           <a:prstGeom prst="rect">
@@ -6853,13 +6853,13 @@
   <p:clrMapOvr>
     <a:masterClrMapping/>
   </p:clrMapOvr>
-  <mc:AlternateContent xmlns:mc="http://schemas.openxmlformats.org/markup-compatibility/2006">
-    <mc:Choice xmlns:p159="http://schemas.microsoft.com/office/powerpoint/2015/09/main" Requires="p159">
+  <mc:AlternateContent xmlns:mc="http://schemas.openxmlformats.org/markup-compatibility/2006" xmlns:p159="http://schemas.microsoft.com/office/powerpoint/2015/09/main">
+    <mc:Choice Requires="p159">
       <p:transition xmlns:p14="http://schemas.microsoft.com/office/powerpoint/2010/main" spd="slow" p14:dur="2000">
         <p159:morph option="byObject"/>
       </p:transition>
     </mc:Choice>
-    <mc:Fallback>
+    <mc:Fallback xmlns="">
       <p:transition spd="slow">
         <p:fade/>
       </p:transition>
@@ -8357,13 +8357,13 @@
   <p:clrMapOvr>
     <a:masterClrMapping/>
   </p:clrMapOvr>
-  <mc:AlternateContent xmlns:mc="http://schemas.openxmlformats.org/markup-compatibility/2006">
-    <mc:Choice xmlns:p159="http://schemas.microsoft.com/office/powerpoint/2015/09/main" Requires="p159">
+  <mc:AlternateContent xmlns:mc="http://schemas.openxmlformats.org/markup-compatibility/2006" xmlns:p159="http://schemas.microsoft.com/office/powerpoint/2015/09/main">
+    <mc:Choice Requires="p159">
       <p:transition xmlns:p14="http://schemas.microsoft.com/office/powerpoint/2010/main" spd="slow" p14:dur="2000" advClick="0">
         <p159:morph option="byObject"/>
       </p:transition>
     </mc:Choice>
-    <mc:Fallback>
+    <mc:Fallback xmlns="">
       <p:transition spd="slow" advClick="0">
         <p:fade/>
       </p:transition>
@@ -9498,13 +9498,13 @@
   <p:clrMapOvr>
     <a:masterClrMapping/>
   </p:clrMapOvr>
-  <mc:AlternateContent xmlns:mc="http://schemas.openxmlformats.org/markup-compatibility/2006">
-    <mc:Choice xmlns:p159="http://schemas.microsoft.com/office/powerpoint/2015/09/main" Requires="p159">
+  <mc:AlternateContent xmlns:mc="http://schemas.openxmlformats.org/markup-compatibility/2006" xmlns:p159="http://schemas.microsoft.com/office/powerpoint/2015/09/main">
+    <mc:Choice Requires="p159">
       <p:transition xmlns:p14="http://schemas.microsoft.com/office/powerpoint/2010/main" spd="slow" p14:dur="2000" advClick="0">
         <p159:morph option="byObject"/>
       </p:transition>
     </mc:Choice>
-    <mc:Fallback>
+    <mc:Fallback xmlns="">
       <p:transition spd="slow" advClick="0">
         <p:fade/>
       </p:transition>
@@ -10639,13 +10639,13 @@
   <p:clrMapOvr>
     <a:masterClrMapping/>
   </p:clrMapOvr>
-  <mc:AlternateContent xmlns:mc="http://schemas.openxmlformats.org/markup-compatibility/2006">
-    <mc:Choice xmlns:p159="http://schemas.microsoft.com/office/powerpoint/2015/09/main" Requires="p159">
+  <mc:AlternateContent xmlns:mc="http://schemas.openxmlformats.org/markup-compatibility/2006" xmlns:p159="http://schemas.microsoft.com/office/powerpoint/2015/09/main">
+    <mc:Choice Requires="p159">
       <p:transition xmlns:p14="http://schemas.microsoft.com/office/powerpoint/2010/main" spd="slow" p14:dur="2000" advClick="0" advTm="0">
         <p159:morph option="byObject"/>
       </p:transition>
     </mc:Choice>
-    <mc:Fallback>
+    <mc:Fallback xmlns="">
       <p:transition spd="slow" advClick="0" advTm="0">
         <p:fade/>
       </p:transition>
